--- a/slides/On-Campus/12_01_ReviewSession_CS163.pptx
+++ b/slides/On-Campus/12_01_ReviewSession_CS163.pptx
@@ -5,10 +5,10 @@
     <p:sldMasterId id="2147483648" r:id="rId4"/>
   </p:sldMasterIdLst>
   <p:notesMasterIdLst>
-    <p:notesMasterId r:id="rId16"/>
+    <p:notesMasterId r:id="rId17"/>
   </p:notesMasterIdLst>
   <p:handoutMasterIdLst>
-    <p:handoutMasterId r:id="rId17"/>
+    <p:handoutMasterId r:id="rId18"/>
   </p:handoutMasterIdLst>
   <p:sldIdLst>
     <p:sldId id="256" r:id="rId5"/>
@@ -19,9 +19,10 @@
     <p:sldId id="290" r:id="rId10"/>
     <p:sldId id="291" r:id="rId11"/>
     <p:sldId id="287" r:id="rId12"/>
-    <p:sldId id="292" r:id="rId13"/>
-    <p:sldId id="282" r:id="rId14"/>
-    <p:sldId id="285" r:id="rId15"/>
+    <p:sldId id="293" r:id="rId13"/>
+    <p:sldId id="292" r:id="rId14"/>
+    <p:sldId id="282" r:id="rId15"/>
+    <p:sldId id="285" r:id="rId16"/>
   </p:sldIdLst>
   <p:sldSz cx="13817600" cy="7772400"/>
   <p:notesSz cx="6858000" cy="9144000"/>
@@ -685,7 +686,7 @@
           <a:p>
             <a:fld id="{4D7E51A5-B478-1E40-8CBB-0DAA8831E99D}" type="datetimeFigureOut">
               <a:rPr lang="en-US" smtClean="0"/>
-              <a:t>11/7/2021</a:t>
+              <a:t>11/8/21</a:t>
             </a:fld>
             <a:endParaRPr lang="en-US"/>
           </a:p>
@@ -906,7 +907,7 @@
           <a:p>
             <a:fld id="{D0ED587F-861E-6740-9643-E3DDAE89B8D6}" type="datetimeFigureOut">
               <a:rPr lang="en-US" smtClean="0"/>
-              <a:t>11/7/2021</a:t>
+              <a:t>11/8/21</a:t>
             </a:fld>
             <a:endParaRPr lang="en-US"/>
           </a:p>
@@ -7862,6 +7863,112 @@
           <p:cNvPr id="2" name="Title 1">
             <a:extLst>
               <a:ext uri="{FF2B5EF4-FFF2-40B4-BE49-F238E27FC236}">
+                <a16:creationId xmlns:a16="http://schemas.microsoft.com/office/drawing/2014/main" id="{73FC01E1-2F4E-4537-986E-0DE7C2D4C52C}"/>
+              </a:ext>
+            </a:extLst>
+          </p:cNvPr>
+          <p:cNvSpPr>
+            <a:spLocks noGrp="1"/>
+          </p:cNvSpPr>
+          <p:nvPr>
+            <p:ph type="title"/>
+          </p:nvPr>
+        </p:nvSpPr>
+        <p:spPr/>
+        <p:txBody>
+          <a:bodyPr/>
+          <a:lstStyle/>
+          <a:p>
+            <a:r>
+              <a:rPr lang="en-US" dirty="0"/>
+              <a:t>Break Time</a:t>
+            </a:r>
+          </a:p>
+        </p:txBody>
+      </p:sp>
+      <p:sp>
+        <p:nvSpPr>
+          <p:cNvPr id="3" name="Text Placeholder 2">
+            <a:extLst>
+              <a:ext uri="{FF2B5EF4-FFF2-40B4-BE49-F238E27FC236}">
+                <a16:creationId xmlns:a16="http://schemas.microsoft.com/office/drawing/2014/main" id="{9456CD0B-02D4-45ED-8555-2ACFF776C0AB}"/>
+              </a:ext>
+            </a:extLst>
+          </p:cNvPr>
+          <p:cNvSpPr>
+            <a:spLocks noGrp="1"/>
+          </p:cNvSpPr>
+          <p:nvPr>
+            <p:ph type="body" idx="1"/>
+          </p:nvPr>
+        </p:nvSpPr>
+        <p:spPr/>
+        <p:txBody>
+          <a:bodyPr/>
+          <a:lstStyle/>
+          <a:p>
+            <a:r>
+              <a:rPr lang="en-US" dirty="0"/>
+              <a:t>Write a method / class / code at your table – include various things you know</a:t>
+            </a:r>
+          </a:p>
+          <a:p>
+            <a:r>
+              <a:rPr lang="en-US" dirty="0"/>
+              <a:t>Let someone else EXPLAIN what the output of your method will be</a:t>
+            </a:r>
+          </a:p>
+          <a:p>
+            <a:r>
+              <a:rPr lang="en-US" dirty="0"/>
+              <a:t>Then explain to them what you were going for, so </a:t>
+            </a:r>
+            <a:r>
+              <a:rPr lang="en-US"/>
+              <a:t>the answer</a:t>
+            </a:r>
+            <a:endParaRPr lang="en-US" dirty="0"/>
+          </a:p>
+        </p:txBody>
+      </p:sp>
+    </p:spTree>
+    <p:extLst>
+      <p:ext uri="{BB962C8B-B14F-4D97-AF65-F5344CB8AC3E}">
+        <p14:creationId xmlns:p14="http://schemas.microsoft.com/office/powerpoint/2010/main" val="1441112270"/>
+      </p:ext>
+    </p:extLst>
+  </p:cSld>
+  <p:clrMapOvr>
+    <a:masterClrMapping/>
+  </p:clrMapOvr>
+  <p:transition>
+    <p:fade/>
+  </p:transition>
+</p:sld>
+</file>
+
+<file path=ppt/slides/slide11.xml><?xml version="1.0" encoding="utf-8"?>
+<p:sld xmlns:a="http://schemas.openxmlformats.org/drawingml/2006/main" xmlns:r="http://schemas.openxmlformats.org/officeDocument/2006/relationships" xmlns:p="http://schemas.openxmlformats.org/presentationml/2006/main">
+  <p:cSld>
+    <p:spTree>
+      <p:nvGrpSpPr>
+        <p:cNvPr id="1" name=""/>
+        <p:cNvGrpSpPr/>
+        <p:nvPr/>
+      </p:nvGrpSpPr>
+      <p:grpSpPr>
+        <a:xfrm>
+          <a:off x="0" y="0"/>
+          <a:ext cx="0" cy="0"/>
+          <a:chOff x="0" y="0"/>
+          <a:chExt cx="0" cy="0"/>
+        </a:xfrm>
+      </p:grpSpPr>
+      <p:sp>
+        <p:nvSpPr>
+          <p:cNvPr id="2" name="Title 1">
+            <a:extLst>
+              <a:ext uri="{FF2B5EF4-FFF2-40B4-BE49-F238E27FC236}">
                 <a16:creationId xmlns:a16="http://schemas.microsoft.com/office/drawing/2014/main" id="{380B640B-36BF-3C4B-916C-AC584F6601AF}"/>
               </a:ext>
             </a:extLst>
@@ -10105,7 +10212,7 @@
 </p:sld>
 </file>
 
-<file path=ppt/slides/slide11.xml><?xml version="1.0" encoding="utf-8"?>
+<file path=ppt/slides/slide12.xml><?xml version="1.0" encoding="utf-8"?>
 <p:sld xmlns:a="http://schemas.openxmlformats.org/drawingml/2006/main" xmlns:r="http://schemas.openxmlformats.org/officeDocument/2006/relationships" xmlns:p="http://schemas.openxmlformats.org/presentationml/2006/main">
   <p:cSld>
     <p:spTree>
@@ -15136,8 +15243,8 @@
           </a:p>
         </p:txBody>
       </p:sp>
-      <mc:AlternateContent xmlns:mc="http://schemas.openxmlformats.org/markup-compatibility/2006">
-        <mc:Choice xmlns:p14="http://schemas.microsoft.com/office/powerpoint/2010/main" Requires="p14">
+      <mc:AlternateContent xmlns:mc="http://schemas.openxmlformats.org/markup-compatibility/2006" xmlns:p14="http://schemas.microsoft.com/office/powerpoint/2010/main">
+        <mc:Choice Requires="p14">
           <p:contentPart p14:bwMode="auto" r:id="rId2">
             <p14:nvContentPartPr>
               <p14:cNvPr id="68" name="Ink 67">
@@ -15156,7 +15263,7 @@
             </p14:xfrm>
           </p:contentPart>
         </mc:Choice>
-        <mc:Fallback>
+        <mc:Fallback xmlns="">
           <p:pic>
             <p:nvPicPr>
               <p:cNvPr id="68" name="Ink 67">
@@ -15187,8 +15294,8 @@
           </p:pic>
         </mc:Fallback>
       </mc:AlternateContent>
-      <mc:AlternateContent xmlns:mc="http://schemas.openxmlformats.org/markup-compatibility/2006">
-        <mc:Choice xmlns:p14="http://schemas.microsoft.com/office/powerpoint/2010/main" Requires="p14">
+      <mc:AlternateContent xmlns:mc="http://schemas.openxmlformats.org/markup-compatibility/2006" xmlns:p14="http://schemas.microsoft.com/office/powerpoint/2010/main">
+        <mc:Choice Requires="p14">
           <p:contentPart p14:bwMode="auto" r:id="rId4">
             <p14:nvContentPartPr>
               <p14:cNvPr id="69" name="Ink 68">
@@ -15207,7 +15314,7 @@
             </p14:xfrm>
           </p:contentPart>
         </mc:Choice>
-        <mc:Fallback>
+        <mc:Fallback xmlns="">
           <p:pic>
             <p:nvPicPr>
               <p:cNvPr id="69" name="Ink 68">
@@ -23893,7 +24000,7 @@
           <p:cNvPr id="2" name="Title 1">
             <a:extLst>
               <a:ext uri="{FF2B5EF4-FFF2-40B4-BE49-F238E27FC236}">
-                <a16:creationId xmlns:a16="http://schemas.microsoft.com/office/drawing/2014/main" id="{73FC01E1-2F4E-4537-986E-0DE7C2D4C52C}"/>
+                <a16:creationId xmlns:a16="http://schemas.microsoft.com/office/drawing/2014/main" id="{D2B6DFF6-9609-4444-BB57-9B46784A23C9}"/>
               </a:ext>
             </a:extLst>
           </p:cNvPr>
@@ -23911,7 +24018,7 @@
           <a:p>
             <a:r>
               <a:rPr lang="en-US" dirty="0"/>
-              <a:t>Break Time</a:t>
+              <a:t>Class / Objects</a:t>
             </a:r>
           </a:p>
         </p:txBody>
@@ -23921,7 +24028,7 @@
           <p:cNvPr id="3" name="Text Placeholder 2">
             <a:extLst>
               <a:ext uri="{FF2B5EF4-FFF2-40B4-BE49-F238E27FC236}">
-                <a16:creationId xmlns:a16="http://schemas.microsoft.com/office/drawing/2014/main" id="{9456CD0B-02D4-45ED-8555-2ACFF776C0AB}"/>
+                <a16:creationId xmlns:a16="http://schemas.microsoft.com/office/drawing/2014/main" id="{7D51C03B-D586-9348-BB8D-7083DDC60B04}"/>
               </a:ext>
             </a:extLst>
           </p:cNvPr>
@@ -23932,31 +24039,58 @@
             <p:ph type="body" idx="1"/>
           </p:nvPr>
         </p:nvSpPr>
-        <p:spPr/>
+        <p:spPr>
+          <a:xfrm>
+            <a:off x="628075" y="2487882"/>
+            <a:ext cx="12561413" cy="3991939"/>
+          </a:xfrm>
+        </p:spPr>
         <p:txBody>
           <a:bodyPr/>
           <a:lstStyle/>
           <a:p>
             <a:r>
               <a:rPr lang="en-US" dirty="0"/>
-              <a:t>Write a method / class / code at your table – include various things you know</a:t>
-            </a:r>
+              <a:t>Discussion – What is a class / object?</a:t>
+            </a:r>
+          </a:p>
+          <a:p>
+            <a:endParaRPr lang="en-US" dirty="0"/>
           </a:p>
           <a:p>
             <a:r>
               <a:rPr lang="en-US" dirty="0"/>
-              <a:t>Let someone else EXPLAIN what the output of your method will be</a:t>
+              <a:t>A block of code – that is reusable</a:t>
             </a:r>
           </a:p>
           <a:p>
             <a:r>
               <a:rPr lang="en-US" dirty="0"/>
-              <a:t>Then explain to them what you were going for, so </a:t>
-            </a:r>
-            <a:r>
-              <a:rPr lang="en-US"/>
-              <a:t>the answer</a:t>
-            </a:r>
+              <a:t>All objects/classes create new TYPES</a:t>
+            </a:r>
+          </a:p>
+          <a:p>
+            <a:r>
+              <a:rPr lang="en-US" dirty="0"/>
+              <a:t>Building blocks of programs</a:t>
+            </a:r>
+          </a:p>
+          <a:p>
+            <a:r>
+              <a:rPr lang="en-US" dirty="0"/>
+              <a:t>What can be stored in them?</a:t>
+            </a:r>
+          </a:p>
+          <a:p>
+            <a:r>
+              <a:rPr lang="en-US" dirty="0"/>
+              <a:t>How do you access what is stored?</a:t>
+            </a:r>
+          </a:p>
+          <a:p>
+            <a:pPr marL="230292" indent="0">
+              <a:buNone/>
+            </a:pPr>
             <a:endParaRPr lang="en-US" dirty="0"/>
           </a:p>
         </p:txBody>
@@ -23964,7 +24098,7 @@
     </p:spTree>
     <p:extLst>
       <p:ext uri="{BB962C8B-B14F-4D97-AF65-F5344CB8AC3E}">
-        <p14:creationId xmlns:p14="http://schemas.microsoft.com/office/powerpoint/2010/main" val="1441112270"/>
+        <p14:creationId xmlns:p14="http://schemas.microsoft.com/office/powerpoint/2010/main" val="1253004524"/>
       </p:ext>
     </p:extLst>
   </p:cSld>
@@ -24900,12 +25034,6 @@
 </file>
 
 <file path=customXml/item1.xml><?xml version="1.0" encoding="utf-8"?>
-<p:properties xmlns:p="http://schemas.microsoft.com/office/2006/metadata/properties" xmlns:xsi="http://www.w3.org/2001/XMLSchema-instance" xmlns:pc="http://schemas.microsoft.com/office/infopath/2007/PartnerControls">
-  <documentManagement/>
-</p:properties>
-</file>
-
-<file path=customXml/item2.xml><?xml version="1.0" encoding="utf-8"?>
 <ct:contentTypeSchema xmlns:ct="http://schemas.microsoft.com/office/2006/metadata/contentType" xmlns:ma="http://schemas.microsoft.com/office/2006/metadata/properties/metaAttributes" ct:_="" ma:_="" ma:contentTypeName="Document" ma:contentTypeID="0x010100074387D78AC76C4289401EF66FB51FCC" ma:contentTypeVersion="14" ma:contentTypeDescription="Create a new document." ma:contentTypeScope="" ma:versionID="16aa88660fc2fdca5573e381835fe0c9">
   <xsd:schema xmlns:xsd="http://www.w3.org/2001/XMLSchema" xmlns:xs="http://www.w3.org/2001/XMLSchema" xmlns:p="http://schemas.microsoft.com/office/2006/metadata/properties" xmlns:ns3="92c41bee-f0ee-4aa6-9399-a35fbb883510" xmlns:ns4="e06ed288-fd75-4b50-bbed-f5a5df88c31c" targetNamespace="http://schemas.microsoft.com/office/2006/metadata/properties" ma:root="true" ma:fieldsID="d08ce21c39dd96af8dcee1a6fd74aaf6" ns3:_="" ns4:_="">
     <xsd:import namespace="92c41bee-f0ee-4aa6-9399-a35fbb883510"/>
@@ -25134,6 +25262,12 @@
 </ct:contentTypeSchema>
 </file>
 
+<file path=customXml/item2.xml><?xml version="1.0" encoding="utf-8"?>
+<p:properties xmlns:p="http://schemas.microsoft.com/office/2006/metadata/properties" xmlns:xsi="http://www.w3.org/2001/XMLSchema-instance" xmlns:pc="http://schemas.microsoft.com/office/infopath/2007/PartnerControls">
+  <documentManagement/>
+</p:properties>
+</file>
+
 <file path=customXml/item3.xml><?xml version="1.0" encoding="utf-8"?>
 <?mso-contentType ?>
 <FormTemplates xmlns="http://schemas.microsoft.com/sharepoint/v3/contenttype/forms">
@@ -25144,23 +25278,6 @@
 </file>
 
 <file path=customXml/itemProps1.xml><?xml version="1.0" encoding="utf-8"?>
-<ds:datastoreItem xmlns:ds="http://schemas.openxmlformats.org/officeDocument/2006/customXml" ds:itemID="{E7B4BED8-6587-430C-8C6E-C226A7D33E25}">
-  <ds:schemaRefs>
-    <ds:schemaRef ds:uri="http://purl.org/dc/dcmitype/"/>
-    <ds:schemaRef ds:uri="http://schemas.microsoft.com/office/2006/documentManagement/types"/>
-    <ds:schemaRef ds:uri="http://purl.org/dc/elements/1.1/"/>
-    <ds:schemaRef ds:uri="e06ed288-fd75-4b50-bbed-f5a5df88c31c"/>
-    <ds:schemaRef ds:uri="http://schemas.microsoft.com/office/infopath/2007/PartnerControls"/>
-    <ds:schemaRef ds:uri="http://schemas.microsoft.com/office/2006/metadata/properties"/>
-    <ds:schemaRef ds:uri="92c41bee-f0ee-4aa6-9399-a35fbb883510"/>
-    <ds:schemaRef ds:uri="http://schemas.openxmlformats.org/package/2006/metadata/core-properties"/>
-    <ds:schemaRef ds:uri="http://www.w3.org/XML/1998/namespace"/>
-    <ds:schemaRef ds:uri="http://purl.org/dc/terms/"/>
-  </ds:schemaRefs>
-</ds:datastoreItem>
-</file>
-
-<file path=customXml/itemProps2.xml><?xml version="1.0" encoding="utf-8"?>
 <ds:datastoreItem xmlns:ds="http://schemas.openxmlformats.org/officeDocument/2006/customXml" ds:itemID="{B0282DB5-35EB-48D1-A750-D08F08F70F7C}">
   <ds:schemaRefs>
     <ds:schemaRef ds:uri="http://schemas.microsoft.com/office/2006/metadata/contentType"/>
@@ -25179,6 +25296,23 @@
 </ds:datastoreItem>
 </file>
 
+<file path=customXml/itemProps2.xml><?xml version="1.0" encoding="utf-8"?>
+<ds:datastoreItem xmlns:ds="http://schemas.openxmlformats.org/officeDocument/2006/customXml" ds:itemID="{E7B4BED8-6587-430C-8C6E-C226A7D33E25}">
+  <ds:schemaRefs>
+    <ds:schemaRef ds:uri="http://purl.org/dc/dcmitype/"/>
+    <ds:schemaRef ds:uri="http://schemas.microsoft.com/office/2006/documentManagement/types"/>
+    <ds:schemaRef ds:uri="http://purl.org/dc/elements/1.1/"/>
+    <ds:schemaRef ds:uri="e06ed288-fd75-4b50-bbed-f5a5df88c31c"/>
+    <ds:schemaRef ds:uri="http://schemas.microsoft.com/office/infopath/2007/PartnerControls"/>
+    <ds:schemaRef ds:uri="http://schemas.microsoft.com/office/2006/metadata/properties"/>
+    <ds:schemaRef ds:uri="92c41bee-f0ee-4aa6-9399-a35fbb883510"/>
+    <ds:schemaRef ds:uri="http://schemas.openxmlformats.org/package/2006/metadata/core-properties"/>
+    <ds:schemaRef ds:uri="http://www.w3.org/XML/1998/namespace"/>
+    <ds:schemaRef ds:uri="http://purl.org/dc/terms/"/>
+  </ds:schemaRefs>
+</ds:datastoreItem>
+</file>
+
 <file path=customXml/itemProps3.xml><?xml version="1.0" encoding="utf-8"?>
 <ds:datastoreItem xmlns:ds="http://schemas.openxmlformats.org/officeDocument/2006/customXml" ds:itemID="{859D3A98-3522-4EE5-94F5-88815D34F733}">
   <ds:schemaRefs>

--- a/slides/On-Campus/12_01_ReviewSession_CS163.pptx
+++ b/slides/On-Campus/12_01_ReviewSession_CS163.pptx
@@ -5,10 +5,10 @@
     <p:sldMasterId id="2147483648" r:id="rId4"/>
   </p:sldMasterIdLst>
   <p:notesMasterIdLst>
-    <p:notesMasterId r:id="rId16"/>
+    <p:notesMasterId r:id="rId20"/>
   </p:notesMasterIdLst>
   <p:handoutMasterIdLst>
-    <p:handoutMasterId r:id="rId17"/>
+    <p:handoutMasterId r:id="rId21"/>
   </p:handoutMasterIdLst>
   <p:sldIdLst>
     <p:sldId id="256" r:id="rId5"/>
@@ -19,9 +19,13 @@
     <p:sldId id="290" r:id="rId10"/>
     <p:sldId id="291" r:id="rId11"/>
     <p:sldId id="287" r:id="rId12"/>
-    <p:sldId id="292" r:id="rId13"/>
-    <p:sldId id="282" r:id="rId14"/>
-    <p:sldId id="285" r:id="rId15"/>
+    <p:sldId id="293" r:id="rId13"/>
+    <p:sldId id="294" r:id="rId14"/>
+    <p:sldId id="296" r:id="rId15"/>
+    <p:sldId id="297" r:id="rId16"/>
+    <p:sldId id="298" r:id="rId17"/>
+    <p:sldId id="295" r:id="rId18"/>
+    <p:sldId id="285" r:id="rId19"/>
   </p:sldIdLst>
   <p:sldSz cx="13817600" cy="7772400"/>
   <p:notesSz cx="6858000" cy="9144000"/>
@@ -685,7 +689,7 @@
           <a:p>
             <a:fld id="{4D7E51A5-B478-1E40-8CBB-0DAA8831E99D}" type="datetimeFigureOut">
               <a:rPr lang="en-US" smtClean="0"/>
-              <a:t>11/7/2021</a:t>
+              <a:t>11/9/2021</a:t>
             </a:fld>
             <a:endParaRPr lang="en-US"/>
           </a:p>
@@ -906,7 +910,7 @@
           <a:p>
             <a:fld id="{D0ED587F-861E-6740-9643-E3DDAE89B8D6}" type="datetimeFigureOut">
               <a:rPr lang="en-US" smtClean="0"/>
-              <a:t>11/7/2021</a:t>
+              <a:t>11/9/2021</a:t>
             </a:fld>
             <a:endParaRPr lang="en-US"/>
           </a:p>
@@ -7862,7 +7866,7 @@
           <p:cNvPr id="2" name="Title 1">
             <a:extLst>
               <a:ext uri="{FF2B5EF4-FFF2-40B4-BE49-F238E27FC236}">
-                <a16:creationId xmlns:a16="http://schemas.microsoft.com/office/drawing/2014/main" id="{380B640B-36BF-3C4B-916C-AC584F6601AF}"/>
+                <a16:creationId xmlns:a16="http://schemas.microsoft.com/office/drawing/2014/main" id="{18CD9D81-394A-48D1-BC22-52A5CFC7F60B}"/>
               </a:ext>
             </a:extLst>
           </p:cNvPr>
@@ -7873,10 +7877,67 @@
             <p:ph type="title"/>
           </p:nvPr>
         </p:nvSpPr>
+        <p:spPr/>
+        <p:txBody>
+          <a:bodyPr/>
+          <a:lstStyle/>
+          <a:p>
+            <a:r>
+              <a:rPr lang="en-US" dirty="0"/>
+              <a:t>Knowledge Check</a:t>
+            </a:r>
+          </a:p>
+        </p:txBody>
+      </p:sp>
+      <p:pic>
+        <p:nvPicPr>
+          <p:cNvPr id="5" name="Picture 4" descr="Graphical user interface, text, application&#10;&#10;Description automatically generated">
+            <a:extLst>
+              <a:ext uri="{FF2B5EF4-FFF2-40B4-BE49-F238E27FC236}">
+                <a16:creationId xmlns:a16="http://schemas.microsoft.com/office/drawing/2014/main" id="{D2DB8072-88EF-4649-B296-FB4670599AB0}"/>
+              </a:ext>
+            </a:extLst>
+          </p:cNvPr>
+          <p:cNvPicPr>
+            <a:picLocks noChangeAspect="1"/>
+          </p:cNvPicPr>
+          <p:nvPr/>
+        </p:nvPicPr>
+        <p:blipFill rotWithShape="1">
+          <a:blip r:embed="rId2"/>
+          <a:srcRect b="39134"/>
+          <a:stretch/>
+        </p:blipFill>
         <p:spPr>
           <a:xfrm>
-            <a:off x="628073" y="745880"/>
-            <a:ext cx="4947227" cy="1015663"/>
+            <a:off x="177517" y="1920725"/>
+            <a:ext cx="10534907" cy="3870475"/>
+          </a:xfrm>
+          <a:prstGeom prst="rect">
+            <a:avLst/>
+          </a:prstGeom>
+        </p:spPr>
+      </p:pic>
+      <p:sp>
+        <p:nvSpPr>
+          <p:cNvPr id="6" name="Text Placeholder 2">
+            <a:extLst>
+              <a:ext uri="{FF2B5EF4-FFF2-40B4-BE49-F238E27FC236}">
+                <a16:creationId xmlns:a16="http://schemas.microsoft.com/office/drawing/2014/main" id="{08244EC8-203B-4773-9AC8-C629B54CE8F0}"/>
+              </a:ext>
+            </a:extLst>
+          </p:cNvPr>
+          <p:cNvSpPr>
+            <a:spLocks noGrp="1"/>
+          </p:cNvSpPr>
+          <p:nvPr>
+            <p:ph type="body" idx="1"/>
+          </p:nvPr>
+        </p:nvSpPr>
+        <p:spPr>
+          <a:xfrm>
+            <a:off x="10642969" y="2479309"/>
+            <a:ext cx="3174631" cy="4327358"/>
           </a:xfrm>
         </p:spPr>
         <p:txBody>
@@ -7885,7 +7946,627 @@
           <a:p>
             <a:r>
               <a:rPr lang="en-US" dirty="0"/>
-              <a:t>Arrays and Recursion</a:t>
+              <a:t>Identify Base case</a:t>
+            </a:r>
+          </a:p>
+          <a:p>
+            <a:pPr lvl="1"/>
+            <a:r>
+              <a:rPr lang="en-US" dirty="0"/>
+              <a:t>Check variable that triggers it!</a:t>
+            </a:r>
+          </a:p>
+          <a:p>
+            <a:r>
+              <a:rPr lang="en-US" dirty="0"/>
+              <a:t>Identify the incrementor</a:t>
+            </a:r>
+          </a:p>
+          <a:p>
+            <a:pPr lvl="1"/>
+            <a:r>
+              <a:rPr lang="en-US" dirty="0"/>
+              <a:t>++pos</a:t>
+            </a:r>
+          </a:p>
+          <a:p>
+            <a:r>
+              <a:rPr lang="en-US" dirty="0"/>
+              <a:t>Identify recursive call</a:t>
+            </a:r>
+          </a:p>
+          <a:p>
+            <a:r>
+              <a:rPr lang="en-US" dirty="0"/>
+              <a:t>Work through simple case</a:t>
+            </a:r>
+          </a:p>
+          <a:p>
+            <a:pPr lvl="1"/>
+            <a:r>
+              <a:rPr lang="en-US" dirty="0"/>
+              <a:t>[0] or [0, 1]</a:t>
+            </a:r>
+          </a:p>
+          <a:p>
+            <a:r>
+              <a:rPr lang="en-US" dirty="0"/>
+              <a:t>Look for oddities</a:t>
+            </a:r>
+          </a:p>
+        </p:txBody>
+      </p:sp>
+      <p:sp>
+        <p:nvSpPr>
+          <p:cNvPr id="7" name="TextBox 6">
+            <a:extLst>
+              <a:ext uri="{FF2B5EF4-FFF2-40B4-BE49-F238E27FC236}">
+                <a16:creationId xmlns:a16="http://schemas.microsoft.com/office/drawing/2014/main" id="{7639FDEC-D957-4708-9CF1-99BA26E6BF19}"/>
+              </a:ext>
+            </a:extLst>
+          </p:cNvPr>
+          <p:cNvSpPr txBox="1"/>
+          <p:nvPr/>
+        </p:nvSpPr>
+        <p:spPr>
+          <a:xfrm>
+            <a:off x="885371" y="6008914"/>
+            <a:ext cx="6270172" cy="1015663"/>
+          </a:xfrm>
+          <a:prstGeom prst="rect">
+            <a:avLst/>
+          </a:prstGeom>
+          <a:noFill/>
+        </p:spPr>
+        <p:txBody>
+          <a:bodyPr wrap="square" rtlCol="0">
+            <a:spAutoFit/>
+          </a:bodyPr>
+          <a:lstStyle/>
+          <a:p>
+            <a:r>
+              <a:rPr lang="en-US" dirty="0"/>
+              <a:t>In English, adds all the numbers together!</a:t>
+            </a:r>
+          </a:p>
+          <a:p>
+            <a:r>
+              <a:rPr lang="en-US" dirty="0"/>
+              <a:t>If there is another array, starts again, adding numbers</a:t>
+            </a:r>
+          </a:p>
+          <a:p>
+            <a:r>
+              <a:rPr lang="en-US" dirty="0"/>
+              <a:t>So – 15 first answer, 30 second answer</a:t>
+            </a:r>
+          </a:p>
+        </p:txBody>
+      </p:sp>
+    </p:spTree>
+    <p:extLst>
+      <p:ext uri="{BB962C8B-B14F-4D97-AF65-F5344CB8AC3E}">
+        <p14:creationId xmlns:p14="http://schemas.microsoft.com/office/powerpoint/2010/main" val="814770385"/>
+      </p:ext>
+    </p:extLst>
+  </p:cSld>
+  <p:clrMapOvr>
+    <a:masterClrMapping/>
+  </p:clrMapOvr>
+  <p:transition>
+    <p:fade/>
+  </p:transition>
+  <p:timing>
+    <p:tnLst>
+      <p:par>
+        <p:cTn id="1" dur="indefinite" restart="never" nodeType="tmRoot">
+          <p:childTnLst>
+            <p:seq concurrent="1" nextAc="seek">
+              <p:cTn id="2" dur="indefinite" nodeType="mainSeq">
+                <p:childTnLst>
+                  <p:par>
+                    <p:cTn id="3" fill="hold">
+                      <p:stCondLst>
+                        <p:cond delay="indefinite"/>
+                      </p:stCondLst>
+                      <p:childTnLst>
+                        <p:par>
+                          <p:cTn id="4" fill="hold">
+                            <p:stCondLst>
+                              <p:cond delay="0"/>
+                            </p:stCondLst>
+                            <p:childTnLst>
+                              <p:par>
+                                <p:cTn id="5" presetID="10" presetClass="entr" presetSubtype="0" fill="hold" grpId="0" nodeType="clickEffect">
+                                  <p:stCondLst>
+                                    <p:cond delay="0"/>
+                                  </p:stCondLst>
+                                  <p:childTnLst>
+                                    <p:set>
+                                      <p:cBhvr>
+                                        <p:cTn id="6" dur="1" fill="hold">
+                                          <p:stCondLst>
+                                            <p:cond delay="0"/>
+                                          </p:stCondLst>
+                                        </p:cTn>
+                                        <p:tgtEl>
+                                          <p:spTgt spid="6">
+                                            <p:txEl>
+                                              <p:pRg st="0" end="0"/>
+                                            </p:txEl>
+                                          </p:spTgt>
+                                        </p:tgtEl>
+                                        <p:attrNameLst>
+                                          <p:attrName>style.visibility</p:attrName>
+                                        </p:attrNameLst>
+                                      </p:cBhvr>
+                                      <p:to>
+                                        <p:strVal val="visible"/>
+                                      </p:to>
+                                    </p:set>
+                                    <p:animEffect transition="in" filter="fade">
+                                      <p:cBhvr>
+                                        <p:cTn id="7" dur="500"/>
+                                        <p:tgtEl>
+                                          <p:spTgt spid="6">
+                                            <p:txEl>
+                                              <p:pRg st="0" end="0"/>
+                                            </p:txEl>
+                                          </p:spTgt>
+                                        </p:tgtEl>
+                                      </p:cBhvr>
+                                    </p:animEffect>
+                                  </p:childTnLst>
+                                </p:cTn>
+                              </p:par>
+                              <p:par>
+                                <p:cTn id="8" presetID="10" presetClass="entr" presetSubtype="0" fill="hold" grpId="0" nodeType="withEffect">
+                                  <p:stCondLst>
+                                    <p:cond delay="0"/>
+                                  </p:stCondLst>
+                                  <p:childTnLst>
+                                    <p:set>
+                                      <p:cBhvr>
+                                        <p:cTn id="9" dur="1" fill="hold">
+                                          <p:stCondLst>
+                                            <p:cond delay="0"/>
+                                          </p:stCondLst>
+                                        </p:cTn>
+                                        <p:tgtEl>
+                                          <p:spTgt spid="6">
+                                            <p:txEl>
+                                              <p:pRg st="1" end="1"/>
+                                            </p:txEl>
+                                          </p:spTgt>
+                                        </p:tgtEl>
+                                        <p:attrNameLst>
+                                          <p:attrName>style.visibility</p:attrName>
+                                        </p:attrNameLst>
+                                      </p:cBhvr>
+                                      <p:to>
+                                        <p:strVal val="visible"/>
+                                      </p:to>
+                                    </p:set>
+                                    <p:animEffect transition="in" filter="fade">
+                                      <p:cBhvr>
+                                        <p:cTn id="10" dur="500"/>
+                                        <p:tgtEl>
+                                          <p:spTgt spid="6">
+                                            <p:txEl>
+                                              <p:pRg st="1" end="1"/>
+                                            </p:txEl>
+                                          </p:spTgt>
+                                        </p:tgtEl>
+                                      </p:cBhvr>
+                                    </p:animEffect>
+                                  </p:childTnLst>
+                                </p:cTn>
+                              </p:par>
+                            </p:childTnLst>
+                          </p:cTn>
+                        </p:par>
+                      </p:childTnLst>
+                    </p:cTn>
+                  </p:par>
+                  <p:par>
+                    <p:cTn id="11" fill="hold">
+                      <p:stCondLst>
+                        <p:cond delay="indefinite"/>
+                      </p:stCondLst>
+                      <p:childTnLst>
+                        <p:par>
+                          <p:cTn id="12" fill="hold">
+                            <p:stCondLst>
+                              <p:cond delay="0"/>
+                            </p:stCondLst>
+                            <p:childTnLst>
+                              <p:par>
+                                <p:cTn id="13" presetID="10" presetClass="entr" presetSubtype="0" fill="hold" grpId="0" nodeType="clickEffect">
+                                  <p:stCondLst>
+                                    <p:cond delay="0"/>
+                                  </p:stCondLst>
+                                  <p:childTnLst>
+                                    <p:set>
+                                      <p:cBhvr>
+                                        <p:cTn id="14" dur="1" fill="hold">
+                                          <p:stCondLst>
+                                            <p:cond delay="0"/>
+                                          </p:stCondLst>
+                                        </p:cTn>
+                                        <p:tgtEl>
+                                          <p:spTgt spid="6">
+                                            <p:txEl>
+                                              <p:pRg st="2" end="2"/>
+                                            </p:txEl>
+                                          </p:spTgt>
+                                        </p:tgtEl>
+                                        <p:attrNameLst>
+                                          <p:attrName>style.visibility</p:attrName>
+                                        </p:attrNameLst>
+                                      </p:cBhvr>
+                                      <p:to>
+                                        <p:strVal val="visible"/>
+                                      </p:to>
+                                    </p:set>
+                                    <p:animEffect transition="in" filter="fade">
+                                      <p:cBhvr>
+                                        <p:cTn id="15" dur="500"/>
+                                        <p:tgtEl>
+                                          <p:spTgt spid="6">
+                                            <p:txEl>
+                                              <p:pRg st="2" end="2"/>
+                                            </p:txEl>
+                                          </p:spTgt>
+                                        </p:tgtEl>
+                                      </p:cBhvr>
+                                    </p:animEffect>
+                                  </p:childTnLst>
+                                </p:cTn>
+                              </p:par>
+                              <p:par>
+                                <p:cTn id="16" presetID="10" presetClass="entr" presetSubtype="0" fill="hold" grpId="0" nodeType="withEffect">
+                                  <p:stCondLst>
+                                    <p:cond delay="0"/>
+                                  </p:stCondLst>
+                                  <p:childTnLst>
+                                    <p:set>
+                                      <p:cBhvr>
+                                        <p:cTn id="17" dur="1" fill="hold">
+                                          <p:stCondLst>
+                                            <p:cond delay="0"/>
+                                          </p:stCondLst>
+                                        </p:cTn>
+                                        <p:tgtEl>
+                                          <p:spTgt spid="6">
+                                            <p:txEl>
+                                              <p:pRg st="3" end="3"/>
+                                            </p:txEl>
+                                          </p:spTgt>
+                                        </p:tgtEl>
+                                        <p:attrNameLst>
+                                          <p:attrName>style.visibility</p:attrName>
+                                        </p:attrNameLst>
+                                      </p:cBhvr>
+                                      <p:to>
+                                        <p:strVal val="visible"/>
+                                      </p:to>
+                                    </p:set>
+                                    <p:animEffect transition="in" filter="fade">
+                                      <p:cBhvr>
+                                        <p:cTn id="18" dur="500"/>
+                                        <p:tgtEl>
+                                          <p:spTgt spid="6">
+                                            <p:txEl>
+                                              <p:pRg st="3" end="3"/>
+                                            </p:txEl>
+                                          </p:spTgt>
+                                        </p:tgtEl>
+                                      </p:cBhvr>
+                                    </p:animEffect>
+                                  </p:childTnLst>
+                                </p:cTn>
+                              </p:par>
+                            </p:childTnLst>
+                          </p:cTn>
+                        </p:par>
+                      </p:childTnLst>
+                    </p:cTn>
+                  </p:par>
+                  <p:par>
+                    <p:cTn id="19" fill="hold">
+                      <p:stCondLst>
+                        <p:cond delay="indefinite"/>
+                      </p:stCondLst>
+                      <p:childTnLst>
+                        <p:par>
+                          <p:cTn id="20" fill="hold">
+                            <p:stCondLst>
+                              <p:cond delay="0"/>
+                            </p:stCondLst>
+                            <p:childTnLst>
+                              <p:par>
+                                <p:cTn id="21" presetID="10" presetClass="entr" presetSubtype="0" fill="hold" grpId="0" nodeType="clickEffect">
+                                  <p:stCondLst>
+                                    <p:cond delay="0"/>
+                                  </p:stCondLst>
+                                  <p:childTnLst>
+                                    <p:set>
+                                      <p:cBhvr>
+                                        <p:cTn id="22" dur="1" fill="hold">
+                                          <p:stCondLst>
+                                            <p:cond delay="0"/>
+                                          </p:stCondLst>
+                                        </p:cTn>
+                                        <p:tgtEl>
+                                          <p:spTgt spid="6">
+                                            <p:txEl>
+                                              <p:pRg st="4" end="4"/>
+                                            </p:txEl>
+                                          </p:spTgt>
+                                        </p:tgtEl>
+                                        <p:attrNameLst>
+                                          <p:attrName>style.visibility</p:attrName>
+                                        </p:attrNameLst>
+                                      </p:cBhvr>
+                                      <p:to>
+                                        <p:strVal val="visible"/>
+                                      </p:to>
+                                    </p:set>
+                                    <p:animEffect transition="in" filter="fade">
+                                      <p:cBhvr>
+                                        <p:cTn id="23" dur="500"/>
+                                        <p:tgtEl>
+                                          <p:spTgt spid="6">
+                                            <p:txEl>
+                                              <p:pRg st="4" end="4"/>
+                                            </p:txEl>
+                                          </p:spTgt>
+                                        </p:tgtEl>
+                                      </p:cBhvr>
+                                    </p:animEffect>
+                                  </p:childTnLst>
+                                </p:cTn>
+                              </p:par>
+                            </p:childTnLst>
+                          </p:cTn>
+                        </p:par>
+                      </p:childTnLst>
+                    </p:cTn>
+                  </p:par>
+                  <p:par>
+                    <p:cTn id="24" fill="hold">
+                      <p:stCondLst>
+                        <p:cond delay="indefinite"/>
+                      </p:stCondLst>
+                      <p:childTnLst>
+                        <p:par>
+                          <p:cTn id="25" fill="hold">
+                            <p:stCondLst>
+                              <p:cond delay="0"/>
+                            </p:stCondLst>
+                            <p:childTnLst>
+                              <p:par>
+                                <p:cTn id="26" presetID="10" presetClass="entr" presetSubtype="0" fill="hold" grpId="0" nodeType="clickEffect">
+                                  <p:stCondLst>
+                                    <p:cond delay="0"/>
+                                  </p:stCondLst>
+                                  <p:childTnLst>
+                                    <p:set>
+                                      <p:cBhvr>
+                                        <p:cTn id="27" dur="1" fill="hold">
+                                          <p:stCondLst>
+                                            <p:cond delay="0"/>
+                                          </p:stCondLst>
+                                        </p:cTn>
+                                        <p:tgtEl>
+                                          <p:spTgt spid="6">
+                                            <p:txEl>
+                                              <p:pRg st="5" end="5"/>
+                                            </p:txEl>
+                                          </p:spTgt>
+                                        </p:tgtEl>
+                                        <p:attrNameLst>
+                                          <p:attrName>style.visibility</p:attrName>
+                                        </p:attrNameLst>
+                                      </p:cBhvr>
+                                      <p:to>
+                                        <p:strVal val="visible"/>
+                                      </p:to>
+                                    </p:set>
+                                    <p:animEffect transition="in" filter="fade">
+                                      <p:cBhvr>
+                                        <p:cTn id="28" dur="500"/>
+                                        <p:tgtEl>
+                                          <p:spTgt spid="6">
+                                            <p:txEl>
+                                              <p:pRg st="5" end="5"/>
+                                            </p:txEl>
+                                          </p:spTgt>
+                                        </p:tgtEl>
+                                      </p:cBhvr>
+                                    </p:animEffect>
+                                  </p:childTnLst>
+                                </p:cTn>
+                              </p:par>
+                              <p:par>
+                                <p:cTn id="29" presetID="10" presetClass="entr" presetSubtype="0" fill="hold" grpId="0" nodeType="withEffect">
+                                  <p:stCondLst>
+                                    <p:cond delay="0"/>
+                                  </p:stCondLst>
+                                  <p:childTnLst>
+                                    <p:set>
+                                      <p:cBhvr>
+                                        <p:cTn id="30" dur="1" fill="hold">
+                                          <p:stCondLst>
+                                            <p:cond delay="0"/>
+                                          </p:stCondLst>
+                                        </p:cTn>
+                                        <p:tgtEl>
+                                          <p:spTgt spid="6">
+                                            <p:txEl>
+                                              <p:pRg st="6" end="6"/>
+                                            </p:txEl>
+                                          </p:spTgt>
+                                        </p:tgtEl>
+                                        <p:attrNameLst>
+                                          <p:attrName>style.visibility</p:attrName>
+                                        </p:attrNameLst>
+                                      </p:cBhvr>
+                                      <p:to>
+                                        <p:strVal val="visible"/>
+                                      </p:to>
+                                    </p:set>
+                                    <p:animEffect transition="in" filter="fade">
+                                      <p:cBhvr>
+                                        <p:cTn id="31" dur="500"/>
+                                        <p:tgtEl>
+                                          <p:spTgt spid="6">
+                                            <p:txEl>
+                                              <p:pRg st="6" end="6"/>
+                                            </p:txEl>
+                                          </p:spTgt>
+                                        </p:tgtEl>
+                                      </p:cBhvr>
+                                    </p:animEffect>
+                                  </p:childTnLst>
+                                </p:cTn>
+                              </p:par>
+                            </p:childTnLst>
+                          </p:cTn>
+                        </p:par>
+                      </p:childTnLst>
+                    </p:cTn>
+                  </p:par>
+                  <p:par>
+                    <p:cTn id="32" fill="hold">
+                      <p:stCondLst>
+                        <p:cond delay="indefinite"/>
+                      </p:stCondLst>
+                      <p:childTnLst>
+                        <p:par>
+                          <p:cTn id="33" fill="hold">
+                            <p:stCondLst>
+                              <p:cond delay="0"/>
+                            </p:stCondLst>
+                            <p:childTnLst>
+                              <p:par>
+                                <p:cTn id="34" presetID="10" presetClass="entr" presetSubtype="0" fill="hold" grpId="0" nodeType="clickEffect">
+                                  <p:stCondLst>
+                                    <p:cond delay="0"/>
+                                  </p:stCondLst>
+                                  <p:childTnLst>
+                                    <p:set>
+                                      <p:cBhvr>
+                                        <p:cTn id="35" dur="1" fill="hold">
+                                          <p:stCondLst>
+                                            <p:cond delay="0"/>
+                                          </p:stCondLst>
+                                        </p:cTn>
+                                        <p:tgtEl>
+                                          <p:spTgt spid="6">
+                                            <p:txEl>
+                                              <p:pRg st="7" end="7"/>
+                                            </p:txEl>
+                                          </p:spTgt>
+                                        </p:tgtEl>
+                                        <p:attrNameLst>
+                                          <p:attrName>style.visibility</p:attrName>
+                                        </p:attrNameLst>
+                                      </p:cBhvr>
+                                      <p:to>
+                                        <p:strVal val="visible"/>
+                                      </p:to>
+                                    </p:set>
+                                    <p:animEffect transition="in" filter="fade">
+                                      <p:cBhvr>
+                                        <p:cTn id="36" dur="500"/>
+                                        <p:tgtEl>
+                                          <p:spTgt spid="6">
+                                            <p:txEl>
+                                              <p:pRg st="7" end="7"/>
+                                            </p:txEl>
+                                          </p:spTgt>
+                                        </p:tgtEl>
+                                      </p:cBhvr>
+                                    </p:animEffect>
+                                  </p:childTnLst>
+                                </p:cTn>
+                              </p:par>
+                            </p:childTnLst>
+                          </p:cTn>
+                        </p:par>
+                      </p:childTnLst>
+                    </p:cTn>
+                  </p:par>
+                </p:childTnLst>
+              </p:cTn>
+              <p:prevCondLst>
+                <p:cond evt="onPrev" delay="0">
+                  <p:tgtEl>
+                    <p:sldTgt/>
+                  </p:tgtEl>
+                </p:cond>
+              </p:prevCondLst>
+              <p:nextCondLst>
+                <p:cond evt="onNext" delay="0">
+                  <p:tgtEl>
+                    <p:sldTgt/>
+                  </p:tgtEl>
+                </p:cond>
+              </p:nextCondLst>
+            </p:seq>
+          </p:childTnLst>
+        </p:cTn>
+      </p:par>
+    </p:tnLst>
+    <p:bldLst>
+      <p:bldP spid="6" grpId="0" build="p"/>
+    </p:bldLst>
+  </p:timing>
+</p:sld>
+</file>
+
+<file path=ppt/slides/slide11.xml><?xml version="1.0" encoding="utf-8"?>
+<p:sld xmlns:a="http://schemas.openxmlformats.org/drawingml/2006/main" xmlns:r="http://schemas.openxmlformats.org/officeDocument/2006/relationships" xmlns:p="http://schemas.openxmlformats.org/presentationml/2006/main">
+  <p:cSld>
+    <p:spTree>
+      <p:nvGrpSpPr>
+        <p:cNvPr id="1" name=""/>
+        <p:cNvGrpSpPr/>
+        <p:nvPr/>
+      </p:nvGrpSpPr>
+      <p:grpSpPr>
+        <a:xfrm>
+          <a:off x="0" y="0"/>
+          <a:ext cx="0" cy="0"/>
+          <a:chOff x="0" y="0"/>
+          <a:chExt cx="0" cy="0"/>
+        </a:xfrm>
+      </p:grpSpPr>
+      <p:sp>
+        <p:nvSpPr>
+          <p:cNvPr id="2" name="Title 1">
+            <a:extLst>
+              <a:ext uri="{FF2B5EF4-FFF2-40B4-BE49-F238E27FC236}">
+                <a16:creationId xmlns:a16="http://schemas.microsoft.com/office/drawing/2014/main" id="{DF97EA95-74C8-4C17-87B6-189F66D3DBF7}"/>
+              </a:ext>
+            </a:extLst>
+          </p:cNvPr>
+          <p:cNvSpPr>
+            <a:spLocks noGrp="1"/>
+          </p:cNvSpPr>
+          <p:nvPr>
+            <p:ph type="title"/>
+          </p:nvPr>
+        </p:nvSpPr>
+        <p:spPr/>
+        <p:txBody>
+          <a:bodyPr/>
+          <a:lstStyle/>
+          <a:p>
+            <a:r>
+              <a:rPr lang="en-US" dirty="0"/>
+              <a:t>Another Recursion Example</a:t>
             </a:r>
           </a:p>
         </p:txBody>
@@ -7895,7 +8576,7 @@
           <p:cNvPr id="3" name="Text Placeholder 2">
             <a:extLst>
               <a:ext uri="{FF2B5EF4-FFF2-40B4-BE49-F238E27FC236}">
-                <a16:creationId xmlns:a16="http://schemas.microsoft.com/office/drawing/2014/main" id="{52466651-B913-2643-95EC-1F7359A4277D}"/>
+                <a16:creationId xmlns:a16="http://schemas.microsoft.com/office/drawing/2014/main" id="{CA077B7B-707E-419E-8281-A8882E16A824}"/>
               </a:ext>
             </a:extLst>
           </p:cNvPr>
@@ -7903,13 +8584,13 @@
             <a:spLocks noGrp="1"/>
           </p:cNvSpPr>
           <p:nvPr>
-            <p:ph type="body" sz="quarter" idx="10"/>
+            <p:ph type="body" idx="1"/>
           </p:nvPr>
         </p:nvSpPr>
         <p:spPr>
           <a:xfrm>
-            <a:off x="395322" y="2003914"/>
-            <a:ext cx="6148698" cy="3670813"/>
+            <a:off x="9182285" y="2647540"/>
+            <a:ext cx="4234173" cy="3637146"/>
           </a:xfrm>
         </p:spPr>
         <p:txBody>
@@ -7918,51 +8599,3499 @@
           <a:p>
             <a:r>
               <a:rPr lang="en-US" dirty="0"/>
-              <a:t>Considering the code presented:</a:t>
-            </a:r>
-          </a:p>
-          <a:p>
-            <a:pPr lvl="1"/>
+              <a:t>Write out what this does on paper (individually)</a:t>
+            </a:r>
+          </a:p>
+          <a:p>
             <a:r>
               <a:rPr lang="en-US" dirty="0"/>
-              <a:t>Write  the method multiply using a loop that multiply the values of the array.</a:t>
-            </a:r>
-          </a:p>
-          <a:p>
-            <a:pPr lvl="1"/>
+              <a:t>Share solution with others, how do you keep track of it?</a:t>
+            </a:r>
+          </a:p>
+          <a:p>
             <a:r>
               <a:rPr lang="en-US" dirty="0"/>
-              <a:t>Rewrite the multiply method so it is done using a recursive approach.</a:t>
-            </a:r>
-          </a:p>
-          <a:p>
-            <a:pPr lvl="1"/>
+              <a:t>In your IDE, write the ‘loop’ version of this code</a:t>
+            </a:r>
+          </a:p>
+        </p:txBody>
+      </p:sp>
+      <p:sp>
+        <p:nvSpPr>
+          <p:cNvPr id="5" name="TextBox 4">
+            <a:extLst>
+              <a:ext uri="{FF2B5EF4-FFF2-40B4-BE49-F238E27FC236}">
+                <a16:creationId xmlns:a16="http://schemas.microsoft.com/office/drawing/2014/main" id="{D5F6F8AA-120A-4845-910B-64F8453B409D}"/>
+              </a:ext>
+            </a:extLst>
+          </p:cNvPr>
+          <p:cNvSpPr txBox="1"/>
+          <p:nvPr/>
+        </p:nvSpPr>
+        <p:spPr>
+          <a:xfrm>
+            <a:off x="224972" y="2060429"/>
+            <a:ext cx="9514113" cy="3477875"/>
+          </a:xfrm>
+          <a:prstGeom prst="rect">
+            <a:avLst/>
+          </a:prstGeom>
+          <a:noFill/>
+        </p:spPr>
+        <p:txBody>
+          <a:bodyPr wrap="square">
+            <a:spAutoFit/>
+          </a:bodyPr>
+          <a:lstStyle/>
+          <a:p>
+            <a:r>
+              <a:rPr lang="en-US" b="0" dirty="0">
+                <a:solidFill>
+                  <a:srgbClr val="333333"/>
+                </a:solidFill>
+                <a:effectLst/>
+                <a:latin typeface="Consolas" panose="020B0609020204030204" pitchFamily="49" charset="0"/>
+              </a:rPr>
+              <a:t>    </a:t>
+            </a:r>
+            <a:r>
+              <a:rPr lang="en-US" b="1" dirty="0">
+                <a:solidFill>
+                  <a:srgbClr val="073642"/>
+                </a:solidFill>
+                <a:effectLst/>
+                <a:latin typeface="Consolas" panose="020B0609020204030204" pitchFamily="49" charset="0"/>
+              </a:rPr>
+              <a:t>public</a:t>
+            </a:r>
+            <a:r>
+              <a:rPr lang="en-US" b="0" dirty="0">
+                <a:solidFill>
+                  <a:srgbClr val="333333"/>
+                </a:solidFill>
+                <a:effectLst/>
+                <a:latin typeface="Consolas" panose="020B0609020204030204" pitchFamily="49" charset="0"/>
+              </a:rPr>
+              <a:t> </a:t>
+            </a:r>
+            <a:r>
+              <a:rPr lang="en-US" b="1" dirty="0">
+                <a:solidFill>
+                  <a:srgbClr val="073642"/>
+                </a:solidFill>
+                <a:effectLst/>
+                <a:latin typeface="Consolas" panose="020B0609020204030204" pitchFamily="49" charset="0"/>
+              </a:rPr>
+              <a:t>static</a:t>
+            </a:r>
+            <a:r>
+              <a:rPr lang="en-US" b="0" dirty="0">
+                <a:solidFill>
+                  <a:srgbClr val="333333"/>
+                </a:solidFill>
+                <a:effectLst/>
+                <a:latin typeface="Consolas" panose="020B0609020204030204" pitchFamily="49" charset="0"/>
+              </a:rPr>
+              <a:t> </a:t>
+            </a:r>
+            <a:r>
+              <a:rPr lang="en-US" b="1" dirty="0">
+                <a:solidFill>
+                  <a:srgbClr val="073642"/>
+                </a:solidFill>
+                <a:effectLst/>
+                <a:latin typeface="Consolas" panose="020B0609020204030204" pitchFamily="49" charset="0"/>
+              </a:rPr>
+              <a:t>void</a:t>
+            </a:r>
+            <a:r>
+              <a:rPr lang="en-US" b="0" dirty="0">
+                <a:solidFill>
+                  <a:srgbClr val="333333"/>
+                </a:solidFill>
+                <a:effectLst/>
+                <a:latin typeface="Consolas" panose="020B0609020204030204" pitchFamily="49" charset="0"/>
+              </a:rPr>
+              <a:t> </a:t>
+            </a:r>
+            <a:r>
+              <a:rPr lang="en-US" b="0" dirty="0" err="1">
+                <a:solidFill>
+                  <a:srgbClr val="268BD2"/>
+                </a:solidFill>
+                <a:effectLst/>
+                <a:latin typeface="Consolas" panose="020B0609020204030204" pitchFamily="49" charset="0"/>
+              </a:rPr>
+              <a:t>inPlace</a:t>
+            </a:r>
+            <a:r>
+              <a:rPr lang="en-US" b="0" dirty="0">
+                <a:solidFill>
+                  <a:srgbClr val="333333"/>
+                </a:solidFill>
+                <a:effectLst/>
+                <a:latin typeface="Consolas" panose="020B0609020204030204" pitchFamily="49" charset="0"/>
+              </a:rPr>
+              <a:t>(</a:t>
+            </a:r>
+            <a:r>
+              <a:rPr lang="en-US" b="1" dirty="0">
+                <a:solidFill>
+                  <a:srgbClr val="073642"/>
+                </a:solidFill>
+                <a:effectLst/>
+                <a:latin typeface="Consolas" panose="020B0609020204030204" pitchFamily="49" charset="0"/>
+              </a:rPr>
+              <a:t>int</a:t>
+            </a:r>
+            <a:r>
+              <a:rPr lang="en-US" b="0" dirty="0">
+                <a:solidFill>
+                  <a:srgbClr val="333333"/>
+                </a:solidFill>
+                <a:effectLst/>
+                <a:latin typeface="Consolas" panose="020B0609020204030204" pitchFamily="49" charset="0"/>
+              </a:rPr>
+              <a:t>[] array, </a:t>
+            </a:r>
+            <a:r>
+              <a:rPr lang="en-US" b="1" dirty="0">
+                <a:solidFill>
+                  <a:srgbClr val="073642"/>
+                </a:solidFill>
+                <a:effectLst/>
+                <a:latin typeface="Consolas" panose="020B0609020204030204" pitchFamily="49" charset="0"/>
+              </a:rPr>
+              <a:t>int</a:t>
+            </a:r>
+            <a:r>
+              <a:rPr lang="en-US" b="0" dirty="0">
+                <a:solidFill>
+                  <a:srgbClr val="333333"/>
+                </a:solidFill>
+                <a:effectLst/>
+                <a:latin typeface="Consolas" panose="020B0609020204030204" pitchFamily="49" charset="0"/>
+              </a:rPr>
+              <a:t> pos1, </a:t>
+            </a:r>
+            <a:r>
+              <a:rPr lang="en-US" b="1" dirty="0">
+                <a:solidFill>
+                  <a:srgbClr val="073642"/>
+                </a:solidFill>
+                <a:effectLst/>
+                <a:latin typeface="Consolas" panose="020B0609020204030204" pitchFamily="49" charset="0"/>
+              </a:rPr>
+              <a:t>int</a:t>
+            </a:r>
+            <a:r>
+              <a:rPr lang="en-US" b="0" dirty="0">
+                <a:solidFill>
+                  <a:srgbClr val="333333"/>
+                </a:solidFill>
+                <a:effectLst/>
+                <a:latin typeface="Consolas" panose="020B0609020204030204" pitchFamily="49" charset="0"/>
+              </a:rPr>
+              <a:t> pos2) {</a:t>
+            </a:r>
+          </a:p>
+          <a:p>
+            <a:r>
+              <a:rPr lang="en-US" b="0" dirty="0">
+                <a:solidFill>
+                  <a:srgbClr val="333333"/>
+                </a:solidFill>
+                <a:effectLst/>
+                <a:latin typeface="Consolas" panose="020B0609020204030204" pitchFamily="49" charset="0"/>
+              </a:rPr>
+              <a:t>        </a:t>
+            </a:r>
+            <a:r>
+              <a:rPr lang="en-US" b="0" dirty="0">
+                <a:solidFill>
+                  <a:srgbClr val="859900"/>
+                </a:solidFill>
+                <a:effectLst/>
+                <a:latin typeface="Consolas" panose="020B0609020204030204" pitchFamily="49" charset="0"/>
+              </a:rPr>
+              <a:t>if</a:t>
+            </a:r>
+            <a:r>
+              <a:rPr lang="en-US" b="0" dirty="0">
+                <a:solidFill>
+                  <a:srgbClr val="333333"/>
+                </a:solidFill>
+                <a:effectLst/>
+                <a:latin typeface="Consolas" panose="020B0609020204030204" pitchFamily="49" charset="0"/>
+              </a:rPr>
+              <a:t> (pos2 </a:t>
+            </a:r>
+            <a:r>
+              <a:rPr lang="en-US" b="0" dirty="0">
+                <a:solidFill>
+                  <a:srgbClr val="859900"/>
+                </a:solidFill>
+                <a:effectLst/>
+                <a:latin typeface="Consolas" panose="020B0609020204030204" pitchFamily="49" charset="0"/>
+              </a:rPr>
+              <a:t>&lt;=</a:t>
+            </a:r>
+            <a:r>
+              <a:rPr lang="en-US" b="0" dirty="0">
+                <a:solidFill>
+                  <a:srgbClr val="333333"/>
+                </a:solidFill>
+                <a:effectLst/>
+                <a:latin typeface="Consolas" panose="020B0609020204030204" pitchFamily="49" charset="0"/>
+              </a:rPr>
+              <a:t> pos1) </a:t>
+            </a:r>
+            <a:r>
+              <a:rPr lang="en-US" b="0" dirty="0">
+                <a:solidFill>
+                  <a:srgbClr val="859900"/>
+                </a:solidFill>
+                <a:effectLst/>
+                <a:latin typeface="Consolas" panose="020B0609020204030204" pitchFamily="49" charset="0"/>
+              </a:rPr>
+              <a:t>return</a:t>
+            </a:r>
+            <a:r>
+              <a:rPr lang="en-US" b="0" dirty="0">
+                <a:solidFill>
+                  <a:srgbClr val="333333"/>
+                </a:solidFill>
+                <a:effectLst/>
+                <a:latin typeface="Consolas" panose="020B0609020204030204" pitchFamily="49" charset="0"/>
+              </a:rPr>
+              <a:t>; </a:t>
+            </a:r>
+          </a:p>
+          <a:p>
+            <a:r>
+              <a:rPr lang="en-US" b="0" dirty="0">
+                <a:solidFill>
+                  <a:srgbClr val="333333"/>
+                </a:solidFill>
+                <a:effectLst/>
+                <a:latin typeface="Consolas" panose="020B0609020204030204" pitchFamily="49" charset="0"/>
+              </a:rPr>
+              <a:t>        </a:t>
+            </a:r>
+            <a:r>
+              <a:rPr lang="en-US" b="1" dirty="0">
+                <a:solidFill>
+                  <a:srgbClr val="073642"/>
+                </a:solidFill>
+                <a:effectLst/>
+                <a:latin typeface="Consolas" panose="020B0609020204030204" pitchFamily="49" charset="0"/>
+              </a:rPr>
+              <a:t>int</a:t>
+            </a:r>
+            <a:r>
+              <a:rPr lang="en-US" b="0" dirty="0">
+                <a:solidFill>
+                  <a:srgbClr val="333333"/>
+                </a:solidFill>
+                <a:effectLst/>
+                <a:latin typeface="Consolas" panose="020B0609020204030204" pitchFamily="49" charset="0"/>
+              </a:rPr>
+              <a:t> </a:t>
+            </a:r>
+            <a:r>
+              <a:rPr lang="en-US" b="0" dirty="0" err="1">
+                <a:solidFill>
+                  <a:srgbClr val="268BD2"/>
+                </a:solidFill>
+                <a:effectLst/>
+                <a:latin typeface="Consolas" panose="020B0609020204030204" pitchFamily="49" charset="0"/>
+              </a:rPr>
+              <a:t>tmp</a:t>
+            </a:r>
+            <a:r>
+              <a:rPr lang="en-US" b="0" dirty="0">
+                <a:solidFill>
+                  <a:srgbClr val="333333"/>
+                </a:solidFill>
+                <a:effectLst/>
+                <a:latin typeface="Consolas" panose="020B0609020204030204" pitchFamily="49" charset="0"/>
+              </a:rPr>
+              <a:t> </a:t>
+            </a:r>
+            <a:r>
+              <a:rPr lang="en-US" b="0" dirty="0">
+                <a:solidFill>
+                  <a:srgbClr val="859900"/>
+                </a:solidFill>
+                <a:effectLst/>
+                <a:latin typeface="Consolas" panose="020B0609020204030204" pitchFamily="49" charset="0"/>
+              </a:rPr>
+              <a:t>=</a:t>
+            </a:r>
+            <a:r>
+              <a:rPr lang="en-US" b="0" dirty="0">
+                <a:solidFill>
+                  <a:srgbClr val="333333"/>
+                </a:solidFill>
+                <a:effectLst/>
+                <a:latin typeface="Consolas" panose="020B0609020204030204" pitchFamily="49" charset="0"/>
+              </a:rPr>
+              <a:t> array[pos1];</a:t>
+            </a:r>
+          </a:p>
+          <a:p>
+            <a:r>
+              <a:rPr lang="en-US" b="0" dirty="0">
+                <a:solidFill>
+                  <a:srgbClr val="333333"/>
+                </a:solidFill>
+                <a:effectLst/>
+                <a:latin typeface="Consolas" panose="020B0609020204030204" pitchFamily="49" charset="0"/>
+              </a:rPr>
+              <a:t>        array[pos1] </a:t>
+            </a:r>
+            <a:r>
+              <a:rPr lang="en-US" b="0" dirty="0">
+                <a:solidFill>
+                  <a:srgbClr val="859900"/>
+                </a:solidFill>
+                <a:effectLst/>
+                <a:latin typeface="Consolas" panose="020B0609020204030204" pitchFamily="49" charset="0"/>
+              </a:rPr>
+              <a:t>=</a:t>
+            </a:r>
+            <a:r>
+              <a:rPr lang="en-US" b="0" dirty="0">
+                <a:solidFill>
+                  <a:srgbClr val="333333"/>
+                </a:solidFill>
+                <a:effectLst/>
+                <a:latin typeface="Consolas" panose="020B0609020204030204" pitchFamily="49" charset="0"/>
+              </a:rPr>
+              <a:t> array[pos2];</a:t>
+            </a:r>
+          </a:p>
+          <a:p>
+            <a:r>
+              <a:rPr lang="en-US" b="0" dirty="0">
+                <a:solidFill>
+                  <a:srgbClr val="333333"/>
+                </a:solidFill>
+                <a:effectLst/>
+                <a:latin typeface="Consolas" panose="020B0609020204030204" pitchFamily="49" charset="0"/>
+              </a:rPr>
+              <a:t>        array[pos2] </a:t>
+            </a:r>
+            <a:r>
+              <a:rPr lang="en-US" b="0" dirty="0">
+                <a:solidFill>
+                  <a:srgbClr val="859900"/>
+                </a:solidFill>
+                <a:effectLst/>
+                <a:latin typeface="Consolas" panose="020B0609020204030204" pitchFamily="49" charset="0"/>
+              </a:rPr>
+              <a:t>=</a:t>
+            </a:r>
+            <a:r>
+              <a:rPr lang="en-US" b="0" dirty="0">
+                <a:solidFill>
+                  <a:srgbClr val="333333"/>
+                </a:solidFill>
+                <a:effectLst/>
+                <a:latin typeface="Consolas" panose="020B0609020204030204" pitchFamily="49" charset="0"/>
+              </a:rPr>
+              <a:t> </a:t>
+            </a:r>
+            <a:r>
+              <a:rPr lang="en-US" b="0" dirty="0" err="1">
+                <a:solidFill>
+                  <a:srgbClr val="268BD2"/>
+                </a:solidFill>
+                <a:effectLst/>
+                <a:latin typeface="Consolas" panose="020B0609020204030204" pitchFamily="49" charset="0"/>
+              </a:rPr>
+              <a:t>tmp</a:t>
+            </a:r>
+            <a:r>
+              <a:rPr lang="en-US" b="0" dirty="0">
+                <a:solidFill>
+                  <a:srgbClr val="333333"/>
+                </a:solidFill>
+                <a:effectLst/>
+                <a:latin typeface="Consolas" panose="020B0609020204030204" pitchFamily="49" charset="0"/>
+              </a:rPr>
+              <a:t>; </a:t>
+            </a:r>
+          </a:p>
+          <a:p>
+            <a:r>
+              <a:rPr lang="en-US" b="0" dirty="0">
+                <a:solidFill>
+                  <a:srgbClr val="333333"/>
+                </a:solidFill>
+                <a:effectLst/>
+                <a:latin typeface="Consolas" panose="020B0609020204030204" pitchFamily="49" charset="0"/>
+              </a:rPr>
+              <a:t>        </a:t>
+            </a:r>
+            <a:r>
+              <a:rPr lang="en-US" b="0" dirty="0" err="1">
+                <a:solidFill>
+                  <a:srgbClr val="268BD2"/>
+                </a:solidFill>
+                <a:effectLst/>
+                <a:latin typeface="Consolas" panose="020B0609020204030204" pitchFamily="49" charset="0"/>
+              </a:rPr>
+              <a:t>inPlace</a:t>
+            </a:r>
+            <a:r>
+              <a:rPr lang="en-US" b="0" dirty="0">
+                <a:solidFill>
+                  <a:srgbClr val="333333"/>
+                </a:solidFill>
+                <a:effectLst/>
+                <a:latin typeface="Consolas" panose="020B0609020204030204" pitchFamily="49" charset="0"/>
+              </a:rPr>
+              <a:t>(array, </a:t>
+            </a:r>
+            <a:r>
+              <a:rPr lang="en-US" b="0" dirty="0">
+                <a:solidFill>
+                  <a:srgbClr val="859900"/>
+                </a:solidFill>
+                <a:effectLst/>
+                <a:latin typeface="Consolas" panose="020B0609020204030204" pitchFamily="49" charset="0"/>
+              </a:rPr>
+              <a:t>++</a:t>
+            </a:r>
+            <a:r>
+              <a:rPr lang="en-US" b="0" dirty="0">
+                <a:solidFill>
+                  <a:srgbClr val="333333"/>
+                </a:solidFill>
+                <a:effectLst/>
+                <a:latin typeface="Consolas" panose="020B0609020204030204" pitchFamily="49" charset="0"/>
+              </a:rPr>
+              <a:t>pos1, </a:t>
+            </a:r>
+            <a:r>
+              <a:rPr lang="en-US" b="0" dirty="0">
+                <a:solidFill>
+                  <a:srgbClr val="859900"/>
+                </a:solidFill>
+                <a:effectLst/>
+                <a:latin typeface="Consolas" panose="020B0609020204030204" pitchFamily="49" charset="0"/>
+              </a:rPr>
+              <a:t>--</a:t>
+            </a:r>
+            <a:r>
+              <a:rPr lang="en-US" b="0" dirty="0">
+                <a:solidFill>
+                  <a:srgbClr val="333333"/>
+                </a:solidFill>
+                <a:effectLst/>
+                <a:latin typeface="Consolas" panose="020B0609020204030204" pitchFamily="49" charset="0"/>
+              </a:rPr>
+              <a:t>pos2);</a:t>
+            </a:r>
+          </a:p>
+          <a:p>
+            <a:r>
+              <a:rPr lang="en-US" b="0" dirty="0">
+                <a:solidFill>
+                  <a:srgbClr val="333333"/>
+                </a:solidFill>
+                <a:effectLst/>
+                <a:latin typeface="Consolas" panose="020B0609020204030204" pitchFamily="49" charset="0"/>
+              </a:rPr>
+              <a:t>    }</a:t>
+            </a:r>
+          </a:p>
+          <a:p>
+            <a:br>
+              <a:rPr lang="en-US" b="0" dirty="0">
+                <a:solidFill>
+                  <a:srgbClr val="333333"/>
+                </a:solidFill>
+                <a:effectLst/>
+                <a:latin typeface="Consolas" panose="020B0609020204030204" pitchFamily="49" charset="0"/>
+              </a:rPr>
+            </a:br>
+            <a:r>
+              <a:rPr lang="en-US" b="0" dirty="0">
+                <a:solidFill>
+                  <a:srgbClr val="333333"/>
+                </a:solidFill>
+                <a:effectLst/>
+                <a:latin typeface="Consolas" panose="020B0609020204030204" pitchFamily="49" charset="0"/>
+              </a:rPr>
+              <a:t>    </a:t>
+            </a:r>
+            <a:r>
+              <a:rPr lang="en-US" b="1" dirty="0">
+                <a:solidFill>
+                  <a:srgbClr val="073642"/>
+                </a:solidFill>
+                <a:effectLst/>
+                <a:latin typeface="Consolas" panose="020B0609020204030204" pitchFamily="49" charset="0"/>
+              </a:rPr>
+              <a:t>public</a:t>
+            </a:r>
+            <a:r>
+              <a:rPr lang="en-US" b="0" dirty="0">
+                <a:solidFill>
+                  <a:srgbClr val="333333"/>
+                </a:solidFill>
+                <a:effectLst/>
+                <a:latin typeface="Consolas" panose="020B0609020204030204" pitchFamily="49" charset="0"/>
+              </a:rPr>
+              <a:t> </a:t>
+            </a:r>
+            <a:r>
+              <a:rPr lang="en-US" b="1" dirty="0">
+                <a:solidFill>
+                  <a:srgbClr val="073642"/>
+                </a:solidFill>
+                <a:effectLst/>
+                <a:latin typeface="Consolas" panose="020B0609020204030204" pitchFamily="49" charset="0"/>
+              </a:rPr>
+              <a:t>static</a:t>
+            </a:r>
+            <a:r>
+              <a:rPr lang="en-US" b="0" dirty="0">
+                <a:solidFill>
+                  <a:srgbClr val="333333"/>
+                </a:solidFill>
+                <a:effectLst/>
+                <a:latin typeface="Consolas" panose="020B0609020204030204" pitchFamily="49" charset="0"/>
+              </a:rPr>
+              <a:t> </a:t>
+            </a:r>
+            <a:r>
+              <a:rPr lang="en-US" b="1" dirty="0">
+                <a:solidFill>
+                  <a:srgbClr val="073642"/>
+                </a:solidFill>
+                <a:effectLst/>
+                <a:latin typeface="Consolas" panose="020B0609020204030204" pitchFamily="49" charset="0"/>
+              </a:rPr>
+              <a:t>void</a:t>
+            </a:r>
+            <a:r>
+              <a:rPr lang="en-US" b="0" dirty="0">
+                <a:solidFill>
+                  <a:srgbClr val="333333"/>
+                </a:solidFill>
+                <a:effectLst/>
+                <a:latin typeface="Consolas" panose="020B0609020204030204" pitchFamily="49" charset="0"/>
+              </a:rPr>
+              <a:t> </a:t>
+            </a:r>
+            <a:r>
+              <a:rPr lang="en-US" b="0" dirty="0" err="1">
+                <a:solidFill>
+                  <a:srgbClr val="268BD2"/>
+                </a:solidFill>
+                <a:effectLst/>
+                <a:latin typeface="Consolas" panose="020B0609020204030204" pitchFamily="49" charset="0"/>
+              </a:rPr>
+              <a:t>inPlace</a:t>
+            </a:r>
+            <a:r>
+              <a:rPr lang="en-US" b="0" dirty="0">
+                <a:solidFill>
+                  <a:srgbClr val="333333"/>
+                </a:solidFill>
+                <a:effectLst/>
+                <a:latin typeface="Consolas" panose="020B0609020204030204" pitchFamily="49" charset="0"/>
+              </a:rPr>
+              <a:t>(</a:t>
+            </a:r>
+            <a:r>
+              <a:rPr lang="en-US" b="1" dirty="0">
+                <a:solidFill>
+                  <a:srgbClr val="073642"/>
+                </a:solidFill>
+                <a:effectLst/>
+                <a:latin typeface="Consolas" panose="020B0609020204030204" pitchFamily="49" charset="0"/>
+              </a:rPr>
+              <a:t>int</a:t>
+            </a:r>
+            <a:r>
+              <a:rPr lang="en-US" b="0" dirty="0">
+                <a:solidFill>
+                  <a:srgbClr val="333333"/>
+                </a:solidFill>
+                <a:effectLst/>
+                <a:latin typeface="Consolas" panose="020B0609020204030204" pitchFamily="49" charset="0"/>
+              </a:rPr>
+              <a:t>[] array) {</a:t>
+            </a:r>
+          </a:p>
+          <a:p>
+            <a:r>
+              <a:rPr lang="en-US" b="0" dirty="0">
+                <a:solidFill>
+                  <a:srgbClr val="333333"/>
+                </a:solidFill>
+                <a:effectLst/>
+                <a:latin typeface="Consolas" panose="020B0609020204030204" pitchFamily="49" charset="0"/>
+              </a:rPr>
+              <a:t>        </a:t>
+            </a:r>
+            <a:r>
+              <a:rPr lang="en-US" b="0" dirty="0" err="1">
+                <a:solidFill>
+                  <a:srgbClr val="268BD2"/>
+                </a:solidFill>
+                <a:effectLst/>
+                <a:latin typeface="Consolas" panose="020B0609020204030204" pitchFamily="49" charset="0"/>
+              </a:rPr>
+              <a:t>inPlace</a:t>
+            </a:r>
+            <a:r>
+              <a:rPr lang="en-US" b="0" dirty="0">
+                <a:solidFill>
+                  <a:srgbClr val="333333"/>
+                </a:solidFill>
+                <a:effectLst/>
+                <a:latin typeface="Consolas" panose="020B0609020204030204" pitchFamily="49" charset="0"/>
+              </a:rPr>
+              <a:t>(array, </a:t>
+            </a:r>
+            <a:r>
+              <a:rPr lang="en-US" b="0" dirty="0">
+                <a:solidFill>
+                  <a:srgbClr val="D33682"/>
+                </a:solidFill>
+                <a:effectLst/>
+                <a:latin typeface="Consolas" panose="020B0609020204030204" pitchFamily="49" charset="0"/>
+              </a:rPr>
+              <a:t>0</a:t>
+            </a:r>
+            <a:r>
+              <a:rPr lang="en-US" b="0" dirty="0">
+                <a:solidFill>
+                  <a:srgbClr val="333333"/>
+                </a:solidFill>
+                <a:effectLst/>
+                <a:latin typeface="Consolas" panose="020B0609020204030204" pitchFamily="49" charset="0"/>
+              </a:rPr>
+              <a:t>, </a:t>
+            </a:r>
+            <a:r>
+              <a:rPr lang="en-US" b="0" dirty="0">
+                <a:solidFill>
+                  <a:srgbClr val="268BD2"/>
+                </a:solidFill>
+                <a:effectLst/>
+                <a:latin typeface="Consolas" panose="020B0609020204030204" pitchFamily="49" charset="0"/>
+              </a:rPr>
+              <a:t>array</a:t>
+            </a:r>
+            <a:r>
+              <a:rPr lang="en-US" b="0" dirty="0">
+                <a:solidFill>
+                  <a:srgbClr val="333333"/>
+                </a:solidFill>
+                <a:effectLst/>
+                <a:latin typeface="Consolas" panose="020B0609020204030204" pitchFamily="49" charset="0"/>
+              </a:rPr>
+              <a:t>.</a:t>
+            </a:r>
+            <a:r>
+              <a:rPr lang="en-US" b="0" dirty="0">
+                <a:solidFill>
+                  <a:srgbClr val="268BD2"/>
+                </a:solidFill>
+                <a:effectLst/>
+                <a:latin typeface="Consolas" panose="020B0609020204030204" pitchFamily="49" charset="0"/>
+              </a:rPr>
+              <a:t>length</a:t>
+            </a:r>
+            <a:r>
+              <a:rPr lang="en-US" b="0" dirty="0">
+                <a:solidFill>
+                  <a:srgbClr val="859900"/>
+                </a:solidFill>
+                <a:effectLst/>
+                <a:latin typeface="Consolas" panose="020B0609020204030204" pitchFamily="49" charset="0"/>
+              </a:rPr>
+              <a:t>-</a:t>
+            </a:r>
+            <a:r>
+              <a:rPr lang="en-US" b="0" dirty="0">
+                <a:solidFill>
+                  <a:srgbClr val="D33682"/>
+                </a:solidFill>
+                <a:effectLst/>
+                <a:latin typeface="Consolas" panose="020B0609020204030204" pitchFamily="49" charset="0"/>
+              </a:rPr>
+              <a:t>1</a:t>
+            </a:r>
+            <a:r>
+              <a:rPr lang="en-US" b="0" dirty="0">
+                <a:solidFill>
+                  <a:srgbClr val="333333"/>
+                </a:solidFill>
+                <a:effectLst/>
+                <a:latin typeface="Consolas" panose="020B0609020204030204" pitchFamily="49" charset="0"/>
+              </a:rPr>
+              <a:t>);</a:t>
+            </a:r>
+          </a:p>
+          <a:p>
+            <a:r>
+              <a:rPr lang="en-US" b="0" dirty="0">
+                <a:solidFill>
+                  <a:srgbClr val="333333"/>
+                </a:solidFill>
+                <a:effectLst/>
+                <a:latin typeface="Consolas" panose="020B0609020204030204" pitchFamily="49" charset="0"/>
+              </a:rPr>
+              <a:t>    }</a:t>
+            </a:r>
+          </a:p>
+        </p:txBody>
+      </p:sp>
+      <p:sp>
+        <p:nvSpPr>
+          <p:cNvPr id="7" name="TextBox 6">
+            <a:extLst>
+              <a:ext uri="{FF2B5EF4-FFF2-40B4-BE49-F238E27FC236}">
+                <a16:creationId xmlns:a16="http://schemas.microsoft.com/office/drawing/2014/main" id="{E226D3C9-6F4B-49BF-8A72-D1E64A6D2F6C}"/>
+              </a:ext>
+            </a:extLst>
+          </p:cNvPr>
+          <p:cNvSpPr txBox="1"/>
+          <p:nvPr/>
+        </p:nvSpPr>
+        <p:spPr>
+          <a:xfrm>
+            <a:off x="442685" y="5927766"/>
+            <a:ext cx="7728858" cy="1015663"/>
+          </a:xfrm>
+          <a:prstGeom prst="rect">
+            <a:avLst/>
+          </a:prstGeom>
+          <a:noFill/>
+        </p:spPr>
+        <p:txBody>
+          <a:bodyPr wrap="square">
+            <a:spAutoFit/>
+          </a:bodyPr>
+          <a:lstStyle/>
+          <a:p>
+            <a:r>
+              <a:rPr lang="en-US" b="0" dirty="0">
+                <a:solidFill>
+                  <a:srgbClr val="333333"/>
+                </a:solidFill>
+                <a:effectLst/>
+                <a:latin typeface="Consolas" panose="020B0609020204030204" pitchFamily="49" charset="0"/>
+              </a:rPr>
+              <a:t> </a:t>
+            </a:r>
+            <a:r>
+              <a:rPr lang="en-US" b="1" dirty="0">
+                <a:solidFill>
+                  <a:srgbClr val="073642"/>
+                </a:solidFill>
+                <a:effectLst/>
+                <a:latin typeface="Consolas" panose="020B0609020204030204" pitchFamily="49" charset="0"/>
+              </a:rPr>
+              <a:t>int</a:t>
+            </a:r>
+            <a:r>
+              <a:rPr lang="en-US" b="0" dirty="0">
+                <a:solidFill>
+                  <a:srgbClr val="333333"/>
+                </a:solidFill>
+                <a:effectLst/>
+                <a:latin typeface="Consolas" panose="020B0609020204030204" pitchFamily="49" charset="0"/>
+              </a:rPr>
+              <a:t>[] </a:t>
+            </a:r>
+            <a:r>
+              <a:rPr lang="en-US" b="0" dirty="0" err="1">
+                <a:solidFill>
+                  <a:srgbClr val="268BD2"/>
+                </a:solidFill>
+                <a:effectLst/>
+                <a:latin typeface="Consolas" panose="020B0609020204030204" pitchFamily="49" charset="0"/>
+              </a:rPr>
+              <a:t>arr</a:t>
+            </a:r>
+            <a:r>
+              <a:rPr lang="en-US" b="0" dirty="0">
+                <a:solidFill>
+                  <a:srgbClr val="333333"/>
+                </a:solidFill>
+                <a:effectLst/>
+                <a:latin typeface="Consolas" panose="020B0609020204030204" pitchFamily="49" charset="0"/>
+              </a:rPr>
+              <a:t> </a:t>
+            </a:r>
+            <a:r>
+              <a:rPr lang="en-US" b="0" dirty="0">
+                <a:solidFill>
+                  <a:srgbClr val="859900"/>
+                </a:solidFill>
+                <a:effectLst/>
+                <a:latin typeface="Consolas" panose="020B0609020204030204" pitchFamily="49" charset="0"/>
+              </a:rPr>
+              <a:t>=</a:t>
+            </a:r>
+            <a:r>
+              <a:rPr lang="en-US" b="0" dirty="0">
+                <a:solidFill>
+                  <a:srgbClr val="333333"/>
+                </a:solidFill>
+                <a:effectLst/>
+                <a:latin typeface="Consolas" panose="020B0609020204030204" pitchFamily="49" charset="0"/>
+              </a:rPr>
+              <a:t> {</a:t>
+            </a:r>
+            <a:r>
+              <a:rPr lang="en-US" b="0" dirty="0">
+                <a:solidFill>
+                  <a:srgbClr val="D33682"/>
+                </a:solidFill>
+                <a:effectLst/>
+                <a:latin typeface="Consolas" panose="020B0609020204030204" pitchFamily="49" charset="0"/>
+              </a:rPr>
+              <a:t>10</a:t>
+            </a:r>
+            <a:r>
+              <a:rPr lang="en-US" b="0" dirty="0">
+                <a:solidFill>
+                  <a:srgbClr val="333333"/>
+                </a:solidFill>
+                <a:effectLst/>
+                <a:latin typeface="Consolas" panose="020B0609020204030204" pitchFamily="49" charset="0"/>
+              </a:rPr>
+              <a:t>, </a:t>
+            </a:r>
+            <a:r>
+              <a:rPr lang="en-US" b="0" dirty="0">
+                <a:solidFill>
+                  <a:srgbClr val="D33682"/>
+                </a:solidFill>
+                <a:effectLst/>
+                <a:latin typeface="Consolas" panose="020B0609020204030204" pitchFamily="49" charset="0"/>
+              </a:rPr>
+              <a:t>2</a:t>
+            </a:r>
+            <a:r>
+              <a:rPr lang="en-US" b="0" dirty="0">
+                <a:solidFill>
+                  <a:srgbClr val="333333"/>
+                </a:solidFill>
+                <a:effectLst/>
+                <a:latin typeface="Consolas" panose="020B0609020204030204" pitchFamily="49" charset="0"/>
+              </a:rPr>
+              <a:t>, </a:t>
+            </a:r>
+            <a:r>
+              <a:rPr lang="en-US" b="0" dirty="0">
+                <a:solidFill>
+                  <a:srgbClr val="D33682"/>
+                </a:solidFill>
+                <a:effectLst/>
+                <a:latin typeface="Consolas" panose="020B0609020204030204" pitchFamily="49" charset="0"/>
+              </a:rPr>
+              <a:t>3</a:t>
+            </a:r>
+            <a:r>
+              <a:rPr lang="en-US" b="0" dirty="0">
+                <a:solidFill>
+                  <a:srgbClr val="333333"/>
+                </a:solidFill>
+                <a:effectLst/>
+                <a:latin typeface="Consolas" panose="020B0609020204030204" pitchFamily="49" charset="0"/>
+              </a:rPr>
+              <a:t>, </a:t>
+            </a:r>
+            <a:r>
+              <a:rPr lang="en-US" b="0" dirty="0">
+                <a:solidFill>
+                  <a:srgbClr val="D33682"/>
+                </a:solidFill>
+                <a:effectLst/>
+                <a:latin typeface="Consolas" panose="020B0609020204030204" pitchFamily="49" charset="0"/>
+              </a:rPr>
+              <a:t>1</a:t>
+            </a:r>
+            <a:r>
+              <a:rPr lang="en-US" b="0" dirty="0">
+                <a:solidFill>
+                  <a:srgbClr val="333333"/>
+                </a:solidFill>
+                <a:effectLst/>
+                <a:latin typeface="Consolas" panose="020B0609020204030204" pitchFamily="49" charset="0"/>
+              </a:rPr>
+              <a:t>, </a:t>
+            </a:r>
+            <a:r>
+              <a:rPr lang="en-US" b="0" dirty="0">
+                <a:solidFill>
+                  <a:srgbClr val="D33682"/>
+                </a:solidFill>
+                <a:effectLst/>
+                <a:latin typeface="Consolas" panose="020B0609020204030204" pitchFamily="49" charset="0"/>
+              </a:rPr>
+              <a:t>5</a:t>
+            </a:r>
+            <a:r>
+              <a:rPr lang="en-US" b="0" dirty="0">
+                <a:solidFill>
+                  <a:srgbClr val="333333"/>
+                </a:solidFill>
+                <a:effectLst/>
+                <a:latin typeface="Consolas" panose="020B0609020204030204" pitchFamily="49" charset="0"/>
+              </a:rPr>
+              <a:t>, </a:t>
+            </a:r>
+            <a:r>
+              <a:rPr lang="en-US" b="0" dirty="0">
+                <a:solidFill>
+                  <a:srgbClr val="D33682"/>
+                </a:solidFill>
+                <a:effectLst/>
+                <a:latin typeface="Consolas" panose="020B0609020204030204" pitchFamily="49" charset="0"/>
+              </a:rPr>
+              <a:t>9</a:t>
+            </a:r>
+            <a:r>
+              <a:rPr lang="en-US" b="0" dirty="0">
+                <a:solidFill>
+                  <a:srgbClr val="333333"/>
+                </a:solidFill>
+                <a:effectLst/>
+                <a:latin typeface="Consolas" panose="020B0609020204030204" pitchFamily="49" charset="0"/>
+              </a:rPr>
+              <a:t>};</a:t>
+            </a:r>
+          </a:p>
+          <a:p>
+            <a:r>
+              <a:rPr lang="en-US" b="0" dirty="0">
+                <a:solidFill>
+                  <a:srgbClr val="333333"/>
+                </a:solidFill>
+                <a:effectLst/>
+                <a:latin typeface="Consolas" panose="020B0609020204030204" pitchFamily="49" charset="0"/>
+              </a:rPr>
+              <a:t> </a:t>
+            </a:r>
+            <a:r>
+              <a:rPr lang="en-US" b="0" dirty="0" err="1">
+                <a:solidFill>
+                  <a:srgbClr val="268BD2"/>
+                </a:solidFill>
+                <a:effectLst/>
+                <a:latin typeface="Consolas" panose="020B0609020204030204" pitchFamily="49" charset="0"/>
+              </a:rPr>
+              <a:t>inPlace</a:t>
+            </a:r>
+            <a:r>
+              <a:rPr lang="en-US" b="0" dirty="0">
+                <a:solidFill>
+                  <a:srgbClr val="333333"/>
+                </a:solidFill>
+                <a:effectLst/>
+                <a:latin typeface="Consolas" panose="020B0609020204030204" pitchFamily="49" charset="0"/>
+              </a:rPr>
+              <a:t>(</a:t>
+            </a:r>
+            <a:r>
+              <a:rPr lang="en-US" b="0" dirty="0" err="1">
+                <a:solidFill>
+                  <a:srgbClr val="268BD2"/>
+                </a:solidFill>
+                <a:effectLst/>
+                <a:latin typeface="Consolas" panose="020B0609020204030204" pitchFamily="49" charset="0"/>
+              </a:rPr>
+              <a:t>arr</a:t>
+            </a:r>
+            <a:r>
+              <a:rPr lang="en-US" b="0" dirty="0">
+                <a:solidFill>
+                  <a:srgbClr val="333333"/>
+                </a:solidFill>
+                <a:effectLst/>
+                <a:latin typeface="Consolas" panose="020B0609020204030204" pitchFamily="49" charset="0"/>
+              </a:rPr>
+              <a:t>);</a:t>
+            </a:r>
+          </a:p>
+          <a:p>
+            <a:r>
+              <a:rPr lang="en-US" b="0" dirty="0">
+                <a:solidFill>
+                  <a:srgbClr val="333333"/>
+                </a:solidFill>
+                <a:effectLst/>
+                <a:latin typeface="Consolas" panose="020B0609020204030204" pitchFamily="49" charset="0"/>
+              </a:rPr>
+              <a:t> </a:t>
+            </a:r>
+            <a:r>
+              <a:rPr lang="en-US" b="0" dirty="0" err="1">
+                <a:solidFill>
+                  <a:srgbClr val="268BD2"/>
+                </a:solidFill>
+                <a:effectLst/>
+                <a:latin typeface="Consolas" panose="020B0609020204030204" pitchFamily="49" charset="0"/>
+              </a:rPr>
+              <a:t>System</a:t>
+            </a:r>
+            <a:r>
+              <a:rPr lang="en-US" b="0" dirty="0" err="1">
+                <a:solidFill>
+                  <a:srgbClr val="333333"/>
+                </a:solidFill>
+                <a:effectLst/>
+                <a:latin typeface="Consolas" panose="020B0609020204030204" pitchFamily="49" charset="0"/>
+              </a:rPr>
+              <a:t>.</a:t>
+            </a:r>
+            <a:r>
+              <a:rPr lang="en-US" b="0" dirty="0" err="1">
+                <a:solidFill>
+                  <a:srgbClr val="268BD2"/>
+                </a:solidFill>
+                <a:effectLst/>
+                <a:latin typeface="Consolas" panose="020B0609020204030204" pitchFamily="49" charset="0"/>
+              </a:rPr>
+              <a:t>out</a:t>
+            </a:r>
+            <a:r>
+              <a:rPr lang="en-US" b="0" dirty="0" err="1">
+                <a:solidFill>
+                  <a:srgbClr val="333333"/>
+                </a:solidFill>
+                <a:effectLst/>
+                <a:latin typeface="Consolas" panose="020B0609020204030204" pitchFamily="49" charset="0"/>
+              </a:rPr>
+              <a:t>.</a:t>
+            </a:r>
+            <a:r>
+              <a:rPr lang="en-US" b="0" dirty="0" err="1">
+                <a:solidFill>
+                  <a:srgbClr val="268BD2"/>
+                </a:solidFill>
+                <a:effectLst/>
+                <a:latin typeface="Consolas" panose="020B0609020204030204" pitchFamily="49" charset="0"/>
+              </a:rPr>
+              <a:t>println</a:t>
+            </a:r>
+            <a:r>
+              <a:rPr lang="en-US" b="0" dirty="0">
+                <a:solidFill>
+                  <a:srgbClr val="333333"/>
+                </a:solidFill>
+                <a:effectLst/>
+                <a:latin typeface="Consolas" panose="020B0609020204030204" pitchFamily="49" charset="0"/>
+              </a:rPr>
+              <a:t>(</a:t>
+            </a:r>
+            <a:r>
+              <a:rPr lang="en-US" b="0" dirty="0" err="1">
+                <a:solidFill>
+                  <a:srgbClr val="268BD2"/>
+                </a:solidFill>
+                <a:effectLst/>
+                <a:latin typeface="Consolas" panose="020B0609020204030204" pitchFamily="49" charset="0"/>
+              </a:rPr>
+              <a:t>Arrays</a:t>
+            </a:r>
+            <a:r>
+              <a:rPr lang="en-US" b="0" dirty="0" err="1">
+                <a:solidFill>
+                  <a:srgbClr val="333333"/>
+                </a:solidFill>
+                <a:effectLst/>
+                <a:latin typeface="Consolas" panose="020B0609020204030204" pitchFamily="49" charset="0"/>
+              </a:rPr>
+              <a:t>.</a:t>
+            </a:r>
+            <a:r>
+              <a:rPr lang="en-US" b="0" dirty="0" err="1">
+                <a:solidFill>
+                  <a:srgbClr val="268BD2"/>
+                </a:solidFill>
+                <a:effectLst/>
+                <a:latin typeface="Consolas" panose="020B0609020204030204" pitchFamily="49" charset="0"/>
+              </a:rPr>
+              <a:t>toString</a:t>
+            </a:r>
+            <a:r>
+              <a:rPr lang="en-US" b="0" dirty="0">
+                <a:solidFill>
+                  <a:srgbClr val="333333"/>
+                </a:solidFill>
+                <a:effectLst/>
+                <a:latin typeface="Consolas" panose="020B0609020204030204" pitchFamily="49" charset="0"/>
+              </a:rPr>
+              <a:t>(</a:t>
+            </a:r>
+            <a:r>
+              <a:rPr lang="en-US" b="0" dirty="0" err="1">
+                <a:solidFill>
+                  <a:srgbClr val="268BD2"/>
+                </a:solidFill>
+                <a:effectLst/>
+                <a:latin typeface="Consolas" panose="020B0609020204030204" pitchFamily="49" charset="0"/>
+              </a:rPr>
+              <a:t>arr</a:t>
+            </a:r>
+            <a:r>
+              <a:rPr lang="en-US" b="0" dirty="0">
+                <a:solidFill>
+                  <a:srgbClr val="333333"/>
+                </a:solidFill>
+                <a:effectLst/>
+                <a:latin typeface="Consolas" panose="020B0609020204030204" pitchFamily="49" charset="0"/>
+              </a:rPr>
+              <a:t>));</a:t>
+            </a:r>
+          </a:p>
+        </p:txBody>
+      </p:sp>
+      <p:sp>
+        <p:nvSpPr>
+          <p:cNvPr id="8" name="TextBox 7">
+            <a:extLst>
+              <a:ext uri="{FF2B5EF4-FFF2-40B4-BE49-F238E27FC236}">
+                <a16:creationId xmlns:a16="http://schemas.microsoft.com/office/drawing/2014/main" id="{73AE80C3-D9EF-4690-BA4A-F4AF6F18FD58}"/>
+              </a:ext>
+            </a:extLst>
+          </p:cNvPr>
+          <p:cNvSpPr txBox="1"/>
+          <p:nvPr/>
+        </p:nvSpPr>
+        <p:spPr>
+          <a:xfrm>
+            <a:off x="8955315" y="6435597"/>
+            <a:ext cx="4688114" cy="707886"/>
+          </a:xfrm>
+          <a:prstGeom prst="rect">
+            <a:avLst/>
+          </a:prstGeom>
+          <a:solidFill>
+            <a:schemeClr val="accent1"/>
+          </a:solidFill>
+        </p:spPr>
+        <p:txBody>
+          <a:bodyPr wrap="square" rtlCol="0">
+            <a:spAutoFit/>
+          </a:bodyPr>
+          <a:lstStyle/>
+          <a:p>
             <a:r>
               <a:rPr lang="en-US" dirty="0"/>
-              <a:t>Write the </a:t>
-            </a:r>
-            <a:r>
-              <a:rPr lang="en-US" dirty="0" err="1"/>
-              <a:t>factorialMatrix</a:t>
-            </a:r>
+              <a:t>How could we modify this method to work on all types?</a:t>
+            </a:r>
+          </a:p>
+        </p:txBody>
+      </p:sp>
+    </p:spTree>
+    <p:extLst>
+      <p:ext uri="{BB962C8B-B14F-4D97-AF65-F5344CB8AC3E}">
+        <p14:creationId xmlns:p14="http://schemas.microsoft.com/office/powerpoint/2010/main" val="2106619296"/>
+      </p:ext>
+    </p:extLst>
+  </p:cSld>
+  <p:clrMapOvr>
+    <a:masterClrMapping/>
+  </p:clrMapOvr>
+  <p:transition>
+    <p:fade/>
+  </p:transition>
+  <p:timing>
+    <p:tnLst>
+      <p:par>
+        <p:cTn id="1" dur="indefinite" restart="never" nodeType="tmRoot">
+          <p:childTnLst>
+            <p:seq concurrent="1" nextAc="seek">
+              <p:cTn id="2" dur="indefinite" nodeType="mainSeq">
+                <p:childTnLst>
+                  <p:par>
+                    <p:cTn id="3" fill="hold">
+                      <p:stCondLst>
+                        <p:cond delay="indefinite"/>
+                      </p:stCondLst>
+                      <p:childTnLst>
+                        <p:par>
+                          <p:cTn id="4" fill="hold">
+                            <p:stCondLst>
+                              <p:cond delay="0"/>
+                            </p:stCondLst>
+                            <p:childTnLst>
+                              <p:par>
+                                <p:cTn id="5" presetID="10" presetClass="entr" presetSubtype="0" fill="hold" grpId="0" nodeType="clickEffect">
+                                  <p:stCondLst>
+                                    <p:cond delay="0"/>
+                                  </p:stCondLst>
+                                  <p:childTnLst>
+                                    <p:set>
+                                      <p:cBhvr>
+                                        <p:cTn id="6" dur="1" fill="hold">
+                                          <p:stCondLst>
+                                            <p:cond delay="0"/>
+                                          </p:stCondLst>
+                                        </p:cTn>
+                                        <p:tgtEl>
+                                          <p:spTgt spid="8"/>
+                                        </p:tgtEl>
+                                        <p:attrNameLst>
+                                          <p:attrName>style.visibility</p:attrName>
+                                        </p:attrNameLst>
+                                      </p:cBhvr>
+                                      <p:to>
+                                        <p:strVal val="visible"/>
+                                      </p:to>
+                                    </p:set>
+                                    <p:animEffect transition="in" filter="fade">
+                                      <p:cBhvr>
+                                        <p:cTn id="7" dur="500"/>
+                                        <p:tgtEl>
+                                          <p:spTgt spid="8"/>
+                                        </p:tgtEl>
+                                      </p:cBhvr>
+                                    </p:animEffect>
+                                  </p:childTnLst>
+                                </p:cTn>
+                              </p:par>
+                            </p:childTnLst>
+                          </p:cTn>
+                        </p:par>
+                      </p:childTnLst>
+                    </p:cTn>
+                  </p:par>
+                </p:childTnLst>
+              </p:cTn>
+              <p:prevCondLst>
+                <p:cond evt="onPrev" delay="0">
+                  <p:tgtEl>
+                    <p:sldTgt/>
+                  </p:tgtEl>
+                </p:cond>
+              </p:prevCondLst>
+              <p:nextCondLst>
+                <p:cond evt="onNext" delay="0">
+                  <p:tgtEl>
+                    <p:sldTgt/>
+                  </p:tgtEl>
+                </p:cond>
+              </p:nextCondLst>
+            </p:seq>
+          </p:childTnLst>
+        </p:cTn>
+      </p:par>
+    </p:tnLst>
+    <p:bldLst>
+      <p:bldP spid="8" grpId="0" animBg="1"/>
+    </p:bldLst>
+  </p:timing>
+</p:sld>
+</file>
+
+<file path=ppt/slides/slide12.xml><?xml version="1.0" encoding="utf-8"?>
+<p:sld xmlns:a="http://schemas.openxmlformats.org/drawingml/2006/main" xmlns:r="http://schemas.openxmlformats.org/officeDocument/2006/relationships" xmlns:p="http://schemas.openxmlformats.org/presentationml/2006/main">
+  <p:cSld>
+    <p:spTree>
+      <p:nvGrpSpPr>
+        <p:cNvPr id="1" name=""/>
+        <p:cNvGrpSpPr/>
+        <p:nvPr/>
+      </p:nvGrpSpPr>
+      <p:grpSpPr>
+        <a:xfrm>
+          <a:off x="0" y="0"/>
+          <a:ext cx="0" cy="0"/>
+          <a:chOff x="0" y="0"/>
+          <a:chExt cx="0" cy="0"/>
+        </a:xfrm>
+      </p:grpSpPr>
+      <p:sp>
+        <p:nvSpPr>
+          <p:cNvPr id="2" name="Title 1">
+            <a:extLst>
+              <a:ext uri="{FF2B5EF4-FFF2-40B4-BE49-F238E27FC236}">
+                <a16:creationId xmlns:a16="http://schemas.microsoft.com/office/drawing/2014/main" id="{574B13B7-49C6-43B7-8434-DE80C65B9A2C}"/>
+              </a:ext>
+            </a:extLst>
+          </p:cNvPr>
+          <p:cNvSpPr>
+            <a:spLocks noGrp="1"/>
+          </p:cNvSpPr>
+          <p:nvPr>
+            <p:ph type="title"/>
+          </p:nvPr>
+        </p:nvSpPr>
+        <p:spPr/>
+        <p:txBody>
+          <a:bodyPr/>
+          <a:lstStyle/>
+          <a:p>
             <a:r>
               <a:rPr lang="en-US" dirty="0"/>
-              <a:t> method that receives the array as a parameter and returns a 2D array where the first row is the array itself and the second row is the factorial value corresponding to the first row. Considering the </a:t>
-            </a:r>
-            <a:r>
-              <a:rPr lang="en-US" altLang="en-US" dirty="0"/>
-              <a:t>int [] array = {1,2,3,4}; we would have </a:t>
-            </a:r>
-            <a:endParaRPr lang="en-US" dirty="0"/>
+              <a:t>Classes and Objects</a:t>
+            </a:r>
+          </a:p>
+        </p:txBody>
+      </p:sp>
+      <p:sp>
+        <p:nvSpPr>
+          <p:cNvPr id="12" name="TextBox 11">
+            <a:extLst>
+              <a:ext uri="{FF2B5EF4-FFF2-40B4-BE49-F238E27FC236}">
+                <a16:creationId xmlns:a16="http://schemas.microsoft.com/office/drawing/2014/main" id="{FBF01D01-4EDB-4A5A-A938-6B9147079CFE}"/>
+              </a:ext>
+            </a:extLst>
+          </p:cNvPr>
+          <p:cNvSpPr txBox="1"/>
+          <p:nvPr/>
+        </p:nvSpPr>
+        <p:spPr>
+          <a:xfrm>
+            <a:off x="7781453" y="735280"/>
+            <a:ext cx="5689600" cy="4616648"/>
+          </a:xfrm>
+          <a:prstGeom prst="rect">
+            <a:avLst/>
+          </a:prstGeom>
+          <a:noFill/>
+          <a:ln>
+            <a:solidFill>
+              <a:schemeClr val="accent5"/>
+            </a:solidFill>
+          </a:ln>
+        </p:spPr>
+        <p:txBody>
+          <a:bodyPr wrap="square">
+            <a:spAutoFit/>
+          </a:bodyPr>
+          <a:lstStyle/>
+          <a:p>
+            <a:r>
+              <a:rPr lang="en-US" sz="1400" b="1" dirty="0">
+                <a:solidFill>
+                  <a:srgbClr val="073642"/>
+                </a:solidFill>
+                <a:effectLst/>
+                <a:latin typeface="Consolas" panose="020B0609020204030204" pitchFamily="49" charset="0"/>
+              </a:rPr>
+              <a:t>public</a:t>
+            </a:r>
+            <a:r>
+              <a:rPr lang="en-US" sz="1400" b="0" dirty="0">
+                <a:solidFill>
+                  <a:srgbClr val="333333"/>
+                </a:solidFill>
+                <a:effectLst/>
+                <a:latin typeface="Consolas" panose="020B0609020204030204" pitchFamily="49" charset="0"/>
+              </a:rPr>
+              <a:t> </a:t>
+            </a:r>
+            <a:r>
+              <a:rPr lang="en-US" sz="1400" b="1" dirty="0">
+                <a:solidFill>
+                  <a:srgbClr val="073642"/>
+                </a:solidFill>
+                <a:effectLst/>
+                <a:latin typeface="Consolas" panose="020B0609020204030204" pitchFamily="49" charset="0"/>
+              </a:rPr>
+              <a:t>class</a:t>
+            </a:r>
+            <a:r>
+              <a:rPr lang="en-US" sz="1400" b="0" dirty="0">
+                <a:solidFill>
+                  <a:srgbClr val="333333"/>
+                </a:solidFill>
+                <a:effectLst/>
+                <a:latin typeface="Consolas" panose="020B0609020204030204" pitchFamily="49" charset="0"/>
+              </a:rPr>
+              <a:t> </a:t>
+            </a:r>
+            <a:r>
+              <a:rPr lang="en-US" sz="1400" b="0" dirty="0">
+                <a:solidFill>
+                  <a:srgbClr val="268BD2"/>
+                </a:solidFill>
+                <a:effectLst/>
+                <a:latin typeface="Consolas" panose="020B0609020204030204" pitchFamily="49" charset="0"/>
+              </a:rPr>
+              <a:t>Review3</a:t>
+            </a:r>
+            <a:r>
+              <a:rPr lang="en-US" sz="1400" b="0" dirty="0">
+                <a:solidFill>
+                  <a:srgbClr val="333333"/>
+                </a:solidFill>
+                <a:effectLst/>
+                <a:latin typeface="Consolas" panose="020B0609020204030204" pitchFamily="49" charset="0"/>
+              </a:rPr>
+              <a:t> {</a:t>
+            </a:r>
+          </a:p>
+          <a:p>
+            <a:r>
+              <a:rPr lang="en-US" sz="1400" b="0" dirty="0">
+                <a:solidFill>
+                  <a:srgbClr val="333333"/>
+                </a:solidFill>
+                <a:effectLst/>
+                <a:latin typeface="Consolas" panose="020B0609020204030204" pitchFamily="49" charset="0"/>
+              </a:rPr>
+              <a:t>    </a:t>
+            </a:r>
+            <a:r>
+              <a:rPr lang="en-US" sz="1400" b="1" dirty="0">
+                <a:solidFill>
+                  <a:srgbClr val="073642"/>
+                </a:solidFill>
+                <a:effectLst/>
+                <a:latin typeface="Consolas" panose="020B0609020204030204" pitchFamily="49" charset="0"/>
+              </a:rPr>
+              <a:t>public</a:t>
+            </a:r>
+            <a:r>
+              <a:rPr lang="en-US" sz="1400" b="0" dirty="0">
+                <a:solidFill>
+                  <a:srgbClr val="333333"/>
+                </a:solidFill>
+                <a:effectLst/>
+                <a:latin typeface="Consolas" panose="020B0609020204030204" pitchFamily="49" charset="0"/>
+              </a:rPr>
+              <a:t> </a:t>
+            </a:r>
+            <a:r>
+              <a:rPr lang="en-US" sz="1400" b="1" dirty="0">
+                <a:solidFill>
+                  <a:srgbClr val="073642"/>
+                </a:solidFill>
+                <a:effectLst/>
+                <a:latin typeface="Consolas" panose="020B0609020204030204" pitchFamily="49" charset="0"/>
+              </a:rPr>
+              <a:t>static</a:t>
+            </a:r>
+            <a:r>
+              <a:rPr lang="en-US" sz="1400" b="0" dirty="0">
+                <a:solidFill>
+                  <a:srgbClr val="333333"/>
+                </a:solidFill>
+                <a:effectLst/>
+                <a:latin typeface="Consolas" panose="020B0609020204030204" pitchFamily="49" charset="0"/>
+              </a:rPr>
+              <a:t> </a:t>
+            </a:r>
+            <a:r>
+              <a:rPr lang="en-US" sz="1400" b="1" dirty="0">
+                <a:solidFill>
+                  <a:srgbClr val="073642"/>
+                </a:solidFill>
+                <a:effectLst/>
+                <a:latin typeface="Consolas" panose="020B0609020204030204" pitchFamily="49" charset="0"/>
+              </a:rPr>
+              <a:t>final</a:t>
+            </a:r>
+            <a:r>
+              <a:rPr lang="en-US" sz="1400" b="0" dirty="0">
+                <a:solidFill>
+                  <a:srgbClr val="333333"/>
+                </a:solidFill>
+                <a:effectLst/>
+                <a:latin typeface="Consolas" panose="020B0609020204030204" pitchFamily="49" charset="0"/>
+              </a:rPr>
+              <a:t> </a:t>
+            </a:r>
+            <a:r>
+              <a:rPr lang="en-US" sz="1400" b="1" dirty="0">
+                <a:solidFill>
+                  <a:srgbClr val="073642"/>
+                </a:solidFill>
+                <a:effectLst/>
+                <a:latin typeface="Consolas" panose="020B0609020204030204" pitchFamily="49" charset="0"/>
+              </a:rPr>
+              <a:t>int</a:t>
+            </a:r>
+            <a:r>
+              <a:rPr lang="en-US" sz="1400" b="0" dirty="0">
+                <a:solidFill>
+                  <a:srgbClr val="333333"/>
+                </a:solidFill>
+                <a:effectLst/>
+                <a:latin typeface="Consolas" panose="020B0609020204030204" pitchFamily="49" charset="0"/>
+              </a:rPr>
+              <a:t> </a:t>
+            </a:r>
+            <a:r>
+              <a:rPr lang="en-US" sz="1400" b="0" dirty="0">
+                <a:solidFill>
+                  <a:srgbClr val="268BD2"/>
+                </a:solidFill>
+                <a:effectLst/>
+                <a:latin typeface="Consolas" panose="020B0609020204030204" pitchFamily="49" charset="0"/>
+              </a:rPr>
+              <a:t>MY_VAL</a:t>
+            </a:r>
+            <a:r>
+              <a:rPr lang="en-US" sz="1400" b="0" dirty="0">
+                <a:solidFill>
+                  <a:srgbClr val="333333"/>
+                </a:solidFill>
+                <a:effectLst/>
+                <a:latin typeface="Consolas" panose="020B0609020204030204" pitchFamily="49" charset="0"/>
+              </a:rPr>
+              <a:t> </a:t>
+            </a:r>
+            <a:r>
+              <a:rPr lang="en-US" sz="1400" b="0" dirty="0">
+                <a:solidFill>
+                  <a:srgbClr val="859900"/>
+                </a:solidFill>
+                <a:effectLst/>
+                <a:latin typeface="Consolas" panose="020B0609020204030204" pitchFamily="49" charset="0"/>
+              </a:rPr>
+              <a:t>=</a:t>
+            </a:r>
+            <a:r>
+              <a:rPr lang="en-US" sz="1400" b="0" dirty="0">
+                <a:solidFill>
+                  <a:srgbClr val="333333"/>
+                </a:solidFill>
+                <a:effectLst/>
+                <a:latin typeface="Consolas" panose="020B0609020204030204" pitchFamily="49" charset="0"/>
+              </a:rPr>
+              <a:t> </a:t>
+            </a:r>
+            <a:r>
+              <a:rPr lang="en-US" sz="1400" b="0" dirty="0">
+                <a:solidFill>
+                  <a:srgbClr val="D33682"/>
+                </a:solidFill>
+                <a:effectLst/>
+                <a:latin typeface="Consolas" panose="020B0609020204030204" pitchFamily="49" charset="0"/>
+              </a:rPr>
+              <a:t>3</a:t>
+            </a:r>
+            <a:r>
+              <a:rPr lang="en-US" sz="1400" b="0" dirty="0">
+                <a:solidFill>
+                  <a:srgbClr val="333333"/>
+                </a:solidFill>
+                <a:effectLst/>
+                <a:latin typeface="Consolas" panose="020B0609020204030204" pitchFamily="49" charset="0"/>
+              </a:rPr>
+              <a:t>;</a:t>
+            </a:r>
+          </a:p>
+          <a:p>
+            <a:r>
+              <a:rPr lang="en-US" sz="1400" b="0" dirty="0">
+                <a:solidFill>
+                  <a:srgbClr val="333333"/>
+                </a:solidFill>
+                <a:effectLst/>
+                <a:latin typeface="Consolas" panose="020B0609020204030204" pitchFamily="49" charset="0"/>
+              </a:rPr>
+              <a:t>    </a:t>
+            </a:r>
+            <a:r>
+              <a:rPr lang="en-US" sz="1400" b="1" dirty="0">
+                <a:solidFill>
+                  <a:srgbClr val="073642"/>
+                </a:solidFill>
+                <a:effectLst/>
+                <a:latin typeface="Consolas" panose="020B0609020204030204" pitchFamily="49" charset="0"/>
+              </a:rPr>
+              <a:t>public</a:t>
+            </a:r>
+            <a:r>
+              <a:rPr lang="en-US" sz="1400" b="0" dirty="0">
+                <a:solidFill>
+                  <a:srgbClr val="333333"/>
+                </a:solidFill>
+                <a:effectLst/>
+                <a:latin typeface="Consolas" panose="020B0609020204030204" pitchFamily="49" charset="0"/>
+              </a:rPr>
+              <a:t> </a:t>
+            </a:r>
+            <a:r>
+              <a:rPr lang="en-US" sz="1400" b="1" dirty="0">
+                <a:solidFill>
+                  <a:srgbClr val="073642"/>
+                </a:solidFill>
+                <a:effectLst/>
+                <a:latin typeface="Consolas" panose="020B0609020204030204" pitchFamily="49" charset="0"/>
+              </a:rPr>
+              <a:t>static</a:t>
+            </a:r>
+            <a:r>
+              <a:rPr lang="en-US" sz="1400" b="0" dirty="0">
+                <a:solidFill>
+                  <a:srgbClr val="333333"/>
+                </a:solidFill>
+                <a:effectLst/>
+                <a:latin typeface="Consolas" panose="020B0609020204030204" pitchFamily="49" charset="0"/>
+              </a:rPr>
+              <a:t> </a:t>
+            </a:r>
+            <a:r>
+              <a:rPr lang="en-US" sz="1400" b="1" dirty="0">
+                <a:solidFill>
+                  <a:srgbClr val="073642"/>
+                </a:solidFill>
+                <a:effectLst/>
+                <a:latin typeface="Consolas" panose="020B0609020204030204" pitchFamily="49" charset="0"/>
+              </a:rPr>
+              <a:t>int</a:t>
+            </a:r>
+            <a:r>
+              <a:rPr lang="en-US" sz="1400" b="0" dirty="0">
+                <a:solidFill>
+                  <a:srgbClr val="333333"/>
+                </a:solidFill>
+                <a:effectLst/>
+                <a:latin typeface="Consolas" panose="020B0609020204030204" pitchFamily="49" charset="0"/>
+              </a:rPr>
+              <a:t> </a:t>
+            </a:r>
+            <a:r>
+              <a:rPr lang="en-US" sz="1400" b="0" dirty="0">
+                <a:solidFill>
+                  <a:srgbClr val="268BD2"/>
+                </a:solidFill>
+                <a:effectLst/>
+                <a:latin typeface="Consolas" panose="020B0609020204030204" pitchFamily="49" charset="0"/>
+              </a:rPr>
+              <a:t>counter</a:t>
+            </a:r>
+            <a:r>
+              <a:rPr lang="en-US" sz="1400" b="0" dirty="0">
+                <a:solidFill>
+                  <a:srgbClr val="333333"/>
+                </a:solidFill>
+                <a:effectLst/>
+                <a:latin typeface="Consolas" panose="020B0609020204030204" pitchFamily="49" charset="0"/>
+              </a:rPr>
+              <a:t> </a:t>
+            </a:r>
+            <a:r>
+              <a:rPr lang="en-US" sz="1400" b="0" dirty="0">
+                <a:solidFill>
+                  <a:srgbClr val="859900"/>
+                </a:solidFill>
+                <a:effectLst/>
+                <a:latin typeface="Consolas" panose="020B0609020204030204" pitchFamily="49" charset="0"/>
+              </a:rPr>
+              <a:t>=</a:t>
+            </a:r>
+            <a:r>
+              <a:rPr lang="en-US" sz="1400" b="0" dirty="0">
+                <a:solidFill>
+                  <a:srgbClr val="333333"/>
+                </a:solidFill>
+                <a:effectLst/>
+                <a:latin typeface="Consolas" panose="020B0609020204030204" pitchFamily="49" charset="0"/>
+              </a:rPr>
+              <a:t> </a:t>
+            </a:r>
+            <a:r>
+              <a:rPr lang="en-US" sz="1400" b="0" dirty="0">
+                <a:solidFill>
+                  <a:srgbClr val="D33682"/>
+                </a:solidFill>
+                <a:effectLst/>
+                <a:latin typeface="Consolas" panose="020B0609020204030204" pitchFamily="49" charset="0"/>
+              </a:rPr>
+              <a:t>0</a:t>
+            </a:r>
+            <a:r>
+              <a:rPr lang="en-US" sz="1400" b="0" dirty="0">
+                <a:solidFill>
+                  <a:srgbClr val="333333"/>
+                </a:solidFill>
+                <a:effectLst/>
+                <a:latin typeface="Consolas" panose="020B0609020204030204" pitchFamily="49" charset="0"/>
+              </a:rPr>
+              <a:t>;</a:t>
+            </a:r>
+          </a:p>
+          <a:p>
+            <a:r>
+              <a:rPr lang="en-US" sz="1400" b="0" dirty="0">
+                <a:solidFill>
+                  <a:srgbClr val="333333"/>
+                </a:solidFill>
+                <a:effectLst/>
+                <a:latin typeface="Consolas" panose="020B0609020204030204" pitchFamily="49" charset="0"/>
+              </a:rPr>
+              <a:t>    </a:t>
+            </a:r>
+            <a:r>
+              <a:rPr lang="en-US" sz="1400" b="1" dirty="0">
+                <a:solidFill>
+                  <a:srgbClr val="073642"/>
+                </a:solidFill>
+                <a:effectLst/>
+                <a:latin typeface="Consolas" panose="020B0609020204030204" pitchFamily="49" charset="0"/>
+              </a:rPr>
+              <a:t>private</a:t>
+            </a:r>
+            <a:r>
+              <a:rPr lang="en-US" sz="1400" b="0" dirty="0">
+                <a:solidFill>
+                  <a:srgbClr val="333333"/>
+                </a:solidFill>
+                <a:effectLst/>
+                <a:latin typeface="Consolas" panose="020B0609020204030204" pitchFamily="49" charset="0"/>
+              </a:rPr>
+              <a:t> </a:t>
+            </a:r>
+            <a:r>
+              <a:rPr lang="en-US" sz="1400" b="1" dirty="0">
+                <a:solidFill>
+                  <a:srgbClr val="268BD2"/>
+                </a:solidFill>
+                <a:effectLst/>
+                <a:latin typeface="Consolas" panose="020B0609020204030204" pitchFamily="49" charset="0"/>
+              </a:rPr>
+              <a:t>String</a:t>
+            </a:r>
+            <a:r>
+              <a:rPr lang="en-US" sz="1400" b="0" dirty="0">
+                <a:solidFill>
+                  <a:srgbClr val="333333"/>
+                </a:solidFill>
+                <a:effectLst/>
+                <a:latin typeface="Consolas" panose="020B0609020204030204" pitchFamily="49" charset="0"/>
+              </a:rPr>
+              <a:t> </a:t>
+            </a:r>
+            <a:r>
+              <a:rPr lang="en-US" sz="1400" b="0" dirty="0">
+                <a:solidFill>
+                  <a:srgbClr val="268BD2"/>
+                </a:solidFill>
+                <a:effectLst/>
+                <a:latin typeface="Consolas" panose="020B0609020204030204" pitchFamily="49" charset="0"/>
+              </a:rPr>
+              <a:t>name</a:t>
+            </a:r>
+            <a:r>
+              <a:rPr lang="en-US" sz="1400" b="0" dirty="0">
+                <a:solidFill>
+                  <a:srgbClr val="333333"/>
+                </a:solidFill>
+                <a:effectLst/>
+                <a:latin typeface="Consolas" panose="020B0609020204030204" pitchFamily="49" charset="0"/>
+              </a:rPr>
+              <a:t>;</a:t>
+            </a:r>
+          </a:p>
+          <a:p>
+            <a:r>
+              <a:rPr lang="en-US" sz="1400" b="0" dirty="0">
+                <a:solidFill>
+                  <a:srgbClr val="333333"/>
+                </a:solidFill>
+                <a:effectLst/>
+                <a:latin typeface="Consolas" panose="020B0609020204030204" pitchFamily="49" charset="0"/>
+              </a:rPr>
+              <a:t>    </a:t>
+            </a:r>
+            <a:r>
+              <a:rPr lang="en-US" sz="1400" b="1" dirty="0">
+                <a:solidFill>
+                  <a:srgbClr val="073642"/>
+                </a:solidFill>
+                <a:effectLst/>
+                <a:latin typeface="Consolas" panose="020B0609020204030204" pitchFamily="49" charset="0"/>
+              </a:rPr>
+              <a:t>private</a:t>
+            </a:r>
+            <a:r>
+              <a:rPr lang="en-US" sz="1400" b="0" dirty="0">
+                <a:solidFill>
+                  <a:srgbClr val="333333"/>
+                </a:solidFill>
+                <a:effectLst/>
+                <a:latin typeface="Consolas" panose="020B0609020204030204" pitchFamily="49" charset="0"/>
+              </a:rPr>
+              <a:t> </a:t>
+            </a:r>
+            <a:r>
+              <a:rPr lang="en-US" sz="1400" b="1" dirty="0">
+                <a:solidFill>
+                  <a:srgbClr val="073642"/>
+                </a:solidFill>
+                <a:effectLst/>
+                <a:latin typeface="Consolas" panose="020B0609020204030204" pitchFamily="49" charset="0"/>
+              </a:rPr>
+              <a:t>final</a:t>
+            </a:r>
+            <a:r>
+              <a:rPr lang="en-US" sz="1400" b="0" dirty="0">
+                <a:solidFill>
+                  <a:srgbClr val="333333"/>
+                </a:solidFill>
+                <a:effectLst/>
+                <a:latin typeface="Consolas" panose="020B0609020204030204" pitchFamily="49" charset="0"/>
+              </a:rPr>
+              <a:t> </a:t>
+            </a:r>
+            <a:r>
+              <a:rPr lang="en-US" sz="1400" b="1" dirty="0">
+                <a:solidFill>
+                  <a:srgbClr val="268BD2"/>
+                </a:solidFill>
+                <a:effectLst/>
+                <a:latin typeface="Consolas" panose="020B0609020204030204" pitchFamily="49" charset="0"/>
+              </a:rPr>
+              <a:t>String</a:t>
+            </a:r>
+            <a:r>
+              <a:rPr lang="en-US" sz="1400" b="0" dirty="0">
+                <a:solidFill>
+                  <a:srgbClr val="333333"/>
+                </a:solidFill>
+                <a:effectLst/>
+                <a:latin typeface="Consolas" panose="020B0609020204030204" pitchFamily="49" charset="0"/>
+              </a:rPr>
+              <a:t>[] </a:t>
+            </a:r>
+            <a:r>
+              <a:rPr lang="en-US" sz="1400" b="0" dirty="0">
+                <a:solidFill>
+                  <a:srgbClr val="268BD2"/>
+                </a:solidFill>
+                <a:effectLst/>
+                <a:latin typeface="Consolas" panose="020B0609020204030204" pitchFamily="49" charset="0"/>
+              </a:rPr>
+              <a:t>widgets</a:t>
+            </a:r>
+            <a:r>
+              <a:rPr lang="en-US" sz="1400" b="0" dirty="0">
+                <a:solidFill>
+                  <a:srgbClr val="333333"/>
+                </a:solidFill>
+                <a:effectLst/>
+                <a:latin typeface="Consolas" panose="020B0609020204030204" pitchFamily="49" charset="0"/>
+              </a:rPr>
+              <a:t>;</a:t>
+            </a:r>
+          </a:p>
+          <a:p>
+            <a:br>
+              <a:rPr lang="en-US" sz="1400" b="0" dirty="0">
+                <a:solidFill>
+                  <a:srgbClr val="333333"/>
+                </a:solidFill>
+                <a:effectLst/>
+                <a:latin typeface="Consolas" panose="020B0609020204030204" pitchFamily="49" charset="0"/>
+              </a:rPr>
+            </a:br>
+            <a:r>
+              <a:rPr lang="en-US" sz="1400" b="0" dirty="0">
+                <a:solidFill>
+                  <a:srgbClr val="333333"/>
+                </a:solidFill>
+                <a:effectLst/>
+                <a:latin typeface="Consolas" panose="020B0609020204030204" pitchFamily="49" charset="0"/>
+              </a:rPr>
+              <a:t>    </a:t>
+            </a:r>
+            <a:r>
+              <a:rPr lang="en-US" sz="1400" b="1" dirty="0">
+                <a:solidFill>
+                  <a:srgbClr val="073642"/>
+                </a:solidFill>
+                <a:effectLst/>
+                <a:latin typeface="Consolas" panose="020B0609020204030204" pitchFamily="49" charset="0"/>
+              </a:rPr>
+              <a:t>public</a:t>
+            </a:r>
+            <a:r>
+              <a:rPr lang="en-US" sz="1400" b="0" dirty="0">
+                <a:solidFill>
+                  <a:srgbClr val="333333"/>
+                </a:solidFill>
+                <a:effectLst/>
+                <a:latin typeface="Consolas" panose="020B0609020204030204" pitchFamily="49" charset="0"/>
+              </a:rPr>
+              <a:t> </a:t>
+            </a:r>
+            <a:r>
+              <a:rPr lang="en-US" sz="1400" b="0" dirty="0">
+                <a:solidFill>
+                  <a:srgbClr val="268BD2"/>
+                </a:solidFill>
+                <a:effectLst/>
+                <a:latin typeface="Consolas" panose="020B0609020204030204" pitchFamily="49" charset="0"/>
+              </a:rPr>
+              <a:t>Review3</a:t>
+            </a:r>
+            <a:r>
+              <a:rPr lang="en-US" sz="1400" b="0" dirty="0">
+                <a:solidFill>
+                  <a:srgbClr val="333333"/>
+                </a:solidFill>
+                <a:effectLst/>
+                <a:latin typeface="Consolas" panose="020B0609020204030204" pitchFamily="49" charset="0"/>
+              </a:rPr>
+              <a:t>(</a:t>
+            </a:r>
+            <a:r>
+              <a:rPr lang="en-US" sz="1400" b="1" dirty="0">
+                <a:solidFill>
+                  <a:srgbClr val="268BD2"/>
+                </a:solidFill>
+                <a:effectLst/>
+                <a:latin typeface="Consolas" panose="020B0609020204030204" pitchFamily="49" charset="0"/>
+              </a:rPr>
+              <a:t>String</a:t>
+            </a:r>
+            <a:r>
+              <a:rPr lang="en-US" sz="1400" b="0" dirty="0">
+                <a:solidFill>
+                  <a:srgbClr val="333333"/>
+                </a:solidFill>
+                <a:effectLst/>
+                <a:latin typeface="Consolas" panose="020B0609020204030204" pitchFamily="49" charset="0"/>
+              </a:rPr>
+              <a:t> name, </a:t>
+            </a:r>
+            <a:r>
+              <a:rPr lang="en-US" sz="1400" b="1" dirty="0">
+                <a:solidFill>
+                  <a:srgbClr val="268BD2"/>
+                </a:solidFill>
+                <a:effectLst/>
+                <a:latin typeface="Consolas" panose="020B0609020204030204" pitchFamily="49" charset="0"/>
+              </a:rPr>
+              <a:t>String</a:t>
+            </a:r>
+            <a:r>
+              <a:rPr lang="en-US" sz="1400" b="0" dirty="0">
+                <a:solidFill>
+                  <a:srgbClr val="333333"/>
+                </a:solidFill>
+                <a:effectLst/>
+                <a:latin typeface="Consolas" panose="020B0609020204030204" pitchFamily="49" charset="0"/>
+              </a:rPr>
+              <a:t>[] widgets) { </a:t>
+            </a:r>
+          </a:p>
+          <a:p>
+            <a:r>
+              <a:rPr lang="en-US" sz="1400" b="0" dirty="0">
+                <a:solidFill>
+                  <a:srgbClr val="333333"/>
+                </a:solidFill>
+                <a:effectLst/>
+                <a:latin typeface="Consolas" panose="020B0609020204030204" pitchFamily="49" charset="0"/>
+              </a:rPr>
+              <a:t>        </a:t>
+            </a:r>
+            <a:r>
+              <a:rPr lang="en-US" sz="1400" b="0" dirty="0" err="1">
+                <a:solidFill>
+                  <a:srgbClr val="268BD2"/>
+                </a:solidFill>
+                <a:effectLst/>
+                <a:latin typeface="Consolas" panose="020B0609020204030204" pitchFamily="49" charset="0"/>
+              </a:rPr>
+              <a:t>setName</a:t>
+            </a:r>
+            <a:r>
+              <a:rPr lang="en-US" sz="1400" b="0" dirty="0">
+                <a:solidFill>
+                  <a:srgbClr val="333333"/>
+                </a:solidFill>
+                <a:effectLst/>
+                <a:latin typeface="Consolas" panose="020B0609020204030204" pitchFamily="49" charset="0"/>
+              </a:rPr>
+              <a:t>(name);</a:t>
+            </a:r>
+          </a:p>
+          <a:p>
+            <a:r>
+              <a:rPr lang="en-US" sz="1400" b="0" dirty="0">
+                <a:solidFill>
+                  <a:srgbClr val="333333"/>
+                </a:solidFill>
+                <a:effectLst/>
+                <a:latin typeface="Consolas" panose="020B0609020204030204" pitchFamily="49" charset="0"/>
+              </a:rPr>
+              <a:t>        </a:t>
+            </a:r>
+            <a:r>
+              <a:rPr lang="en-US" sz="1400" b="0" dirty="0" err="1">
+                <a:solidFill>
+                  <a:srgbClr val="268BD2"/>
+                </a:solidFill>
+                <a:effectLst/>
+                <a:latin typeface="Consolas" panose="020B0609020204030204" pitchFamily="49" charset="0"/>
+              </a:rPr>
+              <a:t>this</a:t>
+            </a:r>
+            <a:r>
+              <a:rPr lang="en-US" sz="1400" b="0" dirty="0" err="1">
+                <a:solidFill>
+                  <a:srgbClr val="333333"/>
+                </a:solidFill>
+                <a:effectLst/>
+                <a:latin typeface="Consolas" panose="020B0609020204030204" pitchFamily="49" charset="0"/>
+              </a:rPr>
+              <a:t>.</a:t>
+            </a:r>
+            <a:r>
+              <a:rPr lang="en-US" sz="1400" b="0" dirty="0" err="1">
+                <a:solidFill>
+                  <a:srgbClr val="268BD2"/>
+                </a:solidFill>
+                <a:effectLst/>
+                <a:latin typeface="Consolas" panose="020B0609020204030204" pitchFamily="49" charset="0"/>
+              </a:rPr>
+              <a:t>widgets</a:t>
+            </a:r>
+            <a:r>
+              <a:rPr lang="en-US" sz="1400" b="0" dirty="0">
+                <a:solidFill>
+                  <a:srgbClr val="333333"/>
+                </a:solidFill>
+                <a:effectLst/>
+                <a:latin typeface="Consolas" panose="020B0609020204030204" pitchFamily="49" charset="0"/>
+              </a:rPr>
+              <a:t> </a:t>
+            </a:r>
+            <a:r>
+              <a:rPr lang="en-US" sz="1400" b="0" dirty="0">
+                <a:solidFill>
+                  <a:srgbClr val="859900"/>
+                </a:solidFill>
+                <a:effectLst/>
+                <a:latin typeface="Consolas" panose="020B0609020204030204" pitchFamily="49" charset="0"/>
+              </a:rPr>
+              <a:t>=</a:t>
+            </a:r>
+            <a:r>
+              <a:rPr lang="en-US" sz="1400" b="0" dirty="0">
+                <a:solidFill>
+                  <a:srgbClr val="333333"/>
+                </a:solidFill>
+                <a:effectLst/>
+                <a:latin typeface="Consolas" panose="020B0609020204030204" pitchFamily="49" charset="0"/>
+              </a:rPr>
+              <a:t> widgets;</a:t>
+            </a:r>
+          </a:p>
+          <a:p>
+            <a:r>
+              <a:rPr lang="en-US" sz="1400" b="0" dirty="0">
+                <a:solidFill>
+                  <a:srgbClr val="333333"/>
+                </a:solidFill>
+                <a:effectLst/>
+                <a:latin typeface="Consolas" panose="020B0609020204030204" pitchFamily="49" charset="0"/>
+              </a:rPr>
+              <a:t>        </a:t>
+            </a:r>
+            <a:r>
+              <a:rPr lang="en-US" sz="1400" b="0" dirty="0">
+                <a:solidFill>
+                  <a:srgbClr val="268BD2"/>
+                </a:solidFill>
+                <a:effectLst/>
+                <a:latin typeface="Consolas" panose="020B0609020204030204" pitchFamily="49" charset="0"/>
+              </a:rPr>
+              <a:t>counter</a:t>
+            </a:r>
+            <a:r>
+              <a:rPr lang="en-US" sz="1400" b="0" dirty="0">
+                <a:solidFill>
+                  <a:srgbClr val="859900"/>
+                </a:solidFill>
+                <a:effectLst/>
+                <a:latin typeface="Consolas" panose="020B0609020204030204" pitchFamily="49" charset="0"/>
+              </a:rPr>
+              <a:t>++</a:t>
+            </a:r>
+            <a:r>
+              <a:rPr lang="en-US" sz="1400" b="0" dirty="0">
+                <a:solidFill>
+                  <a:srgbClr val="333333"/>
+                </a:solidFill>
+                <a:effectLst/>
+                <a:latin typeface="Consolas" panose="020B0609020204030204" pitchFamily="49" charset="0"/>
+              </a:rPr>
+              <a:t>;</a:t>
+            </a:r>
+          </a:p>
+          <a:p>
+            <a:r>
+              <a:rPr lang="en-US" sz="1400" b="0" dirty="0">
+                <a:solidFill>
+                  <a:srgbClr val="333333"/>
+                </a:solidFill>
+                <a:effectLst/>
+                <a:latin typeface="Consolas" panose="020B0609020204030204" pitchFamily="49" charset="0"/>
+              </a:rPr>
+              <a:t>    }</a:t>
+            </a:r>
+            <a:br>
+              <a:rPr lang="en-US" sz="1400" b="0" dirty="0">
+                <a:solidFill>
+                  <a:srgbClr val="333333"/>
+                </a:solidFill>
+                <a:effectLst/>
+                <a:latin typeface="Consolas" panose="020B0609020204030204" pitchFamily="49" charset="0"/>
+              </a:rPr>
+            </a:br>
+            <a:r>
+              <a:rPr lang="en-US" sz="1400" b="0" dirty="0">
+                <a:solidFill>
+                  <a:srgbClr val="333333"/>
+                </a:solidFill>
+                <a:effectLst/>
+                <a:latin typeface="Consolas" panose="020B0609020204030204" pitchFamily="49" charset="0"/>
+              </a:rPr>
+              <a:t>    </a:t>
+            </a:r>
+            <a:r>
+              <a:rPr lang="en-US" sz="1400" b="1" dirty="0">
+                <a:solidFill>
+                  <a:srgbClr val="073642"/>
+                </a:solidFill>
+                <a:effectLst/>
+                <a:latin typeface="Consolas" panose="020B0609020204030204" pitchFamily="49" charset="0"/>
+              </a:rPr>
+              <a:t>public</a:t>
+            </a:r>
+            <a:r>
+              <a:rPr lang="en-US" sz="1400" b="0" dirty="0">
+                <a:solidFill>
+                  <a:srgbClr val="333333"/>
+                </a:solidFill>
+                <a:effectLst/>
+                <a:latin typeface="Consolas" panose="020B0609020204030204" pitchFamily="49" charset="0"/>
+              </a:rPr>
+              <a:t> </a:t>
+            </a:r>
+            <a:r>
+              <a:rPr lang="en-US" sz="1400" b="1" dirty="0">
+                <a:solidFill>
+                  <a:srgbClr val="073642"/>
+                </a:solidFill>
+                <a:effectLst/>
+                <a:latin typeface="Consolas" panose="020B0609020204030204" pitchFamily="49" charset="0"/>
+              </a:rPr>
+              <a:t>void</a:t>
+            </a:r>
+            <a:r>
+              <a:rPr lang="en-US" sz="1400" b="0" dirty="0">
+                <a:solidFill>
+                  <a:srgbClr val="333333"/>
+                </a:solidFill>
+                <a:effectLst/>
+                <a:latin typeface="Consolas" panose="020B0609020204030204" pitchFamily="49" charset="0"/>
+              </a:rPr>
+              <a:t> </a:t>
+            </a:r>
+            <a:r>
+              <a:rPr lang="en-US" sz="1400" b="0" dirty="0" err="1">
+                <a:solidFill>
+                  <a:srgbClr val="268BD2"/>
+                </a:solidFill>
+                <a:effectLst/>
+                <a:latin typeface="Consolas" panose="020B0609020204030204" pitchFamily="49" charset="0"/>
+              </a:rPr>
+              <a:t>setName</a:t>
+            </a:r>
+            <a:r>
+              <a:rPr lang="en-US" sz="1400" b="0" dirty="0">
+                <a:solidFill>
+                  <a:srgbClr val="333333"/>
+                </a:solidFill>
+                <a:effectLst/>
+                <a:latin typeface="Consolas" panose="020B0609020204030204" pitchFamily="49" charset="0"/>
+              </a:rPr>
+              <a:t>(</a:t>
+            </a:r>
+            <a:r>
+              <a:rPr lang="en-US" sz="1400" b="1" dirty="0">
+                <a:solidFill>
+                  <a:srgbClr val="268BD2"/>
+                </a:solidFill>
+                <a:effectLst/>
+                <a:latin typeface="Consolas" panose="020B0609020204030204" pitchFamily="49" charset="0"/>
+              </a:rPr>
+              <a:t>String</a:t>
+            </a:r>
+            <a:r>
+              <a:rPr lang="en-US" sz="1400" b="0" dirty="0">
+                <a:solidFill>
+                  <a:srgbClr val="333333"/>
+                </a:solidFill>
+                <a:effectLst/>
+                <a:latin typeface="Consolas" panose="020B0609020204030204" pitchFamily="49" charset="0"/>
+              </a:rPr>
+              <a:t> name) {</a:t>
+            </a:r>
+          </a:p>
+          <a:p>
+            <a:r>
+              <a:rPr lang="en-US" sz="1400" b="0" dirty="0">
+                <a:solidFill>
+                  <a:srgbClr val="333333"/>
+                </a:solidFill>
+                <a:effectLst/>
+                <a:latin typeface="Consolas" panose="020B0609020204030204" pitchFamily="49" charset="0"/>
+              </a:rPr>
+              <a:t>        </a:t>
+            </a:r>
+            <a:r>
+              <a:rPr lang="en-US" sz="1400" b="0" dirty="0">
+                <a:solidFill>
+                  <a:srgbClr val="268BD2"/>
+                </a:solidFill>
+                <a:effectLst/>
+                <a:latin typeface="Consolas" panose="020B0609020204030204" pitchFamily="49" charset="0"/>
+              </a:rPr>
+              <a:t>this</a:t>
+            </a:r>
+            <a:r>
+              <a:rPr lang="en-US" sz="1400" b="0" dirty="0">
+                <a:solidFill>
+                  <a:srgbClr val="333333"/>
+                </a:solidFill>
+                <a:effectLst/>
+                <a:latin typeface="Consolas" panose="020B0609020204030204" pitchFamily="49" charset="0"/>
+              </a:rPr>
+              <a:t>.</a:t>
+            </a:r>
+            <a:r>
+              <a:rPr lang="en-US" sz="1400" b="0" dirty="0">
+                <a:solidFill>
+                  <a:srgbClr val="268BD2"/>
+                </a:solidFill>
+                <a:effectLst/>
+                <a:latin typeface="Consolas" panose="020B0609020204030204" pitchFamily="49" charset="0"/>
+              </a:rPr>
+              <a:t>name</a:t>
+            </a:r>
+            <a:r>
+              <a:rPr lang="en-US" sz="1400" b="0" dirty="0">
+                <a:solidFill>
+                  <a:srgbClr val="333333"/>
+                </a:solidFill>
+                <a:effectLst/>
+                <a:latin typeface="Consolas" panose="020B0609020204030204" pitchFamily="49" charset="0"/>
+              </a:rPr>
+              <a:t> </a:t>
+            </a:r>
+            <a:r>
+              <a:rPr lang="en-US" sz="1400" b="0" dirty="0">
+                <a:solidFill>
+                  <a:srgbClr val="859900"/>
+                </a:solidFill>
+                <a:effectLst/>
+                <a:latin typeface="Consolas" panose="020B0609020204030204" pitchFamily="49" charset="0"/>
+              </a:rPr>
+              <a:t>=</a:t>
+            </a:r>
+            <a:r>
+              <a:rPr lang="en-US" sz="1400" b="0" dirty="0">
+                <a:solidFill>
+                  <a:srgbClr val="333333"/>
+                </a:solidFill>
+                <a:effectLst/>
+                <a:latin typeface="Consolas" panose="020B0609020204030204" pitchFamily="49" charset="0"/>
+              </a:rPr>
+              <a:t> name;</a:t>
+            </a:r>
+          </a:p>
+          <a:p>
+            <a:r>
+              <a:rPr lang="en-US" sz="1400" b="0" dirty="0">
+                <a:solidFill>
+                  <a:srgbClr val="333333"/>
+                </a:solidFill>
+                <a:effectLst/>
+                <a:latin typeface="Consolas" panose="020B0609020204030204" pitchFamily="49" charset="0"/>
+              </a:rPr>
+              <a:t>    }</a:t>
+            </a:r>
+          </a:p>
+          <a:p>
+            <a:r>
+              <a:rPr lang="en-US" sz="1400" b="0" dirty="0">
+                <a:solidFill>
+                  <a:srgbClr val="333333"/>
+                </a:solidFill>
+                <a:effectLst/>
+                <a:latin typeface="Consolas" panose="020B0609020204030204" pitchFamily="49" charset="0"/>
+              </a:rPr>
+              <a:t>    </a:t>
+            </a:r>
+            <a:r>
+              <a:rPr lang="en-US" sz="1400" b="1" dirty="0">
+                <a:solidFill>
+                  <a:srgbClr val="073642"/>
+                </a:solidFill>
+                <a:effectLst/>
+                <a:latin typeface="Consolas" panose="020B0609020204030204" pitchFamily="49" charset="0"/>
+              </a:rPr>
+              <a:t>public</a:t>
+            </a:r>
+            <a:r>
+              <a:rPr lang="en-US" sz="1400" b="0" dirty="0">
+                <a:solidFill>
+                  <a:srgbClr val="333333"/>
+                </a:solidFill>
+                <a:effectLst/>
+                <a:latin typeface="Consolas" panose="020B0609020204030204" pitchFamily="49" charset="0"/>
+              </a:rPr>
+              <a:t> </a:t>
+            </a:r>
+            <a:r>
+              <a:rPr lang="en-US" sz="1400" b="1" dirty="0">
+                <a:solidFill>
+                  <a:srgbClr val="268BD2"/>
+                </a:solidFill>
+                <a:effectLst/>
+                <a:latin typeface="Consolas" panose="020B0609020204030204" pitchFamily="49" charset="0"/>
+              </a:rPr>
+              <a:t>String</a:t>
+            </a:r>
+            <a:r>
+              <a:rPr lang="en-US" sz="1400" b="0" dirty="0">
+                <a:solidFill>
+                  <a:srgbClr val="333333"/>
+                </a:solidFill>
+                <a:effectLst/>
+                <a:latin typeface="Consolas" panose="020B0609020204030204" pitchFamily="49" charset="0"/>
+              </a:rPr>
+              <a:t> </a:t>
+            </a:r>
+            <a:r>
+              <a:rPr lang="en-US" sz="1400" b="0" dirty="0" err="1">
+                <a:solidFill>
+                  <a:srgbClr val="268BD2"/>
+                </a:solidFill>
+                <a:effectLst/>
+                <a:latin typeface="Consolas" panose="020B0609020204030204" pitchFamily="49" charset="0"/>
+              </a:rPr>
+              <a:t>getName</a:t>
+            </a:r>
+            <a:r>
+              <a:rPr lang="en-US" sz="1400" b="0" dirty="0">
+                <a:solidFill>
+                  <a:srgbClr val="333333"/>
+                </a:solidFill>
+                <a:effectLst/>
+                <a:latin typeface="Consolas" panose="020B0609020204030204" pitchFamily="49" charset="0"/>
+              </a:rPr>
+              <a:t>() {</a:t>
+            </a:r>
+          </a:p>
+          <a:p>
+            <a:r>
+              <a:rPr lang="en-US" sz="1400" b="0" dirty="0">
+                <a:solidFill>
+                  <a:srgbClr val="333333"/>
+                </a:solidFill>
+                <a:effectLst/>
+                <a:latin typeface="Consolas" panose="020B0609020204030204" pitchFamily="49" charset="0"/>
+              </a:rPr>
+              <a:t>        </a:t>
+            </a:r>
+            <a:r>
+              <a:rPr lang="en-US" sz="1400" b="0" dirty="0">
+                <a:solidFill>
+                  <a:srgbClr val="859900"/>
+                </a:solidFill>
+                <a:effectLst/>
+                <a:latin typeface="Consolas" panose="020B0609020204030204" pitchFamily="49" charset="0"/>
+              </a:rPr>
+              <a:t>return</a:t>
+            </a:r>
+            <a:r>
+              <a:rPr lang="en-US" sz="1400" b="0" dirty="0">
+                <a:solidFill>
+                  <a:srgbClr val="333333"/>
+                </a:solidFill>
+                <a:effectLst/>
+                <a:latin typeface="Consolas" panose="020B0609020204030204" pitchFamily="49" charset="0"/>
+              </a:rPr>
+              <a:t> </a:t>
+            </a:r>
+            <a:r>
+              <a:rPr lang="en-US" sz="1400" b="0" dirty="0">
+                <a:solidFill>
+                  <a:srgbClr val="268BD2"/>
+                </a:solidFill>
+                <a:effectLst/>
+                <a:latin typeface="Consolas" panose="020B0609020204030204" pitchFamily="49" charset="0"/>
+              </a:rPr>
+              <a:t>name</a:t>
+            </a:r>
+            <a:r>
+              <a:rPr lang="en-US" sz="1400" b="0" dirty="0">
+                <a:solidFill>
+                  <a:srgbClr val="333333"/>
+                </a:solidFill>
+                <a:effectLst/>
+                <a:latin typeface="Consolas" panose="020B0609020204030204" pitchFamily="49" charset="0"/>
+              </a:rPr>
+              <a:t>;</a:t>
+            </a:r>
+          </a:p>
+          <a:p>
+            <a:r>
+              <a:rPr lang="en-US" sz="1400" b="0" dirty="0">
+                <a:solidFill>
+                  <a:srgbClr val="333333"/>
+                </a:solidFill>
+                <a:effectLst/>
+                <a:latin typeface="Consolas" panose="020B0609020204030204" pitchFamily="49" charset="0"/>
+              </a:rPr>
+              <a:t>    }</a:t>
+            </a:r>
+            <a:br>
+              <a:rPr lang="en-US" sz="1400" b="0" dirty="0">
+                <a:solidFill>
+                  <a:srgbClr val="333333"/>
+                </a:solidFill>
+                <a:effectLst/>
+                <a:latin typeface="Consolas" panose="020B0609020204030204" pitchFamily="49" charset="0"/>
+              </a:rPr>
+            </a:br>
+            <a:r>
+              <a:rPr lang="en-US" sz="1400" b="0" dirty="0">
+                <a:solidFill>
+                  <a:srgbClr val="333333"/>
+                </a:solidFill>
+                <a:effectLst/>
+                <a:latin typeface="Consolas" panose="020B0609020204030204" pitchFamily="49" charset="0"/>
+              </a:rPr>
+              <a:t>    </a:t>
+            </a:r>
+            <a:r>
+              <a:rPr lang="en-US" sz="1400" b="1" dirty="0">
+                <a:solidFill>
+                  <a:srgbClr val="073642"/>
+                </a:solidFill>
+                <a:effectLst/>
+                <a:latin typeface="Consolas" panose="020B0609020204030204" pitchFamily="49" charset="0"/>
+              </a:rPr>
+              <a:t>public</a:t>
+            </a:r>
+            <a:r>
+              <a:rPr lang="en-US" sz="1400" b="0" dirty="0">
+                <a:solidFill>
+                  <a:srgbClr val="333333"/>
+                </a:solidFill>
+                <a:effectLst/>
+                <a:latin typeface="Consolas" panose="020B0609020204030204" pitchFamily="49" charset="0"/>
+              </a:rPr>
+              <a:t> </a:t>
+            </a:r>
+            <a:r>
+              <a:rPr lang="en-US" sz="1400" b="1" dirty="0">
+                <a:solidFill>
+                  <a:srgbClr val="268BD2"/>
+                </a:solidFill>
+                <a:effectLst/>
+                <a:latin typeface="Consolas" panose="020B0609020204030204" pitchFamily="49" charset="0"/>
+              </a:rPr>
+              <a:t>String</a:t>
+            </a:r>
+            <a:r>
+              <a:rPr lang="en-US" sz="1400" b="0" dirty="0">
+                <a:solidFill>
+                  <a:srgbClr val="333333"/>
+                </a:solidFill>
+                <a:effectLst/>
+                <a:latin typeface="Consolas" panose="020B0609020204030204" pitchFamily="49" charset="0"/>
+              </a:rPr>
+              <a:t> </a:t>
+            </a:r>
+            <a:r>
+              <a:rPr lang="en-US" sz="1400" b="0" dirty="0" err="1">
+                <a:solidFill>
+                  <a:srgbClr val="268BD2"/>
+                </a:solidFill>
+                <a:effectLst/>
+                <a:latin typeface="Consolas" panose="020B0609020204030204" pitchFamily="49" charset="0"/>
+              </a:rPr>
+              <a:t>getWidget</a:t>
+            </a:r>
+            <a:r>
+              <a:rPr lang="en-US" sz="1400" b="0" dirty="0">
+                <a:solidFill>
+                  <a:srgbClr val="333333"/>
+                </a:solidFill>
+                <a:effectLst/>
+                <a:latin typeface="Consolas" panose="020B0609020204030204" pitchFamily="49" charset="0"/>
+              </a:rPr>
+              <a:t>(</a:t>
+            </a:r>
+            <a:r>
+              <a:rPr lang="en-US" sz="1400" b="1" dirty="0">
+                <a:solidFill>
+                  <a:srgbClr val="073642"/>
+                </a:solidFill>
+                <a:effectLst/>
+                <a:latin typeface="Consolas" panose="020B0609020204030204" pitchFamily="49" charset="0"/>
+              </a:rPr>
+              <a:t>int</a:t>
+            </a:r>
+            <a:r>
+              <a:rPr lang="en-US" sz="1400" b="0" dirty="0">
+                <a:solidFill>
+                  <a:srgbClr val="333333"/>
+                </a:solidFill>
+                <a:effectLst/>
+                <a:latin typeface="Consolas" panose="020B0609020204030204" pitchFamily="49" charset="0"/>
+              </a:rPr>
+              <a:t> ID) {</a:t>
+            </a:r>
+          </a:p>
+          <a:p>
+            <a:r>
+              <a:rPr lang="en-US" sz="1400" b="0" dirty="0">
+                <a:solidFill>
+                  <a:srgbClr val="333333"/>
+                </a:solidFill>
+                <a:effectLst/>
+                <a:latin typeface="Consolas" panose="020B0609020204030204" pitchFamily="49" charset="0"/>
+              </a:rPr>
+              <a:t>        </a:t>
+            </a:r>
+            <a:r>
+              <a:rPr lang="en-US" sz="1400" b="0" dirty="0">
+                <a:solidFill>
+                  <a:srgbClr val="859900"/>
+                </a:solidFill>
+                <a:effectLst/>
+                <a:latin typeface="Consolas" panose="020B0609020204030204" pitchFamily="49" charset="0"/>
+              </a:rPr>
+              <a:t>return</a:t>
+            </a:r>
+            <a:r>
+              <a:rPr lang="en-US" sz="1400" b="0" dirty="0">
+                <a:solidFill>
+                  <a:srgbClr val="333333"/>
+                </a:solidFill>
+                <a:effectLst/>
+                <a:latin typeface="Consolas" panose="020B0609020204030204" pitchFamily="49" charset="0"/>
+              </a:rPr>
+              <a:t> </a:t>
+            </a:r>
+            <a:r>
+              <a:rPr lang="en-US" sz="1400" b="0" dirty="0">
+                <a:solidFill>
+                  <a:srgbClr val="268BD2"/>
+                </a:solidFill>
+                <a:effectLst/>
+                <a:latin typeface="Consolas" panose="020B0609020204030204" pitchFamily="49" charset="0"/>
+              </a:rPr>
+              <a:t>widgets</a:t>
+            </a:r>
+            <a:r>
+              <a:rPr lang="en-US" sz="1400" b="0" dirty="0">
+                <a:solidFill>
+                  <a:srgbClr val="333333"/>
+                </a:solidFill>
+                <a:effectLst/>
+                <a:latin typeface="Consolas" panose="020B0609020204030204" pitchFamily="49" charset="0"/>
+              </a:rPr>
+              <a:t>[ID];</a:t>
+            </a:r>
+          </a:p>
+          <a:p>
+            <a:r>
+              <a:rPr lang="en-US" sz="1400" b="0" dirty="0">
+                <a:solidFill>
+                  <a:srgbClr val="333333"/>
+                </a:solidFill>
+                <a:effectLst/>
+                <a:latin typeface="Consolas" panose="020B0609020204030204" pitchFamily="49" charset="0"/>
+              </a:rPr>
+              <a:t>    }</a:t>
+            </a:r>
+          </a:p>
+          <a:p>
+            <a:r>
+              <a:rPr lang="en-US" sz="1400" b="0" dirty="0">
+                <a:solidFill>
+                  <a:srgbClr val="333333"/>
+                </a:solidFill>
+                <a:effectLst/>
+                <a:latin typeface="Consolas" panose="020B0609020204030204" pitchFamily="49" charset="0"/>
+              </a:rPr>
+              <a:t>}</a:t>
+            </a:r>
+          </a:p>
+        </p:txBody>
+      </p:sp>
+      <p:sp>
+        <p:nvSpPr>
+          <p:cNvPr id="15" name="TextBox 14">
+            <a:extLst>
+              <a:ext uri="{FF2B5EF4-FFF2-40B4-BE49-F238E27FC236}">
+                <a16:creationId xmlns:a16="http://schemas.microsoft.com/office/drawing/2014/main" id="{02C49136-3024-4C69-9230-E11013FB16B1}"/>
+              </a:ext>
+            </a:extLst>
+          </p:cNvPr>
+          <p:cNvSpPr txBox="1"/>
+          <p:nvPr/>
+        </p:nvSpPr>
+        <p:spPr>
+          <a:xfrm>
+            <a:off x="7681999" y="5648476"/>
+            <a:ext cx="5888508" cy="1569660"/>
+          </a:xfrm>
+          <a:prstGeom prst="rect">
+            <a:avLst/>
+          </a:prstGeom>
+          <a:noFill/>
+          <a:ln>
+            <a:solidFill>
+              <a:schemeClr val="accent5"/>
+            </a:solidFill>
+          </a:ln>
+        </p:spPr>
+        <p:txBody>
+          <a:bodyPr wrap="square">
+            <a:spAutoFit/>
+          </a:bodyPr>
+          <a:lstStyle/>
+          <a:p>
+            <a:r>
+              <a:rPr lang="en-US" sz="1600" b="0" dirty="0">
+                <a:solidFill>
+                  <a:srgbClr val="333333"/>
+                </a:solidFill>
+                <a:effectLst/>
+                <a:latin typeface="Consolas" panose="020B0609020204030204" pitchFamily="49" charset="0"/>
+              </a:rPr>
+              <a:t> </a:t>
+            </a:r>
+            <a:r>
+              <a:rPr lang="en-US" sz="1600" b="1" dirty="0">
+                <a:solidFill>
+                  <a:srgbClr val="268BD2"/>
+                </a:solidFill>
+                <a:effectLst/>
+                <a:latin typeface="Consolas" panose="020B0609020204030204" pitchFamily="49" charset="0"/>
+              </a:rPr>
+              <a:t>String</a:t>
+            </a:r>
+            <a:r>
+              <a:rPr lang="en-US" sz="1600" b="0" dirty="0">
+                <a:solidFill>
+                  <a:srgbClr val="333333"/>
+                </a:solidFill>
+                <a:effectLst/>
+                <a:latin typeface="Consolas" panose="020B0609020204030204" pitchFamily="49" charset="0"/>
+              </a:rPr>
+              <a:t>[] </a:t>
+            </a:r>
+            <a:r>
+              <a:rPr lang="en-US" sz="1600" b="0" dirty="0">
+                <a:solidFill>
+                  <a:srgbClr val="268BD2"/>
+                </a:solidFill>
+                <a:effectLst/>
+                <a:latin typeface="Consolas" panose="020B0609020204030204" pitchFamily="49" charset="0"/>
+              </a:rPr>
+              <a:t>widgets</a:t>
+            </a:r>
+            <a:r>
+              <a:rPr lang="en-US" sz="1600" b="0" dirty="0">
+                <a:solidFill>
+                  <a:srgbClr val="333333"/>
+                </a:solidFill>
+                <a:effectLst/>
+                <a:latin typeface="Consolas" panose="020B0609020204030204" pitchFamily="49" charset="0"/>
+              </a:rPr>
+              <a:t> </a:t>
+            </a:r>
+            <a:r>
+              <a:rPr lang="en-US" sz="1600" b="0" dirty="0">
+                <a:solidFill>
+                  <a:srgbClr val="859900"/>
+                </a:solidFill>
+                <a:effectLst/>
+                <a:latin typeface="Consolas" panose="020B0609020204030204" pitchFamily="49" charset="0"/>
+              </a:rPr>
+              <a:t>=</a:t>
+            </a:r>
+            <a:r>
+              <a:rPr lang="en-US" sz="1600" b="0" dirty="0">
+                <a:solidFill>
+                  <a:srgbClr val="333333"/>
+                </a:solidFill>
+                <a:effectLst/>
+                <a:latin typeface="Consolas" panose="020B0609020204030204" pitchFamily="49" charset="0"/>
+              </a:rPr>
+              <a:t> {</a:t>
+            </a:r>
+            <a:r>
+              <a:rPr lang="en-US" sz="1600" b="0" dirty="0">
+                <a:solidFill>
+                  <a:srgbClr val="2AA198"/>
+                </a:solidFill>
+                <a:effectLst/>
+                <a:latin typeface="Consolas" panose="020B0609020204030204" pitchFamily="49" charset="0"/>
+              </a:rPr>
+              <a:t>"Phones"</a:t>
+            </a:r>
+            <a:r>
+              <a:rPr lang="en-US" sz="1600" b="0" dirty="0">
+                <a:solidFill>
+                  <a:srgbClr val="333333"/>
+                </a:solidFill>
+                <a:effectLst/>
+                <a:latin typeface="Consolas" panose="020B0609020204030204" pitchFamily="49" charset="0"/>
+              </a:rPr>
+              <a:t>, </a:t>
+            </a:r>
+            <a:r>
+              <a:rPr lang="en-US" sz="1600" b="0" dirty="0">
+                <a:solidFill>
+                  <a:srgbClr val="2AA198"/>
+                </a:solidFill>
+                <a:effectLst/>
+                <a:latin typeface="Consolas" panose="020B0609020204030204" pitchFamily="49" charset="0"/>
+              </a:rPr>
+              <a:t>"Boxes"</a:t>
+            </a:r>
+            <a:r>
+              <a:rPr lang="en-US" sz="1600" b="0" dirty="0">
+                <a:solidFill>
+                  <a:srgbClr val="333333"/>
+                </a:solidFill>
+                <a:effectLst/>
+                <a:latin typeface="Consolas" panose="020B0609020204030204" pitchFamily="49" charset="0"/>
+              </a:rPr>
+              <a:t>, </a:t>
+            </a:r>
+            <a:r>
+              <a:rPr lang="en-US" sz="1600" b="0" dirty="0">
+                <a:solidFill>
+                  <a:srgbClr val="2AA198"/>
+                </a:solidFill>
+                <a:effectLst/>
+                <a:latin typeface="Consolas" panose="020B0609020204030204" pitchFamily="49" charset="0"/>
+              </a:rPr>
+              <a:t>"Toys"</a:t>
+            </a:r>
+            <a:r>
+              <a:rPr lang="en-US" sz="1600" b="0" dirty="0">
+                <a:solidFill>
+                  <a:srgbClr val="333333"/>
+                </a:solidFill>
+                <a:effectLst/>
+                <a:latin typeface="Consolas" panose="020B0609020204030204" pitchFamily="49" charset="0"/>
+              </a:rPr>
+              <a:t>};</a:t>
+            </a:r>
+          </a:p>
+          <a:p>
+            <a:r>
+              <a:rPr lang="en-US" sz="1600" b="0" dirty="0">
+                <a:solidFill>
+                  <a:srgbClr val="333333"/>
+                </a:solidFill>
+                <a:effectLst/>
+                <a:latin typeface="Consolas" panose="020B0609020204030204" pitchFamily="49" charset="0"/>
+              </a:rPr>
+              <a:t> </a:t>
+            </a:r>
+            <a:r>
+              <a:rPr lang="en-US" sz="1600" b="1" dirty="0">
+                <a:solidFill>
+                  <a:srgbClr val="268BD2"/>
+                </a:solidFill>
+                <a:effectLst/>
+                <a:latin typeface="Consolas" panose="020B0609020204030204" pitchFamily="49" charset="0"/>
+              </a:rPr>
+              <a:t>Review3</a:t>
+            </a:r>
+            <a:r>
+              <a:rPr lang="en-US" sz="1600" b="0" dirty="0">
+                <a:solidFill>
+                  <a:srgbClr val="333333"/>
+                </a:solidFill>
+                <a:effectLst/>
+                <a:latin typeface="Consolas" panose="020B0609020204030204" pitchFamily="49" charset="0"/>
+              </a:rPr>
+              <a:t> </a:t>
+            </a:r>
+            <a:r>
+              <a:rPr lang="en-US" sz="1600" b="0" dirty="0">
+                <a:solidFill>
+                  <a:srgbClr val="268BD2"/>
+                </a:solidFill>
+                <a:effectLst/>
+                <a:latin typeface="Consolas" panose="020B0609020204030204" pitchFamily="49" charset="0"/>
+              </a:rPr>
+              <a:t>one</a:t>
+            </a:r>
+            <a:r>
+              <a:rPr lang="en-US" sz="1600" b="0" dirty="0">
+                <a:solidFill>
+                  <a:srgbClr val="333333"/>
+                </a:solidFill>
+                <a:effectLst/>
+                <a:latin typeface="Consolas" panose="020B0609020204030204" pitchFamily="49" charset="0"/>
+              </a:rPr>
+              <a:t> </a:t>
+            </a:r>
+            <a:r>
+              <a:rPr lang="en-US" sz="1600" b="0" dirty="0">
+                <a:solidFill>
+                  <a:srgbClr val="859900"/>
+                </a:solidFill>
+                <a:effectLst/>
+                <a:latin typeface="Consolas" panose="020B0609020204030204" pitchFamily="49" charset="0"/>
+              </a:rPr>
+              <a:t>=</a:t>
+            </a:r>
+            <a:r>
+              <a:rPr lang="en-US" sz="1600" b="0" dirty="0">
+                <a:solidFill>
+                  <a:srgbClr val="333333"/>
+                </a:solidFill>
+                <a:effectLst/>
+                <a:latin typeface="Consolas" panose="020B0609020204030204" pitchFamily="49" charset="0"/>
+              </a:rPr>
+              <a:t> </a:t>
+            </a:r>
+            <a:r>
+              <a:rPr lang="en-US" sz="1600" b="0" dirty="0">
+                <a:solidFill>
+                  <a:srgbClr val="859900"/>
+                </a:solidFill>
+                <a:effectLst/>
+                <a:latin typeface="Consolas" panose="020B0609020204030204" pitchFamily="49" charset="0"/>
+              </a:rPr>
+              <a:t>new</a:t>
+            </a:r>
+            <a:r>
+              <a:rPr lang="en-US" sz="1600" b="0" dirty="0">
+                <a:solidFill>
+                  <a:srgbClr val="333333"/>
+                </a:solidFill>
+                <a:effectLst/>
+                <a:latin typeface="Consolas" panose="020B0609020204030204" pitchFamily="49" charset="0"/>
+              </a:rPr>
+              <a:t> </a:t>
+            </a:r>
+            <a:r>
+              <a:rPr lang="en-US" sz="1600" b="0" dirty="0">
+                <a:solidFill>
+                  <a:srgbClr val="268BD2"/>
+                </a:solidFill>
+                <a:effectLst/>
+                <a:latin typeface="Consolas" panose="020B0609020204030204" pitchFamily="49" charset="0"/>
+              </a:rPr>
+              <a:t>Review3</a:t>
+            </a:r>
+            <a:r>
+              <a:rPr lang="en-US" sz="1600" b="0" dirty="0">
+                <a:solidFill>
+                  <a:srgbClr val="333333"/>
+                </a:solidFill>
+                <a:effectLst/>
+                <a:latin typeface="Consolas" panose="020B0609020204030204" pitchFamily="49" charset="0"/>
+              </a:rPr>
+              <a:t>(</a:t>
+            </a:r>
+            <a:r>
+              <a:rPr lang="en-US" sz="1600" b="0" dirty="0">
+                <a:solidFill>
+                  <a:srgbClr val="2AA198"/>
+                </a:solidFill>
+                <a:effectLst/>
+                <a:latin typeface="Consolas" panose="020B0609020204030204" pitchFamily="49" charset="0"/>
+              </a:rPr>
+              <a:t>"</a:t>
+            </a:r>
+            <a:r>
+              <a:rPr lang="en-US" sz="1600" b="0" dirty="0" err="1">
+                <a:solidFill>
+                  <a:srgbClr val="2AA198"/>
+                </a:solidFill>
+                <a:effectLst/>
+                <a:latin typeface="Consolas" panose="020B0609020204030204" pitchFamily="49" charset="0"/>
+              </a:rPr>
+              <a:t>hema</a:t>
+            </a:r>
+            <a:r>
+              <a:rPr lang="en-US" sz="1600" b="0" dirty="0">
+                <a:solidFill>
+                  <a:srgbClr val="2AA198"/>
+                </a:solidFill>
+                <a:effectLst/>
+                <a:latin typeface="Consolas" panose="020B0609020204030204" pitchFamily="49" charset="0"/>
+              </a:rPr>
+              <a:t>"</a:t>
+            </a:r>
+            <a:r>
+              <a:rPr lang="en-US" sz="1600" b="0" dirty="0">
+                <a:solidFill>
+                  <a:srgbClr val="333333"/>
+                </a:solidFill>
+                <a:effectLst/>
+                <a:latin typeface="Consolas" panose="020B0609020204030204" pitchFamily="49" charset="0"/>
+              </a:rPr>
+              <a:t>, </a:t>
+            </a:r>
+            <a:r>
+              <a:rPr lang="en-US" sz="1600" b="0" dirty="0">
+                <a:solidFill>
+                  <a:srgbClr val="268BD2"/>
+                </a:solidFill>
+                <a:effectLst/>
+                <a:latin typeface="Consolas" panose="020B0609020204030204" pitchFamily="49" charset="0"/>
+              </a:rPr>
+              <a:t>widgets</a:t>
+            </a:r>
+            <a:r>
+              <a:rPr lang="en-US" sz="1600" b="0" dirty="0">
+                <a:solidFill>
+                  <a:srgbClr val="333333"/>
+                </a:solidFill>
+                <a:effectLst/>
+                <a:latin typeface="Consolas" panose="020B0609020204030204" pitchFamily="49" charset="0"/>
+              </a:rPr>
+              <a:t>);</a:t>
+            </a:r>
+          </a:p>
+          <a:p>
+            <a:r>
+              <a:rPr lang="en-US" sz="1600" b="0" dirty="0">
+                <a:solidFill>
+                  <a:srgbClr val="333333"/>
+                </a:solidFill>
+                <a:effectLst/>
+                <a:latin typeface="Consolas" panose="020B0609020204030204" pitchFamily="49" charset="0"/>
+              </a:rPr>
+              <a:t> </a:t>
+            </a:r>
+            <a:r>
+              <a:rPr lang="en-US" sz="1600" b="0" dirty="0" err="1">
+                <a:solidFill>
+                  <a:srgbClr val="268BD2"/>
+                </a:solidFill>
+                <a:effectLst/>
+                <a:latin typeface="Consolas" panose="020B0609020204030204" pitchFamily="49" charset="0"/>
+              </a:rPr>
+              <a:t>System</a:t>
+            </a:r>
+            <a:r>
+              <a:rPr lang="en-US" sz="1600" b="0" dirty="0" err="1">
+                <a:solidFill>
+                  <a:srgbClr val="333333"/>
+                </a:solidFill>
+                <a:effectLst/>
+                <a:latin typeface="Consolas" panose="020B0609020204030204" pitchFamily="49" charset="0"/>
+              </a:rPr>
+              <a:t>.</a:t>
+            </a:r>
+            <a:r>
+              <a:rPr lang="en-US" sz="1600" b="0" dirty="0" err="1">
+                <a:solidFill>
+                  <a:srgbClr val="268BD2"/>
+                </a:solidFill>
+                <a:effectLst/>
+                <a:latin typeface="Consolas" panose="020B0609020204030204" pitchFamily="49" charset="0"/>
+              </a:rPr>
+              <a:t>out</a:t>
+            </a:r>
+            <a:r>
+              <a:rPr lang="en-US" sz="1600" b="0" dirty="0" err="1">
+                <a:solidFill>
+                  <a:srgbClr val="333333"/>
+                </a:solidFill>
+                <a:effectLst/>
+                <a:latin typeface="Consolas" panose="020B0609020204030204" pitchFamily="49" charset="0"/>
+              </a:rPr>
+              <a:t>.</a:t>
+            </a:r>
+            <a:r>
+              <a:rPr lang="en-US" sz="1600" b="0" dirty="0" err="1">
+                <a:solidFill>
+                  <a:srgbClr val="268BD2"/>
+                </a:solidFill>
+                <a:effectLst/>
+                <a:latin typeface="Consolas" panose="020B0609020204030204" pitchFamily="49" charset="0"/>
+              </a:rPr>
+              <a:t>println</a:t>
+            </a:r>
+            <a:r>
+              <a:rPr lang="en-US" sz="1600" b="0" dirty="0">
+                <a:solidFill>
+                  <a:srgbClr val="333333"/>
+                </a:solidFill>
+                <a:effectLst/>
+                <a:latin typeface="Consolas" panose="020B0609020204030204" pitchFamily="49" charset="0"/>
+              </a:rPr>
+              <a:t>(</a:t>
+            </a:r>
+            <a:r>
+              <a:rPr lang="en-US" sz="1600" b="0" dirty="0">
+                <a:solidFill>
+                  <a:srgbClr val="268BD2"/>
+                </a:solidFill>
+                <a:effectLst/>
+                <a:latin typeface="Consolas" panose="020B0609020204030204" pitchFamily="49" charset="0"/>
+              </a:rPr>
+              <a:t>Review3</a:t>
+            </a:r>
+            <a:r>
+              <a:rPr lang="en-US" sz="1600" b="0" dirty="0">
+                <a:solidFill>
+                  <a:srgbClr val="333333"/>
+                </a:solidFill>
+                <a:effectLst/>
+                <a:latin typeface="Consolas" panose="020B0609020204030204" pitchFamily="49" charset="0"/>
+              </a:rPr>
+              <a:t>.</a:t>
+            </a:r>
+            <a:r>
+              <a:rPr lang="en-US" sz="1600" b="0" dirty="0">
+                <a:solidFill>
+                  <a:srgbClr val="268BD2"/>
+                </a:solidFill>
+                <a:effectLst/>
+                <a:latin typeface="Consolas" panose="020B0609020204030204" pitchFamily="49" charset="0"/>
+              </a:rPr>
+              <a:t>counter</a:t>
+            </a:r>
+            <a:r>
+              <a:rPr lang="en-US" sz="1600" b="0" dirty="0">
+                <a:solidFill>
+                  <a:srgbClr val="333333"/>
+                </a:solidFill>
+                <a:effectLst/>
+                <a:latin typeface="Consolas" panose="020B0609020204030204" pitchFamily="49" charset="0"/>
+              </a:rPr>
+              <a:t>);</a:t>
+            </a:r>
+          </a:p>
+          <a:p>
+            <a:r>
+              <a:rPr lang="en-US" sz="1600" b="0" dirty="0">
+                <a:solidFill>
+                  <a:srgbClr val="333333"/>
+                </a:solidFill>
+                <a:effectLst/>
+                <a:latin typeface="Consolas" panose="020B0609020204030204" pitchFamily="49" charset="0"/>
+              </a:rPr>
+              <a:t> </a:t>
+            </a:r>
+            <a:r>
+              <a:rPr lang="en-US" sz="1600" b="1" dirty="0">
+                <a:solidFill>
+                  <a:srgbClr val="268BD2"/>
+                </a:solidFill>
+                <a:effectLst/>
+                <a:latin typeface="Consolas" panose="020B0609020204030204" pitchFamily="49" charset="0"/>
+              </a:rPr>
+              <a:t>Review3</a:t>
+            </a:r>
+            <a:r>
+              <a:rPr lang="en-US" sz="1600" b="0" dirty="0">
+                <a:solidFill>
+                  <a:srgbClr val="333333"/>
+                </a:solidFill>
+                <a:effectLst/>
+                <a:latin typeface="Consolas" panose="020B0609020204030204" pitchFamily="49" charset="0"/>
+              </a:rPr>
+              <a:t> </a:t>
+            </a:r>
+            <a:r>
+              <a:rPr lang="en-US" sz="1600" b="0" dirty="0">
+                <a:solidFill>
+                  <a:srgbClr val="268BD2"/>
+                </a:solidFill>
+                <a:effectLst/>
+                <a:latin typeface="Consolas" panose="020B0609020204030204" pitchFamily="49" charset="0"/>
+              </a:rPr>
+              <a:t>two</a:t>
+            </a:r>
+            <a:r>
+              <a:rPr lang="en-US" sz="1600" b="0" dirty="0">
+                <a:solidFill>
+                  <a:srgbClr val="333333"/>
+                </a:solidFill>
+                <a:effectLst/>
+                <a:latin typeface="Consolas" panose="020B0609020204030204" pitchFamily="49" charset="0"/>
+              </a:rPr>
+              <a:t> </a:t>
+            </a:r>
+            <a:r>
+              <a:rPr lang="en-US" sz="1600" b="0" dirty="0">
+                <a:solidFill>
+                  <a:srgbClr val="859900"/>
+                </a:solidFill>
+                <a:effectLst/>
+                <a:latin typeface="Consolas" panose="020B0609020204030204" pitchFamily="49" charset="0"/>
+              </a:rPr>
+              <a:t>=</a:t>
+            </a:r>
+            <a:r>
+              <a:rPr lang="en-US" sz="1600" b="0" dirty="0">
+                <a:solidFill>
+                  <a:srgbClr val="333333"/>
+                </a:solidFill>
+                <a:effectLst/>
+                <a:latin typeface="Consolas" panose="020B0609020204030204" pitchFamily="49" charset="0"/>
+              </a:rPr>
+              <a:t> </a:t>
+            </a:r>
+            <a:r>
+              <a:rPr lang="en-US" sz="1600" b="0" dirty="0">
+                <a:solidFill>
+                  <a:srgbClr val="859900"/>
+                </a:solidFill>
+                <a:effectLst/>
+                <a:latin typeface="Consolas" panose="020B0609020204030204" pitchFamily="49" charset="0"/>
+              </a:rPr>
+              <a:t>new</a:t>
+            </a:r>
+            <a:r>
+              <a:rPr lang="en-US" sz="1600" b="0" dirty="0">
+                <a:solidFill>
+                  <a:srgbClr val="333333"/>
+                </a:solidFill>
+                <a:effectLst/>
+                <a:latin typeface="Consolas" panose="020B0609020204030204" pitchFamily="49" charset="0"/>
+              </a:rPr>
+              <a:t> </a:t>
+            </a:r>
+            <a:r>
+              <a:rPr lang="en-US" sz="1600" b="0" dirty="0">
+                <a:solidFill>
+                  <a:srgbClr val="268BD2"/>
+                </a:solidFill>
+                <a:effectLst/>
+                <a:latin typeface="Consolas" panose="020B0609020204030204" pitchFamily="49" charset="0"/>
+              </a:rPr>
+              <a:t>Review3</a:t>
+            </a:r>
+            <a:r>
+              <a:rPr lang="en-US" sz="1600" b="0" dirty="0">
+                <a:solidFill>
+                  <a:srgbClr val="333333"/>
+                </a:solidFill>
+                <a:effectLst/>
+                <a:latin typeface="Consolas" panose="020B0609020204030204" pitchFamily="49" charset="0"/>
+              </a:rPr>
+              <a:t>(</a:t>
+            </a:r>
+            <a:r>
+              <a:rPr lang="en-US" sz="1600" b="0" dirty="0">
+                <a:solidFill>
+                  <a:srgbClr val="2AA198"/>
+                </a:solidFill>
+                <a:effectLst/>
+                <a:latin typeface="Consolas" panose="020B0609020204030204" pitchFamily="49" charset="0"/>
+              </a:rPr>
+              <a:t>"</a:t>
+            </a:r>
+            <a:r>
+              <a:rPr lang="en-US" sz="1600" b="0" dirty="0" err="1">
+                <a:solidFill>
+                  <a:srgbClr val="2AA198"/>
+                </a:solidFill>
+                <a:effectLst/>
+                <a:latin typeface="Consolas" panose="020B0609020204030204" pitchFamily="49" charset="0"/>
+              </a:rPr>
+              <a:t>akau</a:t>
+            </a:r>
+            <a:r>
+              <a:rPr lang="en-US" sz="1600" b="0" dirty="0">
+                <a:solidFill>
+                  <a:srgbClr val="2AA198"/>
+                </a:solidFill>
+                <a:effectLst/>
+                <a:latin typeface="Consolas" panose="020B0609020204030204" pitchFamily="49" charset="0"/>
+              </a:rPr>
+              <a:t>"</a:t>
+            </a:r>
+            <a:r>
+              <a:rPr lang="en-US" sz="1600" b="0" dirty="0">
+                <a:solidFill>
+                  <a:srgbClr val="333333"/>
+                </a:solidFill>
+                <a:effectLst/>
+                <a:latin typeface="Consolas" panose="020B0609020204030204" pitchFamily="49" charset="0"/>
+              </a:rPr>
+              <a:t>, </a:t>
+            </a:r>
+            <a:r>
+              <a:rPr lang="en-US" sz="1600" b="0" dirty="0">
+                <a:solidFill>
+                  <a:srgbClr val="268BD2"/>
+                </a:solidFill>
+                <a:effectLst/>
+                <a:latin typeface="Consolas" panose="020B0609020204030204" pitchFamily="49" charset="0"/>
+              </a:rPr>
+              <a:t>widgets</a:t>
+            </a:r>
+            <a:r>
+              <a:rPr lang="en-US" sz="1600" b="0" dirty="0">
+                <a:solidFill>
+                  <a:srgbClr val="333333"/>
+                </a:solidFill>
+                <a:effectLst/>
+                <a:latin typeface="Consolas" panose="020B0609020204030204" pitchFamily="49" charset="0"/>
+              </a:rPr>
+              <a:t>);</a:t>
+            </a:r>
+          </a:p>
+          <a:p>
+            <a:r>
+              <a:rPr lang="en-US" sz="1600" b="0" dirty="0">
+                <a:solidFill>
+                  <a:srgbClr val="333333"/>
+                </a:solidFill>
+                <a:effectLst/>
+                <a:latin typeface="Consolas" panose="020B0609020204030204" pitchFamily="49" charset="0"/>
+              </a:rPr>
+              <a:t> </a:t>
+            </a:r>
+            <a:r>
+              <a:rPr lang="en-US" sz="1600" b="0" dirty="0" err="1">
+                <a:solidFill>
+                  <a:srgbClr val="268BD2"/>
+                </a:solidFill>
+                <a:effectLst/>
+                <a:latin typeface="Consolas" panose="020B0609020204030204" pitchFamily="49" charset="0"/>
+              </a:rPr>
+              <a:t>System</a:t>
+            </a:r>
+            <a:r>
+              <a:rPr lang="en-US" sz="1600" b="0" dirty="0" err="1">
+                <a:solidFill>
+                  <a:srgbClr val="333333"/>
+                </a:solidFill>
+                <a:effectLst/>
+                <a:latin typeface="Consolas" panose="020B0609020204030204" pitchFamily="49" charset="0"/>
+              </a:rPr>
+              <a:t>.</a:t>
+            </a:r>
+            <a:r>
+              <a:rPr lang="en-US" sz="1600" b="0" dirty="0" err="1">
+                <a:solidFill>
+                  <a:srgbClr val="268BD2"/>
+                </a:solidFill>
+                <a:effectLst/>
+                <a:latin typeface="Consolas" panose="020B0609020204030204" pitchFamily="49" charset="0"/>
+              </a:rPr>
+              <a:t>out</a:t>
+            </a:r>
+            <a:r>
+              <a:rPr lang="en-US" sz="1600" b="0" dirty="0" err="1">
+                <a:solidFill>
+                  <a:srgbClr val="333333"/>
+                </a:solidFill>
+                <a:effectLst/>
+                <a:latin typeface="Consolas" panose="020B0609020204030204" pitchFamily="49" charset="0"/>
+              </a:rPr>
+              <a:t>.</a:t>
+            </a:r>
+            <a:r>
+              <a:rPr lang="en-US" sz="1600" b="0" dirty="0" err="1">
+                <a:solidFill>
+                  <a:srgbClr val="268BD2"/>
+                </a:solidFill>
+                <a:effectLst/>
+                <a:latin typeface="Consolas" panose="020B0609020204030204" pitchFamily="49" charset="0"/>
+              </a:rPr>
+              <a:t>println</a:t>
+            </a:r>
+            <a:r>
+              <a:rPr lang="en-US" sz="1600" b="0" dirty="0">
+                <a:solidFill>
+                  <a:srgbClr val="333333"/>
+                </a:solidFill>
+                <a:effectLst/>
+                <a:latin typeface="Consolas" panose="020B0609020204030204" pitchFamily="49" charset="0"/>
+              </a:rPr>
+              <a:t>(</a:t>
+            </a:r>
+            <a:r>
+              <a:rPr lang="en-US" sz="1600" b="0" dirty="0">
+                <a:solidFill>
+                  <a:srgbClr val="268BD2"/>
+                </a:solidFill>
+                <a:effectLst/>
+                <a:latin typeface="Consolas" panose="020B0609020204030204" pitchFamily="49" charset="0"/>
+              </a:rPr>
+              <a:t>Review3</a:t>
+            </a:r>
+            <a:r>
+              <a:rPr lang="en-US" sz="1600" b="0" dirty="0">
+                <a:solidFill>
+                  <a:srgbClr val="333333"/>
+                </a:solidFill>
+                <a:effectLst/>
+                <a:latin typeface="Consolas" panose="020B0609020204030204" pitchFamily="49" charset="0"/>
+              </a:rPr>
+              <a:t>.</a:t>
+            </a:r>
+            <a:r>
+              <a:rPr lang="en-US" sz="1600" b="0" dirty="0">
+                <a:solidFill>
+                  <a:srgbClr val="268BD2"/>
+                </a:solidFill>
+                <a:effectLst/>
+                <a:latin typeface="Consolas" panose="020B0609020204030204" pitchFamily="49" charset="0"/>
+              </a:rPr>
+              <a:t>counter</a:t>
+            </a:r>
+            <a:r>
+              <a:rPr lang="en-US" sz="1600" b="0" dirty="0">
+                <a:solidFill>
+                  <a:srgbClr val="333333"/>
+                </a:solidFill>
+                <a:effectLst/>
+                <a:latin typeface="Consolas" panose="020B0609020204030204" pitchFamily="49" charset="0"/>
+              </a:rPr>
+              <a:t>);</a:t>
+            </a:r>
+          </a:p>
+          <a:p>
+            <a:r>
+              <a:rPr lang="en-US" sz="1600" b="0" dirty="0">
+                <a:solidFill>
+                  <a:srgbClr val="333333"/>
+                </a:solidFill>
+                <a:effectLst/>
+                <a:latin typeface="Consolas" panose="020B0609020204030204" pitchFamily="49" charset="0"/>
+              </a:rPr>
+              <a:t> </a:t>
+            </a:r>
+            <a:r>
+              <a:rPr lang="en-US" sz="1600" b="0" dirty="0" err="1">
+                <a:solidFill>
+                  <a:srgbClr val="268BD2"/>
+                </a:solidFill>
+                <a:effectLst/>
+                <a:latin typeface="Consolas" panose="020B0609020204030204" pitchFamily="49" charset="0"/>
+              </a:rPr>
+              <a:t>System</a:t>
+            </a:r>
+            <a:r>
+              <a:rPr lang="en-US" sz="1600" b="0" dirty="0" err="1">
+                <a:solidFill>
+                  <a:srgbClr val="333333"/>
+                </a:solidFill>
+                <a:effectLst/>
+                <a:latin typeface="Consolas" panose="020B0609020204030204" pitchFamily="49" charset="0"/>
+              </a:rPr>
+              <a:t>.</a:t>
+            </a:r>
+            <a:r>
+              <a:rPr lang="en-US" sz="1600" b="0" dirty="0" err="1">
+                <a:solidFill>
+                  <a:srgbClr val="268BD2"/>
+                </a:solidFill>
+                <a:effectLst/>
+                <a:latin typeface="Consolas" panose="020B0609020204030204" pitchFamily="49" charset="0"/>
+              </a:rPr>
+              <a:t>out</a:t>
+            </a:r>
+            <a:r>
+              <a:rPr lang="en-US" sz="1600" b="0" dirty="0" err="1">
+                <a:solidFill>
+                  <a:srgbClr val="333333"/>
+                </a:solidFill>
+                <a:effectLst/>
+                <a:latin typeface="Consolas" panose="020B0609020204030204" pitchFamily="49" charset="0"/>
+              </a:rPr>
+              <a:t>.</a:t>
+            </a:r>
+            <a:r>
+              <a:rPr lang="en-US" sz="1600" b="0" dirty="0" err="1">
+                <a:solidFill>
+                  <a:srgbClr val="268BD2"/>
+                </a:solidFill>
+                <a:effectLst/>
+                <a:latin typeface="Consolas" panose="020B0609020204030204" pitchFamily="49" charset="0"/>
+              </a:rPr>
+              <a:t>println</a:t>
+            </a:r>
+            <a:r>
+              <a:rPr lang="en-US" sz="1600" b="0" dirty="0">
+                <a:solidFill>
+                  <a:srgbClr val="333333"/>
+                </a:solidFill>
+                <a:effectLst/>
+                <a:latin typeface="Consolas" panose="020B0609020204030204" pitchFamily="49" charset="0"/>
+              </a:rPr>
+              <a:t>(</a:t>
+            </a:r>
+            <a:r>
+              <a:rPr lang="en-US" sz="1600" b="0" dirty="0" err="1">
+                <a:solidFill>
+                  <a:srgbClr val="268BD2"/>
+                </a:solidFill>
+                <a:effectLst/>
+                <a:latin typeface="Consolas" panose="020B0609020204030204" pitchFamily="49" charset="0"/>
+              </a:rPr>
+              <a:t>one</a:t>
+            </a:r>
+            <a:r>
+              <a:rPr lang="en-US" sz="1600" b="0" dirty="0" err="1">
+                <a:solidFill>
+                  <a:srgbClr val="333333"/>
+                </a:solidFill>
+                <a:effectLst/>
+                <a:latin typeface="Consolas" panose="020B0609020204030204" pitchFamily="49" charset="0"/>
+              </a:rPr>
+              <a:t>.</a:t>
+            </a:r>
+            <a:r>
+              <a:rPr lang="en-US" sz="1600" b="0" dirty="0" err="1">
+                <a:solidFill>
+                  <a:srgbClr val="268BD2"/>
+                </a:solidFill>
+                <a:effectLst/>
+                <a:latin typeface="Consolas" panose="020B0609020204030204" pitchFamily="49" charset="0"/>
+              </a:rPr>
+              <a:t>getName</a:t>
+            </a:r>
+            <a:r>
+              <a:rPr lang="en-US" sz="1600" b="0" dirty="0">
+                <a:solidFill>
+                  <a:srgbClr val="333333"/>
+                </a:solidFill>
+                <a:effectLst/>
+                <a:latin typeface="Consolas" panose="020B0609020204030204" pitchFamily="49" charset="0"/>
+              </a:rPr>
+              <a:t>());</a:t>
+            </a:r>
           </a:p>
         </p:txBody>
       </p:sp>
       <p:graphicFrame>
         <p:nvGraphicFramePr>
-          <p:cNvPr id="7" name="Table 6">
+          <p:cNvPr id="16" name="Table 16">
             <a:extLst>
               <a:ext uri="{FF2B5EF4-FFF2-40B4-BE49-F238E27FC236}">
-                <a16:creationId xmlns:a16="http://schemas.microsoft.com/office/drawing/2014/main" id="{043EAB23-5A91-437A-AECA-D4B52C8D6239}"/>
+                <a16:creationId xmlns:a16="http://schemas.microsoft.com/office/drawing/2014/main" id="{994DCAC5-7633-4866-B163-A581838171AC}"/>
               </a:ext>
             </a:extLst>
           </p:cNvPr>
@@ -7972,14 +12101,14 @@
           <p:nvPr>
             <p:extLst>
               <p:ext uri="{D42A27DB-BD31-4B8C-83A1-F6EECF244321}">
-                <p14:modId xmlns:p14="http://schemas.microsoft.com/office/powerpoint/2010/main" val="1984431551"/>
+                <p14:modId xmlns:p14="http://schemas.microsoft.com/office/powerpoint/2010/main" val="2698594675"/>
               </p:ext>
             </p:extLst>
           </p:nvPr>
         </p:nvGraphicFramePr>
         <p:xfrm>
-          <a:off x="1541316" y="5718873"/>
-          <a:ext cx="5002704" cy="1112520"/>
+          <a:off x="831275" y="1920725"/>
+          <a:ext cx="5689599" cy="1530288"/>
         </p:xfrm>
         <a:graphic>
           <a:graphicData uri="http://schemas.openxmlformats.org/drawingml/2006/table">
@@ -7988,63 +12117,60 @@
                 <a:tableStyleId>{5C22544A-7EE6-4342-B048-85BDC9FD1C3A}</a:tableStyleId>
               </a:tblPr>
               <a:tblGrid>
-                <a:gridCol w="876227">
+                <a:gridCol w="2857469">
                   <a:extLst>
                     <a:ext uri="{9D8B030D-6E8A-4147-A177-3AD203B41FA5}">
-                      <a16:colId xmlns:a16="http://schemas.microsoft.com/office/drawing/2014/main" val="542069447"/>
+                      <a16:colId xmlns:a16="http://schemas.microsoft.com/office/drawing/2014/main" val="1341781199"/>
                     </a:ext>
                   </a:extLst>
                 </a:gridCol>
-                <a:gridCol w="890194">
+                <a:gridCol w="2832130">
                   <a:extLst>
                     <a:ext uri="{9D8B030D-6E8A-4147-A177-3AD203B41FA5}">
-                      <a16:colId xmlns:a16="http://schemas.microsoft.com/office/drawing/2014/main" val="1678830919"/>
-                    </a:ext>
-                  </a:extLst>
-                </a:gridCol>
-                <a:gridCol w="1078761">
-                  <a:extLst>
-                    <a:ext uri="{9D8B030D-6E8A-4147-A177-3AD203B41FA5}">
-                      <a16:colId xmlns:a16="http://schemas.microsoft.com/office/drawing/2014/main" val="2656201167"/>
-                    </a:ext>
-                  </a:extLst>
-                </a:gridCol>
-                <a:gridCol w="1078761">
-                  <a:extLst>
-                    <a:ext uri="{9D8B030D-6E8A-4147-A177-3AD203B41FA5}">
-                      <a16:colId xmlns:a16="http://schemas.microsoft.com/office/drawing/2014/main" val="1998385756"/>
-                    </a:ext>
-                  </a:extLst>
-                </a:gridCol>
-                <a:gridCol w="1078761">
-                  <a:extLst>
-                    <a:ext uri="{9D8B030D-6E8A-4147-A177-3AD203B41FA5}">
-                      <a16:colId xmlns:a16="http://schemas.microsoft.com/office/drawing/2014/main" val="1719634621"/>
+                      <a16:colId xmlns:a16="http://schemas.microsoft.com/office/drawing/2014/main" val="796407320"/>
                     </a:ext>
                   </a:extLst>
                 </a:gridCol>
               </a:tblGrid>
-              <a:tr h="370840">
+              <a:tr h="437203">
+                <a:tc gridSpan="2">
+                  <a:txBody>
+                    <a:bodyPr/>
+                    <a:lstStyle/>
+                    <a:p>
+                      <a:r>
+                        <a:rPr lang="en-US" dirty="0"/>
+                        <a:t>Review3 (Static / Shared Space)</a:t>
+                      </a:r>
+                    </a:p>
+                  </a:txBody>
+                  <a:tcPr/>
+                </a:tc>
+                <a:tc hMerge="1">
+                  <a:txBody>
+                    <a:bodyPr/>
+                    <a:lstStyle/>
+                    <a:p>
+                      <a:endParaRPr lang="en-US" dirty="0"/>
+                    </a:p>
+                  </a:txBody>
+                  <a:tcPr/>
+                </a:tc>
+                <a:extLst>
+                  <a:ext uri="{0D108BD9-81ED-4DB2-BD59-A6C34878D82A}">
+                    <a16:rowId xmlns:a16="http://schemas.microsoft.com/office/drawing/2014/main" val="1609880922"/>
+                  </a:ext>
+                </a:extLst>
+              </a:tr>
+              <a:tr h="487035">
                 <a:tc>
                   <a:txBody>
                     <a:bodyPr/>
                     <a:lstStyle/>
                     <a:p>
-                      <a:pPr algn="ctr"/>
-                      <a:endParaRPr lang="en-US" sz="1600" b="0" dirty="0"/>
-                    </a:p>
-                  </a:txBody>
-                  <a:tcPr/>
-                </a:tc>
-                <a:tc>
-                  <a:txBody>
-                    <a:bodyPr/>
-                    <a:lstStyle/>
-                    <a:p>
-                      <a:pPr algn="ctr"/>
                       <a:r>
-                        <a:rPr lang="en-US" sz="1600" b="0" dirty="0"/>
-                        <a:t>[0]</a:t>
+                        <a:rPr lang="en-US" dirty="0"/>
+                        <a:t>MY_VAL</a:t>
                       </a:r>
                     </a:p>
                   </a:txBody>
@@ -8055,10 +12181,29 @@
                     <a:bodyPr/>
                     <a:lstStyle/>
                     <a:p>
-                      <a:pPr algn="ctr"/>
                       <a:r>
-                        <a:rPr lang="en-US" sz="1600" b="0" dirty="0"/>
-                        <a:t>[1]</a:t>
+                        <a:rPr lang="en-US" dirty="0"/>
+                        <a:t>3 (fixed)</a:t>
+                      </a:r>
+                    </a:p>
+                  </a:txBody>
+                  <a:tcPr/>
+                </a:tc>
+                <a:extLst>
+                  <a:ext uri="{0D108BD9-81ED-4DB2-BD59-A6C34878D82A}">
+                    <a16:rowId xmlns:a16="http://schemas.microsoft.com/office/drawing/2014/main" val="3036917328"/>
+                  </a:ext>
+                </a:extLst>
+              </a:tr>
+              <a:tr h="487035">
+                <a:tc>
+                  <a:txBody>
+                    <a:bodyPr/>
+                    <a:lstStyle/>
+                    <a:p>
+                      <a:r>
+                        <a:rPr lang="en-US" dirty="0"/>
+                        <a:t>counter</a:t>
                       </a:r>
                     </a:p>
                   </a:txBody>
@@ -8069,10 +12214,232 @@
                     <a:bodyPr/>
                     <a:lstStyle/>
                     <a:p>
-                      <a:pPr algn="ctr"/>
                       <a:r>
-                        <a:rPr lang="en-US" sz="1600" b="0" dirty="0"/>
-                        <a:t>[2]</a:t>
+                        <a:rPr lang="en-US" dirty="0"/>
+                        <a:t>0</a:t>
+                      </a:r>
+                    </a:p>
+                  </a:txBody>
+                  <a:tcPr/>
+                </a:tc>
+                <a:extLst>
+                  <a:ext uri="{0D108BD9-81ED-4DB2-BD59-A6C34878D82A}">
+                    <a16:rowId xmlns:a16="http://schemas.microsoft.com/office/drawing/2014/main" val="353847074"/>
+                  </a:ext>
+                </a:extLst>
+              </a:tr>
+            </a:tbl>
+          </a:graphicData>
+        </a:graphic>
+      </p:graphicFrame>
+      <p:graphicFrame>
+        <p:nvGraphicFramePr>
+          <p:cNvPr id="17" name="Table 16">
+            <a:extLst>
+              <a:ext uri="{FF2B5EF4-FFF2-40B4-BE49-F238E27FC236}">
+                <a16:creationId xmlns:a16="http://schemas.microsoft.com/office/drawing/2014/main" id="{D2BF6CD6-82D5-41AA-A749-4D733AB2B91B}"/>
+              </a:ext>
+            </a:extLst>
+          </p:cNvPr>
+          <p:cNvGraphicFramePr>
+            <a:graphicFrameLocks noGrp="1"/>
+          </p:cNvGraphicFramePr>
+          <p:nvPr>
+            <p:extLst>
+              <p:ext uri="{D42A27DB-BD31-4B8C-83A1-F6EECF244321}">
+                <p14:modId xmlns:p14="http://schemas.microsoft.com/office/powerpoint/2010/main" val="2220225884"/>
+              </p:ext>
+            </p:extLst>
+          </p:nvPr>
+        </p:nvGraphicFramePr>
+        <p:xfrm>
+          <a:off x="5046595" y="4583973"/>
+          <a:ext cx="1822603" cy="1535910"/>
+        </p:xfrm>
+        <a:graphic>
+          <a:graphicData uri="http://schemas.openxmlformats.org/drawingml/2006/table">
+            <a:tbl>
+              <a:tblPr firstRow="1" bandRow="1">
+                <a:tableStyleId>{5C22544A-7EE6-4342-B048-85BDC9FD1C3A}</a:tableStyleId>
+              </a:tblPr>
+              <a:tblGrid>
+                <a:gridCol w="1822603">
+                  <a:extLst>
+                    <a:ext uri="{9D8B030D-6E8A-4147-A177-3AD203B41FA5}">
+                      <a16:colId xmlns:a16="http://schemas.microsoft.com/office/drawing/2014/main" val="1341781199"/>
+                    </a:ext>
+                  </a:extLst>
+                </a:gridCol>
+              </a:tblGrid>
+              <a:tr h="350141">
+                <a:tc>
+                  <a:txBody>
+                    <a:bodyPr/>
+                    <a:lstStyle/>
+                    <a:p>
+                      <a:r>
+                        <a:rPr lang="en-US" sz="1800" dirty="0"/>
+                        <a:t>widgets (@w1)</a:t>
+                      </a:r>
+                    </a:p>
+                  </a:txBody>
+                  <a:tcPr/>
+                </a:tc>
+                <a:extLst>
+                  <a:ext uri="{0D108BD9-81ED-4DB2-BD59-A6C34878D82A}">
+                    <a16:rowId xmlns:a16="http://schemas.microsoft.com/office/drawing/2014/main" val="1609880922"/>
+                  </a:ext>
+                </a:extLst>
+              </a:tr>
+              <a:tr h="390050">
+                <a:tc>
+                  <a:txBody>
+                    <a:bodyPr/>
+                    <a:lstStyle/>
+                    <a:p>
+                      <a:r>
+                        <a:rPr lang="en-US" sz="1800" dirty="0"/>
+                        <a:t>Phones</a:t>
+                      </a:r>
+                    </a:p>
+                  </a:txBody>
+                  <a:tcPr/>
+                </a:tc>
+                <a:extLst>
+                  <a:ext uri="{0D108BD9-81ED-4DB2-BD59-A6C34878D82A}">
+                    <a16:rowId xmlns:a16="http://schemas.microsoft.com/office/drawing/2014/main" val="3036917328"/>
+                  </a:ext>
+                </a:extLst>
+              </a:tr>
+              <a:tr h="390050">
+                <a:tc>
+                  <a:txBody>
+                    <a:bodyPr/>
+                    <a:lstStyle/>
+                    <a:p>
+                      <a:r>
+                        <a:rPr lang="en-US" sz="1800" dirty="0"/>
+                        <a:t>Boxes</a:t>
+                      </a:r>
+                    </a:p>
+                  </a:txBody>
+                  <a:tcPr/>
+                </a:tc>
+                <a:extLst>
+                  <a:ext uri="{0D108BD9-81ED-4DB2-BD59-A6C34878D82A}">
+                    <a16:rowId xmlns:a16="http://schemas.microsoft.com/office/drawing/2014/main" val="353847074"/>
+                  </a:ext>
+                </a:extLst>
+              </a:tr>
+              <a:tr h="390050">
+                <a:tc>
+                  <a:txBody>
+                    <a:bodyPr/>
+                    <a:lstStyle/>
+                    <a:p>
+                      <a:r>
+                        <a:rPr lang="en-US" sz="1800" dirty="0"/>
+                        <a:t>Toys</a:t>
+                      </a:r>
+                    </a:p>
+                  </a:txBody>
+                  <a:tcPr/>
+                </a:tc>
+                <a:extLst>
+                  <a:ext uri="{0D108BD9-81ED-4DB2-BD59-A6C34878D82A}">
+                    <a16:rowId xmlns:a16="http://schemas.microsoft.com/office/drawing/2014/main" val="1640451321"/>
+                  </a:ext>
+                </a:extLst>
+              </a:tr>
+            </a:tbl>
+          </a:graphicData>
+        </a:graphic>
+      </p:graphicFrame>
+      <p:graphicFrame>
+        <p:nvGraphicFramePr>
+          <p:cNvPr id="18" name="Table 16">
+            <a:extLst>
+              <a:ext uri="{FF2B5EF4-FFF2-40B4-BE49-F238E27FC236}">
+                <a16:creationId xmlns:a16="http://schemas.microsoft.com/office/drawing/2014/main" id="{858DF614-754B-4EE7-A6B5-154ED44DC285}"/>
+              </a:ext>
+            </a:extLst>
+          </p:cNvPr>
+          <p:cNvGraphicFramePr>
+            <a:graphicFrameLocks noGrp="1"/>
+          </p:cNvGraphicFramePr>
+          <p:nvPr>
+            <p:extLst>
+              <p:ext uri="{D42A27DB-BD31-4B8C-83A1-F6EECF244321}">
+                <p14:modId xmlns:p14="http://schemas.microsoft.com/office/powerpoint/2010/main" val="4016511695"/>
+              </p:ext>
+            </p:extLst>
+          </p:nvPr>
+        </p:nvGraphicFramePr>
+        <p:xfrm>
+          <a:off x="346547" y="3897950"/>
+          <a:ext cx="3528767" cy="1530288"/>
+        </p:xfrm>
+        <a:graphic>
+          <a:graphicData uri="http://schemas.openxmlformats.org/drawingml/2006/table">
+            <a:tbl>
+              <a:tblPr firstRow="1" bandRow="1">
+                <a:tableStyleId>{5C22544A-7EE6-4342-B048-85BDC9FD1C3A}</a:tableStyleId>
+              </a:tblPr>
+              <a:tblGrid>
+                <a:gridCol w="1772241">
+                  <a:extLst>
+                    <a:ext uri="{9D8B030D-6E8A-4147-A177-3AD203B41FA5}">
+                      <a16:colId xmlns:a16="http://schemas.microsoft.com/office/drawing/2014/main" val="1341781199"/>
+                    </a:ext>
+                  </a:extLst>
+                </a:gridCol>
+                <a:gridCol w="1756526">
+                  <a:extLst>
+                    <a:ext uri="{9D8B030D-6E8A-4147-A177-3AD203B41FA5}">
+                      <a16:colId xmlns:a16="http://schemas.microsoft.com/office/drawing/2014/main" val="796407320"/>
+                    </a:ext>
+                  </a:extLst>
+                </a:gridCol>
+              </a:tblGrid>
+              <a:tr h="437203">
+                <a:tc gridSpan="2">
+                  <a:txBody>
+                    <a:bodyPr/>
+                    <a:lstStyle/>
+                    <a:p>
+                      <a:r>
+                        <a:rPr lang="en-US" dirty="0"/>
+                        <a:t>one</a:t>
+                      </a:r>
+                    </a:p>
+                  </a:txBody>
+                  <a:tcPr/>
+                </a:tc>
+                <a:tc hMerge="1">
+                  <a:txBody>
+                    <a:bodyPr/>
+                    <a:lstStyle/>
+                    <a:p>
+                      <a:endParaRPr lang="en-US" dirty="0"/>
+                    </a:p>
+                  </a:txBody>
+                  <a:tcPr/>
+                </a:tc>
+                <a:extLst>
+                  <a:ext uri="{0D108BD9-81ED-4DB2-BD59-A6C34878D82A}">
+                    <a16:rowId xmlns:a16="http://schemas.microsoft.com/office/drawing/2014/main" val="1609880922"/>
+                  </a:ext>
+                </a:extLst>
+              </a:tr>
+              <a:tr h="487035">
+                <a:tc>
+                  <a:txBody>
+                    <a:bodyPr/>
+                    <a:lstStyle/>
+                    <a:p>
+                      <a:r>
+                        <a:rPr lang="en-US" dirty="0"/>
+                        <a:t>name</a:t>
                       </a:r>
                     </a:p>
                   </a:txBody>
@@ -8083,31 +12450,30 @@
                     <a:bodyPr/>
                     <a:lstStyle/>
                     <a:p>
-                      <a:pPr algn="ctr"/>
                       <a:r>
-                        <a:rPr lang="en-US" sz="1600" b="0" dirty="0"/>
-                        <a:t>[3]</a:t>
+                        <a:rPr lang="en-US" dirty="0" err="1"/>
+                        <a:t>hema</a:t>
                       </a:r>
+                      <a:endParaRPr lang="en-US" dirty="0"/>
                     </a:p>
                   </a:txBody>
                   <a:tcPr/>
                 </a:tc>
                 <a:extLst>
                   <a:ext uri="{0D108BD9-81ED-4DB2-BD59-A6C34878D82A}">
-                    <a16:rowId xmlns:a16="http://schemas.microsoft.com/office/drawing/2014/main" val="605237771"/>
+                    <a16:rowId xmlns:a16="http://schemas.microsoft.com/office/drawing/2014/main" val="3036917328"/>
                   </a:ext>
                 </a:extLst>
               </a:tr>
-              <a:tr h="370840">
+              <a:tr h="487035">
                 <a:tc>
                   <a:txBody>
                     <a:bodyPr/>
                     <a:lstStyle/>
                     <a:p>
-                      <a:pPr algn="ctr"/>
                       <a:r>
-                        <a:rPr lang="en-US" sz="1600" b="0" dirty="0"/>
-                        <a:t>[0]</a:t>
+                        <a:rPr lang="en-US" dirty="0"/>
+                        <a:t>widgets</a:t>
                       </a:r>
                     </a:p>
                   </a:txBody>
@@ -8118,10 +12484,109 @@
                     <a:bodyPr/>
                     <a:lstStyle/>
                     <a:p>
-                      <a:pPr algn="ctr"/>
                       <a:r>
-                        <a:rPr lang="en-US" sz="1600" b="0" dirty="0"/>
-                        <a:t>1</a:t>
+                        <a:rPr lang="en-US" dirty="0"/>
+                        <a:t>@w1</a:t>
+                      </a:r>
+                    </a:p>
+                  </a:txBody>
+                  <a:tcPr/>
+                </a:tc>
+                <a:extLst>
+                  <a:ext uri="{0D108BD9-81ED-4DB2-BD59-A6C34878D82A}">
+                    <a16:rowId xmlns:a16="http://schemas.microsoft.com/office/drawing/2014/main" val="353847074"/>
+                  </a:ext>
+                </a:extLst>
+              </a:tr>
+            </a:tbl>
+          </a:graphicData>
+        </a:graphic>
+      </p:graphicFrame>
+      <p:graphicFrame>
+        <p:nvGraphicFramePr>
+          <p:cNvPr id="19" name="Table 16">
+            <a:extLst>
+              <a:ext uri="{FF2B5EF4-FFF2-40B4-BE49-F238E27FC236}">
+                <a16:creationId xmlns:a16="http://schemas.microsoft.com/office/drawing/2014/main" id="{990D2312-4D4B-4CF5-924D-CE8AEC4D1A1B}"/>
+              </a:ext>
+            </a:extLst>
+          </p:cNvPr>
+          <p:cNvGraphicFramePr>
+            <a:graphicFrameLocks noGrp="1"/>
+          </p:cNvGraphicFramePr>
+          <p:nvPr>
+            <p:extLst>
+              <p:ext uri="{D42A27DB-BD31-4B8C-83A1-F6EECF244321}">
+                <p14:modId xmlns:p14="http://schemas.microsoft.com/office/powerpoint/2010/main" val="3749923612"/>
+              </p:ext>
+            </p:extLst>
+          </p:nvPr>
+        </p:nvGraphicFramePr>
+        <p:xfrm>
+          <a:off x="839432" y="1920725"/>
+          <a:ext cx="5689599" cy="1530288"/>
+        </p:xfrm>
+        <a:graphic>
+          <a:graphicData uri="http://schemas.openxmlformats.org/drawingml/2006/table">
+            <a:tbl>
+              <a:tblPr firstRow="1" bandRow="1">
+                <a:tableStyleId>{5C22544A-7EE6-4342-B048-85BDC9FD1C3A}</a:tableStyleId>
+              </a:tblPr>
+              <a:tblGrid>
+                <a:gridCol w="2857469">
+                  <a:extLst>
+                    <a:ext uri="{9D8B030D-6E8A-4147-A177-3AD203B41FA5}">
+                      <a16:colId xmlns:a16="http://schemas.microsoft.com/office/drawing/2014/main" val="1341781199"/>
+                    </a:ext>
+                  </a:extLst>
+                </a:gridCol>
+                <a:gridCol w="2832130">
+                  <a:extLst>
+                    <a:ext uri="{9D8B030D-6E8A-4147-A177-3AD203B41FA5}">
+                      <a16:colId xmlns:a16="http://schemas.microsoft.com/office/drawing/2014/main" val="796407320"/>
+                    </a:ext>
+                  </a:extLst>
+                </a:gridCol>
+              </a:tblGrid>
+              <a:tr h="437203">
+                <a:tc gridSpan="2">
+                  <a:txBody>
+                    <a:bodyPr/>
+                    <a:lstStyle/>
+                    <a:p>
+                      <a:r>
+                        <a:rPr lang="en-US" dirty="0"/>
+                        <a:t>Review3 (Static / Shared Space)</a:t>
+                      </a:r>
+                    </a:p>
+                  </a:txBody>
+                  <a:tcPr/>
+                </a:tc>
+                <a:tc hMerge="1">
+                  <a:txBody>
+                    <a:bodyPr/>
+                    <a:lstStyle/>
+                    <a:p>
+                      <a:endParaRPr lang="en-US" dirty="0"/>
+                    </a:p>
+                  </a:txBody>
+                  <a:tcPr/>
+                </a:tc>
+                <a:extLst>
+                  <a:ext uri="{0D108BD9-81ED-4DB2-BD59-A6C34878D82A}">
+                    <a16:rowId xmlns:a16="http://schemas.microsoft.com/office/drawing/2014/main" val="1609880922"/>
+                  </a:ext>
+                </a:extLst>
+              </a:tr>
+              <a:tr h="487035">
+                <a:tc>
+                  <a:txBody>
+                    <a:bodyPr/>
+                    <a:lstStyle/>
+                    <a:p>
+                      <a:r>
+                        <a:rPr lang="en-US" dirty="0"/>
+                        <a:t>MY_VAL</a:t>
                       </a:r>
                     </a:p>
                   </a:txBody>
@@ -8132,10 +12597,29 @@
                     <a:bodyPr/>
                     <a:lstStyle/>
                     <a:p>
-                      <a:pPr algn="ctr"/>
                       <a:r>
-                        <a:rPr lang="en-US" sz="1600" b="0" dirty="0"/>
-                        <a:t>2</a:t>
+                        <a:rPr lang="en-US" dirty="0"/>
+                        <a:t>3 (fixed)</a:t>
+                      </a:r>
+                    </a:p>
+                  </a:txBody>
+                  <a:tcPr/>
+                </a:tc>
+                <a:extLst>
+                  <a:ext uri="{0D108BD9-81ED-4DB2-BD59-A6C34878D82A}">
+                    <a16:rowId xmlns:a16="http://schemas.microsoft.com/office/drawing/2014/main" val="3036917328"/>
+                  </a:ext>
+                </a:extLst>
+              </a:tr>
+              <a:tr h="487035">
+                <a:tc>
+                  <a:txBody>
+                    <a:bodyPr/>
+                    <a:lstStyle/>
+                    <a:p>
+                      <a:r>
+                        <a:rPr lang="en-US" dirty="0"/>
+                        <a:t>counter</a:t>
                       </a:r>
                     </a:p>
                   </a:txBody>
@@ -8146,10 +12630,109 @@
                     <a:bodyPr/>
                     <a:lstStyle/>
                     <a:p>
-                      <a:pPr algn="ctr"/>
                       <a:r>
-                        <a:rPr lang="en-US" sz="1600" b="0" dirty="0"/>
-                        <a:t>3</a:t>
+                        <a:rPr lang="en-US" dirty="0"/>
+                        <a:t>1</a:t>
+                      </a:r>
+                    </a:p>
+                  </a:txBody>
+                  <a:tcPr/>
+                </a:tc>
+                <a:extLst>
+                  <a:ext uri="{0D108BD9-81ED-4DB2-BD59-A6C34878D82A}">
+                    <a16:rowId xmlns:a16="http://schemas.microsoft.com/office/drawing/2014/main" val="353847074"/>
+                  </a:ext>
+                </a:extLst>
+              </a:tr>
+            </a:tbl>
+          </a:graphicData>
+        </a:graphic>
+      </p:graphicFrame>
+      <p:graphicFrame>
+        <p:nvGraphicFramePr>
+          <p:cNvPr id="20" name="Table 16">
+            <a:extLst>
+              <a:ext uri="{FF2B5EF4-FFF2-40B4-BE49-F238E27FC236}">
+                <a16:creationId xmlns:a16="http://schemas.microsoft.com/office/drawing/2014/main" id="{EF9A7086-208B-40E8-9699-FA3FFCB70BE6}"/>
+              </a:ext>
+            </a:extLst>
+          </p:cNvPr>
+          <p:cNvGraphicFramePr>
+            <a:graphicFrameLocks noGrp="1"/>
+          </p:cNvGraphicFramePr>
+          <p:nvPr>
+            <p:extLst>
+              <p:ext uri="{D42A27DB-BD31-4B8C-83A1-F6EECF244321}">
+                <p14:modId xmlns:p14="http://schemas.microsoft.com/office/powerpoint/2010/main" val="1842235746"/>
+              </p:ext>
+            </p:extLst>
+          </p:nvPr>
+        </p:nvGraphicFramePr>
+        <p:xfrm>
+          <a:off x="346547" y="5580638"/>
+          <a:ext cx="3528767" cy="1530288"/>
+        </p:xfrm>
+        <a:graphic>
+          <a:graphicData uri="http://schemas.openxmlformats.org/drawingml/2006/table">
+            <a:tbl>
+              <a:tblPr firstRow="1" bandRow="1">
+                <a:tableStyleId>{5C22544A-7EE6-4342-B048-85BDC9FD1C3A}</a:tableStyleId>
+              </a:tblPr>
+              <a:tblGrid>
+                <a:gridCol w="1772241">
+                  <a:extLst>
+                    <a:ext uri="{9D8B030D-6E8A-4147-A177-3AD203B41FA5}">
+                      <a16:colId xmlns:a16="http://schemas.microsoft.com/office/drawing/2014/main" val="1341781199"/>
+                    </a:ext>
+                  </a:extLst>
+                </a:gridCol>
+                <a:gridCol w="1756526">
+                  <a:extLst>
+                    <a:ext uri="{9D8B030D-6E8A-4147-A177-3AD203B41FA5}">
+                      <a16:colId xmlns:a16="http://schemas.microsoft.com/office/drawing/2014/main" val="796407320"/>
+                    </a:ext>
+                  </a:extLst>
+                </a:gridCol>
+              </a:tblGrid>
+              <a:tr h="437203">
+                <a:tc gridSpan="2">
+                  <a:txBody>
+                    <a:bodyPr/>
+                    <a:lstStyle/>
+                    <a:p>
+                      <a:r>
+                        <a:rPr lang="en-US" dirty="0"/>
+                        <a:t>two</a:t>
+                      </a:r>
+                    </a:p>
+                  </a:txBody>
+                  <a:tcPr/>
+                </a:tc>
+                <a:tc hMerge="1">
+                  <a:txBody>
+                    <a:bodyPr/>
+                    <a:lstStyle/>
+                    <a:p>
+                      <a:endParaRPr lang="en-US" dirty="0"/>
+                    </a:p>
+                  </a:txBody>
+                  <a:tcPr/>
+                </a:tc>
+                <a:extLst>
+                  <a:ext uri="{0D108BD9-81ED-4DB2-BD59-A6C34878D82A}">
+                    <a16:rowId xmlns:a16="http://schemas.microsoft.com/office/drawing/2014/main" val="1609880922"/>
+                  </a:ext>
+                </a:extLst>
+              </a:tr>
+              <a:tr h="487035">
+                <a:tc>
+                  <a:txBody>
+                    <a:bodyPr/>
+                    <a:lstStyle/>
+                    <a:p>
+                      <a:r>
+                        <a:rPr lang="en-US" dirty="0"/>
+                        <a:t>name</a:t>
                       </a:r>
                     </a:p>
                   </a:txBody>
@@ -8160,31 +12743,30 @@
                     <a:bodyPr/>
                     <a:lstStyle/>
                     <a:p>
-                      <a:pPr algn="ctr"/>
                       <a:r>
-                        <a:rPr lang="en-US" sz="1600" b="0" dirty="0"/>
-                        <a:t>4</a:t>
+                        <a:rPr lang="en-US" dirty="0" err="1"/>
+                        <a:t>akau</a:t>
                       </a:r>
+                      <a:endParaRPr lang="en-US" dirty="0"/>
                     </a:p>
                   </a:txBody>
                   <a:tcPr/>
                 </a:tc>
                 <a:extLst>
                   <a:ext uri="{0D108BD9-81ED-4DB2-BD59-A6C34878D82A}">
-                    <a16:rowId xmlns:a16="http://schemas.microsoft.com/office/drawing/2014/main" val="1436605172"/>
+                    <a16:rowId xmlns:a16="http://schemas.microsoft.com/office/drawing/2014/main" val="3036917328"/>
                   </a:ext>
                 </a:extLst>
               </a:tr>
-              <a:tr h="370840">
+              <a:tr h="487035">
                 <a:tc>
                   <a:txBody>
                     <a:bodyPr/>
                     <a:lstStyle/>
                     <a:p>
-                      <a:pPr algn="ctr"/>
                       <a:r>
-                        <a:rPr lang="en-US" sz="1600" b="0" dirty="0"/>
-                        <a:t>[1]</a:t>
+                        <a:rPr lang="en-US" dirty="0"/>
+                        <a:t>widgets</a:t>
                       </a:r>
                     </a:p>
                   </a:txBody>
@@ -8195,10 +12777,109 @@
                     <a:bodyPr/>
                     <a:lstStyle/>
                     <a:p>
-                      <a:pPr algn="ctr"/>
                       <a:r>
-                        <a:rPr lang="en-US" sz="1600" b="0" dirty="0"/>
-                        <a:t>1</a:t>
+                        <a:rPr lang="en-US" dirty="0"/>
+                        <a:t>@w1</a:t>
+                      </a:r>
+                    </a:p>
+                  </a:txBody>
+                  <a:tcPr/>
+                </a:tc>
+                <a:extLst>
+                  <a:ext uri="{0D108BD9-81ED-4DB2-BD59-A6C34878D82A}">
+                    <a16:rowId xmlns:a16="http://schemas.microsoft.com/office/drawing/2014/main" val="353847074"/>
+                  </a:ext>
+                </a:extLst>
+              </a:tr>
+            </a:tbl>
+          </a:graphicData>
+        </a:graphic>
+      </p:graphicFrame>
+      <p:graphicFrame>
+        <p:nvGraphicFramePr>
+          <p:cNvPr id="21" name="Table 16">
+            <a:extLst>
+              <a:ext uri="{FF2B5EF4-FFF2-40B4-BE49-F238E27FC236}">
+                <a16:creationId xmlns:a16="http://schemas.microsoft.com/office/drawing/2014/main" id="{60F35374-28F3-476C-9A1E-9685452791CE}"/>
+              </a:ext>
+            </a:extLst>
+          </p:cNvPr>
+          <p:cNvGraphicFramePr>
+            <a:graphicFrameLocks noGrp="1"/>
+          </p:cNvGraphicFramePr>
+          <p:nvPr>
+            <p:extLst>
+              <p:ext uri="{D42A27DB-BD31-4B8C-83A1-F6EECF244321}">
+                <p14:modId xmlns:p14="http://schemas.microsoft.com/office/powerpoint/2010/main" val="1195836619"/>
+              </p:ext>
+            </p:extLst>
+          </p:nvPr>
+        </p:nvGraphicFramePr>
+        <p:xfrm>
+          <a:off x="847589" y="1878151"/>
+          <a:ext cx="5689599" cy="1530288"/>
+        </p:xfrm>
+        <a:graphic>
+          <a:graphicData uri="http://schemas.openxmlformats.org/drawingml/2006/table">
+            <a:tbl>
+              <a:tblPr firstRow="1" bandRow="1">
+                <a:tableStyleId>{5C22544A-7EE6-4342-B048-85BDC9FD1C3A}</a:tableStyleId>
+              </a:tblPr>
+              <a:tblGrid>
+                <a:gridCol w="2857469">
+                  <a:extLst>
+                    <a:ext uri="{9D8B030D-6E8A-4147-A177-3AD203B41FA5}">
+                      <a16:colId xmlns:a16="http://schemas.microsoft.com/office/drawing/2014/main" val="1341781199"/>
+                    </a:ext>
+                  </a:extLst>
+                </a:gridCol>
+                <a:gridCol w="2832130">
+                  <a:extLst>
+                    <a:ext uri="{9D8B030D-6E8A-4147-A177-3AD203B41FA5}">
+                      <a16:colId xmlns:a16="http://schemas.microsoft.com/office/drawing/2014/main" val="796407320"/>
+                    </a:ext>
+                  </a:extLst>
+                </a:gridCol>
+              </a:tblGrid>
+              <a:tr h="437203">
+                <a:tc gridSpan="2">
+                  <a:txBody>
+                    <a:bodyPr/>
+                    <a:lstStyle/>
+                    <a:p>
+                      <a:r>
+                        <a:rPr lang="en-US" dirty="0"/>
+                        <a:t>Review3 (Static / Shared Space)</a:t>
+                      </a:r>
+                    </a:p>
+                  </a:txBody>
+                  <a:tcPr/>
+                </a:tc>
+                <a:tc hMerge="1">
+                  <a:txBody>
+                    <a:bodyPr/>
+                    <a:lstStyle/>
+                    <a:p>
+                      <a:endParaRPr lang="en-US" dirty="0"/>
+                    </a:p>
+                  </a:txBody>
+                  <a:tcPr/>
+                </a:tc>
+                <a:extLst>
+                  <a:ext uri="{0D108BD9-81ED-4DB2-BD59-A6C34878D82A}">
+                    <a16:rowId xmlns:a16="http://schemas.microsoft.com/office/drawing/2014/main" val="1609880922"/>
+                  </a:ext>
+                </a:extLst>
+              </a:tr>
+              <a:tr h="487035">
+                <a:tc>
+                  <a:txBody>
+                    <a:bodyPr/>
+                    <a:lstStyle/>
+                    <a:p>
+                      <a:r>
+                        <a:rPr lang="en-US" dirty="0"/>
+                        <a:t>MY_VAL</a:t>
                       </a:r>
                     </a:p>
                   </a:txBody>
@@ -8209,10 +12890,29 @@
                     <a:bodyPr/>
                     <a:lstStyle/>
                     <a:p>
-                      <a:pPr algn="ctr"/>
                       <a:r>
-                        <a:rPr lang="en-US" sz="1600" b="0" dirty="0"/>
-                        <a:t>2</a:t>
+                        <a:rPr lang="en-US" dirty="0"/>
+                        <a:t>3 (fixed)</a:t>
+                      </a:r>
+                    </a:p>
+                  </a:txBody>
+                  <a:tcPr/>
+                </a:tc>
+                <a:extLst>
+                  <a:ext uri="{0D108BD9-81ED-4DB2-BD59-A6C34878D82A}">
+                    <a16:rowId xmlns:a16="http://schemas.microsoft.com/office/drawing/2014/main" val="3036917328"/>
+                  </a:ext>
+                </a:extLst>
+              </a:tr>
+              <a:tr h="487035">
+                <a:tc>
+                  <a:txBody>
+                    <a:bodyPr/>
+                    <a:lstStyle/>
+                    <a:p>
+                      <a:r>
+                        <a:rPr lang="en-US" dirty="0"/>
+                        <a:t>counter</a:t>
                       </a:r>
                     </a:p>
                   </a:txBody>
@@ -8223,24 +12923,9 @@
                     <a:bodyPr/>
                     <a:lstStyle/>
                     <a:p>
-                      <a:pPr algn="ctr"/>
                       <a:r>
-                        <a:rPr lang="en-US" sz="1600" b="0" dirty="0"/>
-                        <a:t>6</a:t>
-                      </a:r>
-                    </a:p>
-                  </a:txBody>
-                  <a:tcPr/>
-                </a:tc>
-                <a:tc>
-                  <a:txBody>
-                    <a:bodyPr/>
-                    <a:lstStyle/>
-                    <a:p>
-                      <a:pPr algn="ctr"/>
-                      <a:r>
-                        <a:rPr lang="en-US" sz="1600" b="0" dirty="0"/>
-                        <a:t>24</a:t>
+                        <a:rPr lang="en-US" dirty="0"/>
+                        <a:t>2</a:t>
                       </a:r>
                     </a:p>
                   </a:txBody>
@@ -8248,7 +12933,7 @@
                 </a:tc>
                 <a:extLst>
                   <a:ext uri="{0D108BD9-81ED-4DB2-BD59-A6C34878D82A}">
-                    <a16:rowId xmlns:a16="http://schemas.microsoft.com/office/drawing/2014/main" val="3070203379"/>
+                    <a16:rowId xmlns:a16="http://schemas.microsoft.com/office/drawing/2014/main" val="353847074"/>
                   </a:ext>
                 </a:extLst>
               </a:tr>
@@ -8258,1854 +12943,1789 @@
       </p:graphicFrame>
       <p:sp>
         <p:nvSpPr>
-          <p:cNvPr id="9" name="Rectangle 3">
+          <p:cNvPr id="22" name="TextBox 21">
             <a:extLst>
               <a:ext uri="{FF2B5EF4-FFF2-40B4-BE49-F238E27FC236}">
-                <a16:creationId xmlns:a16="http://schemas.microsoft.com/office/drawing/2014/main" id="{6EA682B9-70FA-4A4B-9B94-2C2B8474A702}"/>
+                <a16:creationId xmlns:a16="http://schemas.microsoft.com/office/drawing/2014/main" id="{3DB04C7C-2D22-41E1-98AC-39128792E194}"/>
               </a:ext>
             </a:extLst>
           </p:cNvPr>
-          <p:cNvSpPr>
-            <a:spLocks noChangeArrowheads="1"/>
-          </p:cNvSpPr>
+          <p:cNvSpPr txBox="1"/>
           <p:nvPr/>
         </p:nvSpPr>
-        <p:spPr bwMode="auto">
+        <p:spPr>
           <a:xfrm>
-            <a:off x="6819309" y="516000"/>
-            <a:ext cx="6769100" cy="6463308"/>
+            <a:off x="346547" y="203200"/>
+            <a:ext cx="9145796" cy="400110"/>
           </a:xfrm>
           <a:prstGeom prst="rect">
             <a:avLst/>
           </a:prstGeom>
-          <a:solidFill>
-            <a:srgbClr val="2B2B2B"/>
-          </a:solidFill>
-          <a:ln>
-            <a:noFill/>
-          </a:ln>
-          <a:effectLst/>
-          <a:extLst>
-            <a:ext uri="{91240B29-F687-4F45-9708-019B960494DF}">
-              <a14:hiddenLine xmlns:a14="http://schemas.microsoft.com/office/drawing/2010/main" w="9525">
-                <a:solidFill>
-                  <a:schemeClr val="tx1"/>
-                </a:solidFill>
-                <a:miter lim="800000"/>
-                <a:headEnd/>
-                <a:tailEnd/>
-              </a14:hiddenLine>
-            </a:ext>
-            <a:ext uri="{AF507438-7753-43E0-B8FC-AC1667EBCBE1}">
-              <a14:hiddenEffects xmlns:a14="http://schemas.microsoft.com/office/drawing/2010/main">
-                <a:effectLst>
-                  <a:outerShdw dist="35921" dir="2700000" algn="ctr" rotWithShape="0">
-                    <a:schemeClr val="bg2"/>
-                  </a:outerShdw>
-                </a:effectLst>
-              </a14:hiddenEffects>
-            </a:ext>
-          </a:extLst>
+          <a:noFill/>
         </p:spPr>
         <p:txBody>
-          <a:bodyPr vert="horz" wrap="square" lIns="91440" tIns="45720" rIns="91440" bIns="45720" numCol="1" anchor="ctr" anchorCtr="0" compatLnSpc="1">
-            <a:prstTxWarp prst="textNoShape">
-              <a:avLst/>
-            </a:prstTxWarp>
+          <a:bodyPr wrap="square" rtlCol="0">
             <a:spAutoFit/>
           </a:bodyPr>
           <a:lstStyle/>
           <a:p>
-            <a:pPr marL="0" marR="0" lvl="0" indent="0" algn="l" defTabSz="914400" rtl="0" eaLnBrk="0" fontAlgn="base" latinLnBrk="0" hangingPunct="0">
-              <a:lnSpc>
-                <a:spcPct val="100000"/>
-              </a:lnSpc>
-              <a:spcBef>
-                <a:spcPct val="0"/>
-              </a:spcBef>
-              <a:spcAft>
-                <a:spcPct val="0"/>
-              </a:spcAft>
-              <a:buClrTx/>
-              <a:buSzTx/>
-              <a:buFontTx/>
-              <a:buNone/>
-              <a:tabLst/>
-            </a:pPr>
-            <a:r>
-              <a:rPr kumimoji="0" lang="en-US" altLang="en-US" sz="1800" b="0" i="0" u="none" strike="noStrike" cap="none" normalizeH="0" baseline="0" dirty="0">
-                <a:ln>
-                  <a:noFill/>
-                </a:ln>
-                <a:solidFill>
-                  <a:srgbClr val="CC7832"/>
-                </a:solidFill>
-                <a:effectLst/>
-                <a:latin typeface="JetBrains Mono"/>
-              </a:rPr>
-              <a:t>public static void </a:t>
-            </a:r>
-            <a:r>
-              <a:rPr kumimoji="0" lang="en-US" altLang="en-US" sz="1800" b="0" i="0" u="none" strike="noStrike" cap="none" normalizeH="0" baseline="0" dirty="0" err="1">
-                <a:ln>
-                  <a:noFill/>
-                </a:ln>
-                <a:solidFill>
-                  <a:srgbClr val="FFC66D"/>
-                </a:solidFill>
-                <a:effectLst/>
-                <a:latin typeface="JetBrains Mono"/>
-              </a:rPr>
-              <a:t>printMatrix</a:t>
-            </a:r>
-            <a:r>
-              <a:rPr kumimoji="0" lang="en-US" altLang="en-US" sz="1800" b="0" i="0" u="none" strike="noStrike" cap="none" normalizeH="0" baseline="0" dirty="0">
-                <a:ln>
-                  <a:noFill/>
-                </a:ln>
-                <a:solidFill>
-                  <a:srgbClr val="A9B7C6"/>
-                </a:solidFill>
-                <a:effectLst/>
-                <a:latin typeface="JetBrains Mono"/>
-              </a:rPr>
-              <a:t>(</a:t>
-            </a:r>
-            <a:r>
-              <a:rPr kumimoji="0" lang="en-US" altLang="en-US" sz="1800" b="0" i="0" u="none" strike="noStrike" cap="none" normalizeH="0" baseline="0" dirty="0">
-                <a:ln>
-                  <a:noFill/>
-                </a:ln>
-                <a:solidFill>
-                  <a:srgbClr val="CC7832"/>
-                </a:solidFill>
-                <a:effectLst/>
-                <a:latin typeface="JetBrains Mono"/>
-              </a:rPr>
-              <a:t>int </a:t>
-            </a:r>
-            <a:r>
-              <a:rPr kumimoji="0" lang="en-US" altLang="en-US" sz="1800" b="0" i="0" u="none" strike="noStrike" cap="none" normalizeH="0" baseline="0" dirty="0">
-                <a:ln>
-                  <a:noFill/>
-                </a:ln>
-                <a:solidFill>
-                  <a:srgbClr val="A9B7C6"/>
-                </a:solidFill>
-                <a:effectLst/>
-                <a:latin typeface="JetBrains Mono"/>
-              </a:rPr>
-              <a:t>[][]matrix){</a:t>
-            </a:r>
-            <a:br>
-              <a:rPr kumimoji="0" lang="en-US" altLang="en-US" sz="1800" b="0" i="0" u="none" strike="noStrike" cap="none" normalizeH="0" baseline="0" dirty="0">
-                <a:ln>
-                  <a:noFill/>
-                </a:ln>
-                <a:solidFill>
-                  <a:srgbClr val="A9B7C6"/>
-                </a:solidFill>
-                <a:effectLst/>
-                <a:latin typeface="JetBrains Mono"/>
-              </a:rPr>
-            </a:br>
-            <a:r>
-              <a:rPr kumimoji="0" lang="en-US" altLang="en-US" sz="1800" b="0" i="0" u="none" strike="noStrike" cap="none" normalizeH="0" baseline="0" dirty="0">
-                <a:ln>
-                  <a:noFill/>
-                </a:ln>
-                <a:solidFill>
-                  <a:srgbClr val="A9B7C6"/>
-                </a:solidFill>
-                <a:effectLst/>
-                <a:latin typeface="JetBrains Mono"/>
-              </a:rPr>
-              <a:t>    </a:t>
-            </a:r>
-            <a:r>
-              <a:rPr kumimoji="0" lang="en-US" altLang="en-US" sz="1800" b="0" i="0" u="none" strike="noStrike" cap="none" normalizeH="0" baseline="0" dirty="0">
-                <a:ln>
-                  <a:noFill/>
-                </a:ln>
-                <a:solidFill>
-                  <a:srgbClr val="CC7832"/>
-                </a:solidFill>
-                <a:effectLst/>
-                <a:latin typeface="JetBrains Mono"/>
-              </a:rPr>
-              <a:t>for</a:t>
-            </a:r>
-            <a:r>
-              <a:rPr kumimoji="0" lang="en-US" altLang="en-US" sz="1800" b="0" i="0" u="none" strike="noStrike" cap="none" normalizeH="0" baseline="0" dirty="0">
-                <a:ln>
-                  <a:noFill/>
-                </a:ln>
-                <a:solidFill>
-                  <a:srgbClr val="A9B7C6"/>
-                </a:solidFill>
-                <a:effectLst/>
-                <a:latin typeface="JetBrains Mono"/>
-              </a:rPr>
-              <a:t>(</a:t>
-            </a:r>
-            <a:r>
-              <a:rPr kumimoji="0" lang="en-US" altLang="en-US" sz="1800" b="0" i="0" u="none" strike="noStrike" cap="none" normalizeH="0" baseline="0" dirty="0">
-                <a:ln>
-                  <a:noFill/>
-                </a:ln>
-                <a:solidFill>
-                  <a:srgbClr val="CC7832"/>
-                </a:solidFill>
-                <a:effectLst/>
-                <a:latin typeface="JetBrains Mono"/>
-              </a:rPr>
-              <a:t>int </a:t>
-            </a:r>
-            <a:r>
-              <a:rPr kumimoji="0" lang="en-US" altLang="en-US" sz="1800" b="0" i="0" u="none" strike="noStrike" cap="none" normalizeH="0" baseline="0" dirty="0">
-                <a:ln>
-                  <a:noFill/>
-                </a:ln>
-                <a:solidFill>
-                  <a:srgbClr val="A9B7C6"/>
-                </a:solidFill>
-                <a:effectLst/>
-                <a:latin typeface="JetBrains Mono"/>
-              </a:rPr>
-              <a:t>[]array: matrix){</a:t>
-            </a:r>
-            <a:br>
-              <a:rPr kumimoji="0" lang="en-US" altLang="en-US" sz="1800" b="0" i="0" u="none" strike="noStrike" cap="none" normalizeH="0" baseline="0" dirty="0">
-                <a:ln>
-                  <a:noFill/>
-                </a:ln>
-                <a:solidFill>
-                  <a:srgbClr val="A9B7C6"/>
-                </a:solidFill>
-                <a:effectLst/>
-                <a:latin typeface="JetBrains Mono"/>
-              </a:rPr>
-            </a:br>
-            <a:r>
-              <a:rPr kumimoji="0" lang="en-US" altLang="en-US" sz="1800" b="0" i="0" u="none" strike="noStrike" cap="none" normalizeH="0" baseline="0" dirty="0">
-                <a:ln>
-                  <a:noFill/>
-                </a:ln>
-                <a:solidFill>
-                  <a:srgbClr val="A9B7C6"/>
-                </a:solidFill>
-                <a:effectLst/>
-                <a:latin typeface="JetBrains Mono"/>
-              </a:rPr>
-              <a:t>        </a:t>
-            </a:r>
-            <a:r>
-              <a:rPr kumimoji="0" lang="en-US" altLang="en-US" sz="1800" b="0" i="0" u="none" strike="noStrike" cap="none" normalizeH="0" baseline="0" dirty="0">
-                <a:ln>
-                  <a:noFill/>
-                </a:ln>
-                <a:solidFill>
-                  <a:srgbClr val="CC7832"/>
-                </a:solidFill>
-                <a:effectLst/>
-                <a:latin typeface="JetBrains Mono"/>
-              </a:rPr>
-              <a:t>for</a:t>
-            </a:r>
-            <a:r>
-              <a:rPr kumimoji="0" lang="en-US" altLang="en-US" sz="1800" b="0" i="0" u="none" strike="noStrike" cap="none" normalizeH="0" baseline="0" dirty="0">
-                <a:ln>
-                  <a:noFill/>
-                </a:ln>
-                <a:solidFill>
-                  <a:srgbClr val="A9B7C6"/>
-                </a:solidFill>
-                <a:effectLst/>
-                <a:latin typeface="JetBrains Mono"/>
-              </a:rPr>
-              <a:t>(</a:t>
-            </a:r>
-            <a:r>
-              <a:rPr kumimoji="0" lang="en-US" altLang="en-US" sz="1800" b="0" i="0" u="none" strike="noStrike" cap="none" normalizeH="0" baseline="0" dirty="0">
-                <a:ln>
-                  <a:noFill/>
-                </a:ln>
-                <a:solidFill>
-                  <a:srgbClr val="CC7832"/>
-                </a:solidFill>
-                <a:effectLst/>
-                <a:latin typeface="JetBrains Mono"/>
-              </a:rPr>
-              <a:t>int </a:t>
-            </a:r>
-            <a:r>
-              <a:rPr kumimoji="0" lang="en-US" altLang="en-US" sz="1800" b="0" i="0" u="none" strike="noStrike" cap="none" normalizeH="0" baseline="0" dirty="0" err="1">
-                <a:ln>
-                  <a:noFill/>
-                </a:ln>
-                <a:solidFill>
-                  <a:srgbClr val="A9B7C6"/>
-                </a:solidFill>
-                <a:effectLst/>
-                <a:latin typeface="JetBrains Mono"/>
-              </a:rPr>
-              <a:t>num:array</a:t>
-            </a:r>
-            <a:r>
-              <a:rPr kumimoji="0" lang="en-US" altLang="en-US" sz="1800" b="0" i="0" u="none" strike="noStrike" cap="none" normalizeH="0" baseline="0" dirty="0">
-                <a:ln>
-                  <a:noFill/>
-                </a:ln>
-                <a:solidFill>
-                  <a:srgbClr val="A9B7C6"/>
-                </a:solidFill>
-                <a:effectLst/>
-                <a:latin typeface="JetBrains Mono"/>
-              </a:rPr>
-              <a:t>)</a:t>
-            </a:r>
-            <a:br>
-              <a:rPr kumimoji="0" lang="en-US" altLang="en-US" sz="1800" b="0" i="0" u="none" strike="noStrike" cap="none" normalizeH="0" baseline="0" dirty="0">
-                <a:ln>
-                  <a:noFill/>
-                </a:ln>
-                <a:solidFill>
-                  <a:srgbClr val="A9B7C6"/>
-                </a:solidFill>
-                <a:effectLst/>
-                <a:latin typeface="JetBrains Mono"/>
-              </a:rPr>
-            </a:br>
-            <a:r>
-              <a:rPr kumimoji="0" lang="en-US" altLang="en-US" sz="1800" b="0" i="0" u="none" strike="noStrike" cap="none" normalizeH="0" baseline="0" dirty="0">
-                <a:ln>
-                  <a:noFill/>
-                </a:ln>
-                <a:solidFill>
-                  <a:srgbClr val="A9B7C6"/>
-                </a:solidFill>
-                <a:effectLst/>
-                <a:latin typeface="JetBrains Mono"/>
-              </a:rPr>
-              <a:t>            </a:t>
-            </a:r>
-            <a:r>
-              <a:rPr kumimoji="0" lang="en-US" altLang="en-US" sz="1800" b="0" i="0" u="none" strike="noStrike" cap="none" normalizeH="0" baseline="0" dirty="0" err="1">
-                <a:ln>
-                  <a:noFill/>
-                </a:ln>
-                <a:solidFill>
-                  <a:srgbClr val="A9B7C6"/>
-                </a:solidFill>
-                <a:effectLst/>
-                <a:latin typeface="JetBrains Mono"/>
-              </a:rPr>
-              <a:t>System.</a:t>
-            </a:r>
-            <a:r>
-              <a:rPr kumimoji="0" lang="en-US" altLang="en-US" sz="1800" b="0" i="1" u="none" strike="noStrike" cap="none" normalizeH="0" baseline="0" dirty="0" err="1">
-                <a:ln>
-                  <a:noFill/>
-                </a:ln>
-                <a:solidFill>
-                  <a:srgbClr val="9876AA"/>
-                </a:solidFill>
-                <a:effectLst/>
-                <a:latin typeface="JetBrains Mono"/>
-              </a:rPr>
-              <a:t>out</a:t>
-            </a:r>
-            <a:r>
-              <a:rPr kumimoji="0" lang="en-US" altLang="en-US" sz="1800" b="0" i="0" u="none" strike="noStrike" cap="none" normalizeH="0" baseline="0" dirty="0" err="1">
-                <a:ln>
-                  <a:noFill/>
-                </a:ln>
-                <a:solidFill>
-                  <a:srgbClr val="A9B7C6"/>
-                </a:solidFill>
-                <a:effectLst/>
-                <a:latin typeface="JetBrains Mono"/>
-              </a:rPr>
-              <a:t>.print</a:t>
-            </a:r>
-            <a:r>
-              <a:rPr kumimoji="0" lang="en-US" altLang="en-US" sz="1800" b="0" i="0" u="none" strike="noStrike" cap="none" normalizeH="0" baseline="0" dirty="0">
-                <a:ln>
-                  <a:noFill/>
-                </a:ln>
-                <a:solidFill>
-                  <a:srgbClr val="A9B7C6"/>
-                </a:solidFill>
-                <a:effectLst/>
-                <a:latin typeface="JetBrains Mono"/>
-              </a:rPr>
-              <a:t>(num + </a:t>
-            </a:r>
-            <a:r>
-              <a:rPr kumimoji="0" lang="en-US" altLang="en-US" sz="1800" b="0" i="0" u="none" strike="noStrike" cap="none" normalizeH="0" baseline="0" dirty="0">
-                <a:ln>
-                  <a:noFill/>
-                </a:ln>
-                <a:solidFill>
-                  <a:srgbClr val="6A8759"/>
-                </a:solidFill>
-                <a:effectLst/>
-                <a:latin typeface="JetBrains Mono"/>
-              </a:rPr>
-              <a:t>" "</a:t>
-            </a:r>
-            <a:r>
-              <a:rPr kumimoji="0" lang="en-US" altLang="en-US" sz="1800" b="0" i="0" u="none" strike="noStrike" cap="none" normalizeH="0" baseline="0" dirty="0">
-                <a:ln>
-                  <a:noFill/>
-                </a:ln>
-                <a:solidFill>
-                  <a:srgbClr val="A9B7C6"/>
-                </a:solidFill>
-                <a:effectLst/>
-                <a:latin typeface="JetBrains Mono"/>
-              </a:rPr>
-              <a:t>)</a:t>
-            </a:r>
-            <a:r>
-              <a:rPr kumimoji="0" lang="en-US" altLang="en-US" sz="1800" b="0" i="0" u="none" strike="noStrike" cap="none" normalizeH="0" baseline="0" dirty="0">
-                <a:ln>
-                  <a:noFill/>
-                </a:ln>
-                <a:solidFill>
-                  <a:srgbClr val="CC7832"/>
-                </a:solidFill>
-                <a:effectLst/>
-                <a:latin typeface="JetBrains Mono"/>
-              </a:rPr>
-              <a:t>;</a:t>
-            </a:r>
-            <a:br>
-              <a:rPr kumimoji="0" lang="en-US" altLang="en-US" sz="1800" b="0" i="0" u="none" strike="noStrike" cap="none" normalizeH="0" baseline="0" dirty="0">
-                <a:ln>
-                  <a:noFill/>
-                </a:ln>
-                <a:solidFill>
-                  <a:srgbClr val="CC7832"/>
-                </a:solidFill>
-                <a:effectLst/>
-                <a:latin typeface="JetBrains Mono"/>
-              </a:rPr>
-            </a:br>
-            <a:r>
-              <a:rPr kumimoji="0" lang="en-US" altLang="en-US" sz="1800" b="0" i="0" u="none" strike="noStrike" cap="none" normalizeH="0" baseline="0" dirty="0">
-                <a:ln>
-                  <a:noFill/>
-                </a:ln>
-                <a:solidFill>
-                  <a:srgbClr val="CC7832"/>
-                </a:solidFill>
-                <a:effectLst/>
-                <a:latin typeface="JetBrains Mono"/>
-              </a:rPr>
-              <a:t>        </a:t>
-            </a:r>
-            <a:r>
-              <a:rPr kumimoji="0" lang="en-US" altLang="en-US" sz="1800" b="0" i="0" u="none" strike="noStrike" cap="none" normalizeH="0" baseline="0" dirty="0" err="1">
-                <a:ln>
-                  <a:noFill/>
-                </a:ln>
-                <a:solidFill>
-                  <a:srgbClr val="A9B7C6"/>
-                </a:solidFill>
-                <a:effectLst/>
-                <a:latin typeface="JetBrains Mono"/>
-              </a:rPr>
-              <a:t>System.</a:t>
-            </a:r>
-            <a:r>
-              <a:rPr kumimoji="0" lang="en-US" altLang="en-US" sz="1800" b="0" i="1" u="none" strike="noStrike" cap="none" normalizeH="0" baseline="0" dirty="0" err="1">
-                <a:ln>
-                  <a:noFill/>
-                </a:ln>
-                <a:solidFill>
-                  <a:srgbClr val="9876AA"/>
-                </a:solidFill>
-                <a:effectLst/>
-                <a:latin typeface="JetBrains Mono"/>
-              </a:rPr>
-              <a:t>out</a:t>
-            </a:r>
-            <a:r>
-              <a:rPr kumimoji="0" lang="en-US" altLang="en-US" sz="1800" b="0" i="0" u="none" strike="noStrike" cap="none" normalizeH="0" baseline="0" dirty="0" err="1">
-                <a:ln>
-                  <a:noFill/>
-                </a:ln>
-                <a:solidFill>
-                  <a:srgbClr val="A9B7C6"/>
-                </a:solidFill>
-                <a:effectLst/>
-                <a:latin typeface="JetBrains Mono"/>
-              </a:rPr>
-              <a:t>.println</a:t>
-            </a:r>
-            <a:r>
-              <a:rPr kumimoji="0" lang="en-US" altLang="en-US" sz="1800" b="0" i="0" u="none" strike="noStrike" cap="none" normalizeH="0" baseline="0" dirty="0">
-                <a:ln>
-                  <a:noFill/>
-                </a:ln>
-                <a:solidFill>
-                  <a:srgbClr val="A9B7C6"/>
-                </a:solidFill>
-                <a:effectLst/>
-                <a:latin typeface="JetBrains Mono"/>
-              </a:rPr>
-              <a:t>(</a:t>
-            </a:r>
-            <a:r>
-              <a:rPr kumimoji="0" lang="en-US" altLang="en-US" sz="1800" b="0" i="0" u="none" strike="noStrike" cap="none" normalizeH="0" baseline="0" dirty="0">
-                <a:ln>
-                  <a:noFill/>
-                </a:ln>
-                <a:solidFill>
-                  <a:srgbClr val="6A8759"/>
-                </a:solidFill>
-                <a:effectLst/>
-                <a:latin typeface="JetBrains Mono"/>
-              </a:rPr>
-              <a:t>""</a:t>
-            </a:r>
-            <a:r>
-              <a:rPr kumimoji="0" lang="en-US" altLang="en-US" sz="1800" b="0" i="0" u="none" strike="noStrike" cap="none" normalizeH="0" baseline="0" dirty="0">
-                <a:ln>
-                  <a:noFill/>
-                </a:ln>
-                <a:solidFill>
-                  <a:srgbClr val="A9B7C6"/>
-                </a:solidFill>
-                <a:effectLst/>
-                <a:latin typeface="JetBrains Mono"/>
-              </a:rPr>
-              <a:t>)</a:t>
-            </a:r>
-            <a:r>
-              <a:rPr kumimoji="0" lang="en-US" altLang="en-US" sz="1800" b="0" i="0" u="none" strike="noStrike" cap="none" normalizeH="0" baseline="0" dirty="0">
-                <a:ln>
-                  <a:noFill/>
-                </a:ln>
-                <a:solidFill>
-                  <a:srgbClr val="CC7832"/>
-                </a:solidFill>
-                <a:effectLst/>
-                <a:latin typeface="JetBrains Mono"/>
-              </a:rPr>
-              <a:t>;</a:t>
-            </a:r>
-            <a:br>
-              <a:rPr kumimoji="0" lang="en-US" altLang="en-US" sz="1800" b="0" i="0" u="none" strike="noStrike" cap="none" normalizeH="0" baseline="0" dirty="0">
-                <a:ln>
-                  <a:noFill/>
-                </a:ln>
-                <a:solidFill>
-                  <a:srgbClr val="CC7832"/>
-                </a:solidFill>
-                <a:effectLst/>
-                <a:latin typeface="JetBrains Mono"/>
-              </a:rPr>
-            </a:br>
-            <a:r>
-              <a:rPr kumimoji="0" lang="en-US" altLang="en-US" sz="1800" b="0" i="0" u="none" strike="noStrike" cap="none" normalizeH="0" baseline="0" dirty="0">
-                <a:ln>
-                  <a:noFill/>
-                </a:ln>
-                <a:solidFill>
-                  <a:srgbClr val="CC7832"/>
-                </a:solidFill>
-                <a:effectLst/>
-                <a:latin typeface="JetBrains Mono"/>
-              </a:rPr>
-              <a:t>    </a:t>
-            </a:r>
-            <a:r>
-              <a:rPr kumimoji="0" lang="en-US" altLang="en-US" sz="1800" b="0" i="0" u="none" strike="noStrike" cap="none" normalizeH="0" baseline="0" dirty="0">
-                <a:ln>
-                  <a:noFill/>
-                </a:ln>
-                <a:solidFill>
-                  <a:srgbClr val="A9B7C6"/>
-                </a:solidFill>
-                <a:effectLst/>
-                <a:latin typeface="JetBrains Mono"/>
-              </a:rPr>
-              <a:t>}</a:t>
-            </a:r>
-            <a:br>
-              <a:rPr kumimoji="0" lang="en-US" altLang="en-US" sz="1800" b="0" i="0" u="none" strike="noStrike" cap="none" normalizeH="0" baseline="0" dirty="0">
-                <a:ln>
-                  <a:noFill/>
-                </a:ln>
-                <a:solidFill>
-                  <a:srgbClr val="A9B7C6"/>
-                </a:solidFill>
-                <a:effectLst/>
-                <a:latin typeface="JetBrains Mono"/>
-              </a:rPr>
-            </a:br>
-            <a:r>
-              <a:rPr kumimoji="0" lang="en-US" altLang="en-US" sz="1800" b="0" i="0" u="none" strike="noStrike" cap="none" normalizeH="0" baseline="0" dirty="0">
-                <a:ln>
-                  <a:noFill/>
-                </a:ln>
-                <a:solidFill>
-                  <a:srgbClr val="A9B7C6"/>
-                </a:solidFill>
-                <a:effectLst/>
-                <a:latin typeface="JetBrains Mono"/>
-              </a:rPr>
-              <a:t>}</a:t>
-            </a:r>
-            <a:br>
-              <a:rPr kumimoji="0" lang="en-US" altLang="en-US" sz="1800" b="0" i="0" u="none" strike="noStrike" cap="none" normalizeH="0" baseline="0" dirty="0">
-                <a:ln>
-                  <a:noFill/>
-                </a:ln>
-                <a:solidFill>
-                  <a:srgbClr val="A9B7C6"/>
-                </a:solidFill>
-                <a:effectLst/>
-                <a:latin typeface="JetBrains Mono"/>
-              </a:rPr>
-            </a:br>
-            <a:r>
-              <a:rPr kumimoji="0" lang="en-US" altLang="en-US" sz="1800" b="0" i="0" u="none" strike="noStrike" cap="none" normalizeH="0" baseline="0" dirty="0">
-                <a:ln>
-                  <a:noFill/>
-                </a:ln>
-                <a:solidFill>
-                  <a:srgbClr val="CC7832"/>
-                </a:solidFill>
-                <a:effectLst/>
-                <a:latin typeface="JetBrains Mono"/>
-              </a:rPr>
-              <a:t>public static int </a:t>
-            </a:r>
-            <a:r>
-              <a:rPr kumimoji="0" lang="en-US" altLang="en-US" sz="1800" b="0" i="0" u="none" strike="noStrike" cap="none" normalizeH="0" baseline="0" dirty="0">
-                <a:ln>
-                  <a:noFill/>
-                </a:ln>
-                <a:solidFill>
-                  <a:srgbClr val="FFC66D"/>
-                </a:solidFill>
-                <a:effectLst/>
-                <a:latin typeface="JetBrains Mono"/>
-              </a:rPr>
-              <a:t>factorial</a:t>
-            </a:r>
-            <a:r>
-              <a:rPr kumimoji="0" lang="en-US" altLang="en-US" sz="1800" b="0" i="0" u="none" strike="noStrike" cap="none" normalizeH="0" baseline="0" dirty="0">
-                <a:ln>
-                  <a:noFill/>
-                </a:ln>
-                <a:solidFill>
-                  <a:srgbClr val="A9B7C6"/>
-                </a:solidFill>
-                <a:effectLst/>
-                <a:latin typeface="JetBrains Mono"/>
-              </a:rPr>
-              <a:t>(</a:t>
-            </a:r>
-            <a:r>
-              <a:rPr kumimoji="0" lang="en-US" altLang="en-US" sz="1800" b="0" i="0" u="none" strike="noStrike" cap="none" normalizeH="0" baseline="0" dirty="0">
-                <a:ln>
-                  <a:noFill/>
-                </a:ln>
-                <a:solidFill>
-                  <a:srgbClr val="CC7832"/>
-                </a:solidFill>
-                <a:effectLst/>
-                <a:latin typeface="JetBrains Mono"/>
-              </a:rPr>
-              <a:t>int </a:t>
-            </a:r>
-            <a:r>
-              <a:rPr kumimoji="0" lang="en-US" altLang="en-US" sz="1800" b="0" i="0" u="none" strike="noStrike" cap="none" normalizeH="0" baseline="0" dirty="0">
-                <a:ln>
-                  <a:noFill/>
-                </a:ln>
-                <a:solidFill>
-                  <a:srgbClr val="A9B7C6"/>
-                </a:solidFill>
-                <a:effectLst/>
-                <a:latin typeface="JetBrains Mono"/>
-              </a:rPr>
-              <a:t>n){</a:t>
-            </a:r>
-            <a:br>
-              <a:rPr kumimoji="0" lang="en-US" altLang="en-US" sz="1800" b="0" i="0" u="none" strike="noStrike" cap="none" normalizeH="0" baseline="0" dirty="0">
-                <a:ln>
-                  <a:noFill/>
-                </a:ln>
-                <a:solidFill>
-                  <a:srgbClr val="A9B7C6"/>
-                </a:solidFill>
-                <a:effectLst/>
-                <a:latin typeface="JetBrains Mono"/>
-              </a:rPr>
-            </a:br>
-            <a:r>
-              <a:rPr kumimoji="0" lang="en-US" altLang="en-US" sz="1800" b="0" i="0" u="none" strike="noStrike" cap="none" normalizeH="0" baseline="0" dirty="0">
-                <a:ln>
-                  <a:noFill/>
-                </a:ln>
-                <a:solidFill>
-                  <a:srgbClr val="A9B7C6"/>
-                </a:solidFill>
-                <a:effectLst/>
-                <a:latin typeface="JetBrains Mono"/>
-              </a:rPr>
-              <a:t>    </a:t>
-            </a:r>
-            <a:r>
-              <a:rPr kumimoji="0" lang="en-US" altLang="en-US" sz="1800" b="0" i="0" u="none" strike="noStrike" cap="none" normalizeH="0" baseline="0" dirty="0">
-                <a:ln>
-                  <a:noFill/>
-                </a:ln>
-                <a:solidFill>
-                  <a:srgbClr val="CC7832"/>
-                </a:solidFill>
-                <a:effectLst/>
-                <a:latin typeface="JetBrains Mono"/>
-              </a:rPr>
-              <a:t>int </a:t>
-            </a:r>
-            <a:r>
-              <a:rPr kumimoji="0" lang="en-US" altLang="en-US" sz="1800" b="0" i="0" u="none" strike="noStrike" cap="none" normalizeH="0" baseline="0" dirty="0">
-                <a:ln>
-                  <a:noFill/>
-                </a:ln>
-                <a:solidFill>
-                  <a:srgbClr val="A9B7C6"/>
-                </a:solidFill>
-                <a:effectLst/>
-                <a:latin typeface="JetBrains Mono"/>
-              </a:rPr>
-              <a:t>fact = </a:t>
-            </a:r>
-            <a:r>
-              <a:rPr kumimoji="0" lang="en-US" altLang="en-US" sz="1800" b="0" i="0" u="none" strike="noStrike" cap="none" normalizeH="0" baseline="0" dirty="0">
-                <a:ln>
-                  <a:noFill/>
-                </a:ln>
-                <a:solidFill>
-                  <a:srgbClr val="6897BB"/>
-                </a:solidFill>
-                <a:effectLst/>
-                <a:latin typeface="JetBrains Mono"/>
-              </a:rPr>
-              <a:t>1</a:t>
-            </a:r>
-            <a:r>
-              <a:rPr kumimoji="0" lang="en-US" altLang="en-US" sz="1800" b="0" i="0" u="none" strike="noStrike" cap="none" normalizeH="0" baseline="0" dirty="0">
-                <a:ln>
-                  <a:noFill/>
-                </a:ln>
-                <a:solidFill>
-                  <a:srgbClr val="CC7832"/>
-                </a:solidFill>
-                <a:effectLst/>
-                <a:latin typeface="JetBrains Mono"/>
-              </a:rPr>
-              <a:t>;</a:t>
-            </a:r>
-            <a:br>
-              <a:rPr kumimoji="0" lang="en-US" altLang="en-US" sz="1800" b="0" i="0" u="none" strike="noStrike" cap="none" normalizeH="0" baseline="0" dirty="0">
-                <a:ln>
-                  <a:noFill/>
-                </a:ln>
-                <a:solidFill>
-                  <a:srgbClr val="CC7832"/>
-                </a:solidFill>
-                <a:effectLst/>
-                <a:latin typeface="JetBrains Mono"/>
-              </a:rPr>
-            </a:br>
-            <a:r>
-              <a:rPr kumimoji="0" lang="en-US" altLang="en-US" sz="1800" b="0" i="0" u="none" strike="noStrike" cap="none" normalizeH="0" baseline="0" dirty="0">
-                <a:ln>
-                  <a:noFill/>
-                </a:ln>
-                <a:solidFill>
-                  <a:srgbClr val="CC7832"/>
-                </a:solidFill>
-                <a:effectLst/>
-                <a:latin typeface="JetBrains Mono"/>
-              </a:rPr>
-              <a:t>    for</a:t>
-            </a:r>
-            <a:r>
-              <a:rPr kumimoji="0" lang="en-US" altLang="en-US" sz="1800" b="0" i="0" u="none" strike="noStrike" cap="none" normalizeH="0" baseline="0" dirty="0">
-                <a:ln>
-                  <a:noFill/>
-                </a:ln>
-                <a:solidFill>
-                  <a:srgbClr val="A9B7C6"/>
-                </a:solidFill>
-                <a:effectLst/>
-                <a:latin typeface="JetBrains Mono"/>
-              </a:rPr>
-              <a:t>(</a:t>
-            </a:r>
-            <a:r>
-              <a:rPr kumimoji="0" lang="en-US" altLang="en-US" sz="1800" b="0" i="0" u="none" strike="noStrike" cap="none" normalizeH="0" baseline="0" dirty="0">
-                <a:ln>
-                  <a:noFill/>
-                </a:ln>
-                <a:solidFill>
-                  <a:srgbClr val="CC7832"/>
-                </a:solidFill>
-                <a:effectLst/>
-                <a:latin typeface="JetBrains Mono"/>
-              </a:rPr>
-              <a:t>int </a:t>
-            </a:r>
-            <a:r>
-              <a:rPr kumimoji="0" lang="en-US" altLang="en-US" sz="1800" b="0" i="0" u="none" strike="noStrike" cap="none" normalizeH="0" baseline="0" dirty="0" err="1">
-                <a:ln>
-                  <a:noFill/>
-                </a:ln>
-                <a:solidFill>
-                  <a:srgbClr val="A9B7C6"/>
-                </a:solidFill>
-                <a:effectLst/>
-                <a:latin typeface="JetBrains Mono"/>
-              </a:rPr>
-              <a:t>i</a:t>
-            </a:r>
-            <a:r>
-              <a:rPr kumimoji="0" lang="en-US" altLang="en-US" sz="1800" b="0" i="0" u="none" strike="noStrike" cap="none" normalizeH="0" baseline="0" dirty="0">
-                <a:ln>
-                  <a:noFill/>
-                </a:ln>
-                <a:solidFill>
-                  <a:srgbClr val="A9B7C6"/>
-                </a:solidFill>
-                <a:effectLst/>
-                <a:latin typeface="JetBrains Mono"/>
-              </a:rPr>
-              <a:t> = </a:t>
-            </a:r>
-            <a:r>
-              <a:rPr kumimoji="0" lang="en-US" altLang="en-US" sz="1800" b="0" i="0" u="none" strike="noStrike" cap="none" normalizeH="0" baseline="0" dirty="0">
-                <a:ln>
-                  <a:noFill/>
-                </a:ln>
-                <a:solidFill>
-                  <a:srgbClr val="6897BB"/>
-                </a:solidFill>
-                <a:effectLst/>
-                <a:latin typeface="JetBrains Mono"/>
-              </a:rPr>
-              <a:t>2</a:t>
-            </a:r>
-            <a:r>
-              <a:rPr kumimoji="0" lang="en-US" altLang="en-US" sz="1800" b="0" i="0" u="none" strike="noStrike" cap="none" normalizeH="0" baseline="0" dirty="0">
-                <a:ln>
-                  <a:noFill/>
-                </a:ln>
-                <a:solidFill>
-                  <a:srgbClr val="CC7832"/>
-                </a:solidFill>
-                <a:effectLst/>
-                <a:latin typeface="JetBrains Mono"/>
-              </a:rPr>
-              <a:t>; </a:t>
-            </a:r>
-            <a:r>
-              <a:rPr kumimoji="0" lang="en-US" altLang="en-US" sz="1800" b="0" i="0" u="none" strike="noStrike" cap="none" normalizeH="0" baseline="0" dirty="0" err="1">
-                <a:ln>
-                  <a:noFill/>
-                </a:ln>
-                <a:solidFill>
-                  <a:srgbClr val="A9B7C6"/>
-                </a:solidFill>
-                <a:effectLst/>
-                <a:latin typeface="JetBrains Mono"/>
-              </a:rPr>
-              <a:t>i</a:t>
-            </a:r>
-            <a:r>
-              <a:rPr kumimoji="0" lang="en-US" altLang="en-US" sz="1800" b="0" i="0" u="none" strike="noStrike" cap="none" normalizeH="0" baseline="0" dirty="0">
-                <a:ln>
-                  <a:noFill/>
-                </a:ln>
-                <a:solidFill>
-                  <a:srgbClr val="A9B7C6"/>
-                </a:solidFill>
-                <a:effectLst/>
-                <a:latin typeface="JetBrains Mono"/>
-              </a:rPr>
-              <a:t> &lt;= n</a:t>
-            </a:r>
-            <a:r>
-              <a:rPr kumimoji="0" lang="en-US" altLang="en-US" sz="1800" b="0" i="0" u="none" strike="noStrike" cap="none" normalizeH="0" baseline="0" dirty="0">
-                <a:ln>
-                  <a:noFill/>
-                </a:ln>
-                <a:solidFill>
-                  <a:srgbClr val="CC7832"/>
-                </a:solidFill>
-                <a:effectLst/>
-                <a:latin typeface="JetBrains Mono"/>
-              </a:rPr>
-              <a:t>; </a:t>
-            </a:r>
-            <a:r>
-              <a:rPr kumimoji="0" lang="en-US" altLang="en-US" sz="1800" b="0" i="0" u="none" strike="noStrike" cap="none" normalizeH="0" baseline="0" dirty="0" err="1">
-                <a:ln>
-                  <a:noFill/>
-                </a:ln>
-                <a:solidFill>
-                  <a:srgbClr val="A9B7C6"/>
-                </a:solidFill>
-                <a:effectLst/>
-                <a:latin typeface="JetBrains Mono"/>
-              </a:rPr>
-              <a:t>i</a:t>
-            </a:r>
-            <a:r>
-              <a:rPr kumimoji="0" lang="en-US" altLang="en-US" sz="1800" b="0" i="0" u="none" strike="noStrike" cap="none" normalizeH="0" baseline="0" dirty="0">
-                <a:ln>
-                  <a:noFill/>
-                </a:ln>
-                <a:solidFill>
-                  <a:srgbClr val="A9B7C6"/>
-                </a:solidFill>
-                <a:effectLst/>
-                <a:latin typeface="JetBrains Mono"/>
-              </a:rPr>
-              <a:t>++)</a:t>
-            </a:r>
-            <a:br>
-              <a:rPr kumimoji="0" lang="en-US" altLang="en-US" sz="1800" b="0" i="0" u="none" strike="noStrike" cap="none" normalizeH="0" baseline="0" dirty="0">
-                <a:ln>
-                  <a:noFill/>
-                </a:ln>
-                <a:solidFill>
-                  <a:srgbClr val="A9B7C6"/>
-                </a:solidFill>
-                <a:effectLst/>
-                <a:latin typeface="JetBrains Mono"/>
-              </a:rPr>
-            </a:br>
-            <a:r>
-              <a:rPr kumimoji="0" lang="en-US" altLang="en-US" sz="1800" b="0" i="0" u="none" strike="noStrike" cap="none" normalizeH="0" baseline="0" dirty="0">
-                <a:ln>
-                  <a:noFill/>
-                </a:ln>
-                <a:solidFill>
-                  <a:srgbClr val="A9B7C6"/>
-                </a:solidFill>
-                <a:effectLst/>
-                <a:latin typeface="JetBrains Mono"/>
-              </a:rPr>
-              <a:t>        fact *= </a:t>
-            </a:r>
-            <a:r>
-              <a:rPr kumimoji="0" lang="en-US" altLang="en-US" sz="1800" b="0" i="0" u="none" strike="noStrike" cap="none" normalizeH="0" baseline="0" dirty="0" err="1">
-                <a:ln>
-                  <a:noFill/>
-                </a:ln>
-                <a:solidFill>
-                  <a:srgbClr val="A9B7C6"/>
-                </a:solidFill>
-                <a:effectLst/>
-                <a:latin typeface="JetBrains Mono"/>
-              </a:rPr>
-              <a:t>i</a:t>
-            </a:r>
-            <a:r>
-              <a:rPr kumimoji="0" lang="en-US" altLang="en-US" sz="1800" b="0" i="0" u="none" strike="noStrike" cap="none" normalizeH="0" baseline="0" dirty="0">
-                <a:ln>
-                  <a:noFill/>
-                </a:ln>
-                <a:solidFill>
-                  <a:srgbClr val="CC7832"/>
-                </a:solidFill>
-                <a:effectLst/>
-                <a:latin typeface="JetBrains Mono"/>
-              </a:rPr>
-              <a:t>;</a:t>
-            </a:r>
-            <a:br>
-              <a:rPr kumimoji="0" lang="en-US" altLang="en-US" sz="1800" b="0" i="0" u="none" strike="noStrike" cap="none" normalizeH="0" baseline="0" dirty="0">
-                <a:ln>
-                  <a:noFill/>
-                </a:ln>
-                <a:solidFill>
-                  <a:srgbClr val="CC7832"/>
-                </a:solidFill>
-                <a:effectLst/>
-                <a:latin typeface="JetBrains Mono"/>
-              </a:rPr>
-            </a:br>
-            <a:r>
-              <a:rPr kumimoji="0" lang="en-US" altLang="en-US" sz="1800" b="0" i="0" u="none" strike="noStrike" cap="none" normalizeH="0" baseline="0" dirty="0">
-                <a:ln>
-                  <a:noFill/>
-                </a:ln>
-                <a:solidFill>
-                  <a:srgbClr val="CC7832"/>
-                </a:solidFill>
-                <a:effectLst/>
-                <a:latin typeface="JetBrains Mono"/>
-              </a:rPr>
-              <a:t>    return </a:t>
-            </a:r>
-            <a:r>
-              <a:rPr kumimoji="0" lang="en-US" altLang="en-US" sz="1800" b="0" i="0" u="none" strike="noStrike" cap="none" normalizeH="0" baseline="0" dirty="0">
-                <a:ln>
-                  <a:noFill/>
-                </a:ln>
-                <a:solidFill>
-                  <a:srgbClr val="A9B7C6"/>
-                </a:solidFill>
-                <a:effectLst/>
-                <a:latin typeface="JetBrains Mono"/>
-              </a:rPr>
-              <a:t>fact</a:t>
-            </a:r>
-            <a:r>
-              <a:rPr kumimoji="0" lang="en-US" altLang="en-US" sz="1800" b="0" i="0" u="none" strike="noStrike" cap="none" normalizeH="0" baseline="0" dirty="0">
-                <a:ln>
-                  <a:noFill/>
-                </a:ln>
-                <a:solidFill>
-                  <a:srgbClr val="CC7832"/>
-                </a:solidFill>
-                <a:effectLst/>
-                <a:latin typeface="JetBrains Mono"/>
-              </a:rPr>
-              <a:t>;</a:t>
-            </a:r>
-            <a:br>
-              <a:rPr kumimoji="0" lang="en-US" altLang="en-US" sz="1800" b="0" i="0" u="none" strike="noStrike" cap="none" normalizeH="0" baseline="0" dirty="0">
-                <a:ln>
-                  <a:noFill/>
-                </a:ln>
-                <a:solidFill>
-                  <a:srgbClr val="CC7832"/>
-                </a:solidFill>
-                <a:effectLst/>
-                <a:latin typeface="JetBrains Mono"/>
-              </a:rPr>
-            </a:br>
-            <a:r>
-              <a:rPr kumimoji="0" lang="en-US" altLang="en-US" sz="1800" b="0" i="0" u="none" strike="noStrike" cap="none" normalizeH="0" baseline="0" dirty="0">
-                <a:ln>
-                  <a:noFill/>
-                </a:ln>
-                <a:solidFill>
-                  <a:srgbClr val="A9B7C6"/>
-                </a:solidFill>
-                <a:effectLst/>
-                <a:latin typeface="JetBrains Mono"/>
-              </a:rPr>
-              <a:t>}</a:t>
-            </a:r>
-            <a:br>
-              <a:rPr kumimoji="0" lang="en-US" altLang="en-US" sz="1800" b="0" i="0" u="none" strike="noStrike" cap="none" normalizeH="0" baseline="0" dirty="0">
-                <a:ln>
-                  <a:noFill/>
-                </a:ln>
-                <a:solidFill>
-                  <a:srgbClr val="A9B7C6"/>
-                </a:solidFill>
-                <a:effectLst/>
-                <a:latin typeface="JetBrains Mono"/>
-              </a:rPr>
-            </a:br>
-            <a:br>
-              <a:rPr kumimoji="0" lang="en-US" altLang="en-US" sz="1800" b="0" i="0" u="none" strike="noStrike" cap="none" normalizeH="0" baseline="0" dirty="0">
-                <a:ln>
-                  <a:noFill/>
-                </a:ln>
-                <a:solidFill>
-                  <a:srgbClr val="A9B7C6"/>
-                </a:solidFill>
-                <a:effectLst/>
-                <a:latin typeface="JetBrains Mono"/>
-              </a:rPr>
-            </a:br>
-            <a:r>
-              <a:rPr kumimoji="0" lang="en-US" altLang="en-US" sz="1800" b="0" i="0" u="none" strike="noStrike" cap="none" normalizeH="0" baseline="0" dirty="0">
-                <a:ln>
-                  <a:noFill/>
-                </a:ln>
-                <a:solidFill>
-                  <a:srgbClr val="CC7832"/>
-                </a:solidFill>
-                <a:effectLst/>
-                <a:latin typeface="JetBrains Mono"/>
-              </a:rPr>
-              <a:t>public static void </a:t>
-            </a:r>
-            <a:r>
-              <a:rPr kumimoji="0" lang="en-US" altLang="en-US" sz="1800" b="0" i="0" u="none" strike="noStrike" cap="none" normalizeH="0" baseline="0" dirty="0">
-                <a:ln>
-                  <a:noFill/>
-                </a:ln>
-                <a:solidFill>
-                  <a:srgbClr val="FFC66D"/>
-                </a:solidFill>
-                <a:effectLst/>
-                <a:latin typeface="JetBrains Mono"/>
-              </a:rPr>
-              <a:t>main</a:t>
-            </a:r>
-            <a:r>
-              <a:rPr kumimoji="0" lang="en-US" altLang="en-US" sz="1800" b="0" i="0" u="none" strike="noStrike" cap="none" normalizeH="0" baseline="0" dirty="0">
-                <a:ln>
-                  <a:noFill/>
-                </a:ln>
-                <a:solidFill>
-                  <a:srgbClr val="A9B7C6"/>
-                </a:solidFill>
-                <a:effectLst/>
-                <a:latin typeface="JetBrains Mono"/>
-              </a:rPr>
-              <a:t>(String </a:t>
-            </a:r>
-            <a:r>
-              <a:rPr kumimoji="0" lang="en-US" altLang="en-US" sz="1800" b="0" i="0" u="none" strike="noStrike" cap="none" normalizeH="0" baseline="0" dirty="0" err="1">
-                <a:ln>
-                  <a:noFill/>
-                </a:ln>
-                <a:solidFill>
-                  <a:srgbClr val="A9B7C6"/>
-                </a:solidFill>
-                <a:effectLst/>
-                <a:latin typeface="JetBrains Mono"/>
-              </a:rPr>
-              <a:t>args</a:t>
-            </a:r>
-            <a:r>
-              <a:rPr kumimoji="0" lang="en-US" altLang="en-US" sz="1800" b="0" i="0" u="none" strike="noStrike" cap="none" normalizeH="0" baseline="0" dirty="0">
-                <a:ln>
-                  <a:noFill/>
-                </a:ln>
-                <a:solidFill>
-                  <a:srgbClr val="A9B7C6"/>
-                </a:solidFill>
-                <a:effectLst/>
-                <a:latin typeface="JetBrains Mono"/>
-              </a:rPr>
-              <a:t>[]){</a:t>
-            </a:r>
-            <a:br>
-              <a:rPr kumimoji="0" lang="en-US" altLang="en-US" sz="1800" b="0" i="0" u="none" strike="noStrike" cap="none" normalizeH="0" baseline="0" dirty="0">
-                <a:ln>
-                  <a:noFill/>
-                </a:ln>
-                <a:solidFill>
-                  <a:srgbClr val="A9B7C6"/>
-                </a:solidFill>
-                <a:effectLst/>
-                <a:latin typeface="JetBrains Mono"/>
-              </a:rPr>
-            </a:br>
-            <a:r>
-              <a:rPr kumimoji="0" lang="en-US" altLang="en-US" sz="1800" b="0" i="0" u="none" strike="noStrike" cap="none" normalizeH="0" baseline="0" dirty="0">
-                <a:ln>
-                  <a:noFill/>
-                </a:ln>
-                <a:solidFill>
-                  <a:srgbClr val="A9B7C6"/>
-                </a:solidFill>
-                <a:effectLst/>
-                <a:latin typeface="JetBrains Mono"/>
-              </a:rPr>
-              <a:t>    </a:t>
-            </a:r>
-            <a:r>
-              <a:rPr kumimoji="0" lang="en-US" altLang="en-US" sz="1800" b="0" i="0" u="none" strike="noStrike" cap="none" normalizeH="0" baseline="0" dirty="0">
-                <a:ln>
-                  <a:noFill/>
-                </a:ln>
-                <a:solidFill>
-                  <a:srgbClr val="CC7832"/>
-                </a:solidFill>
-                <a:effectLst/>
-                <a:latin typeface="JetBrains Mono"/>
-              </a:rPr>
-              <a:t>int </a:t>
-            </a:r>
-            <a:r>
-              <a:rPr kumimoji="0" lang="en-US" altLang="en-US" sz="1800" b="0" i="0" u="none" strike="noStrike" cap="none" normalizeH="0" baseline="0" dirty="0">
-                <a:ln>
-                  <a:noFill/>
-                </a:ln>
-                <a:solidFill>
-                  <a:srgbClr val="A9B7C6"/>
-                </a:solidFill>
-                <a:effectLst/>
-                <a:latin typeface="JetBrains Mono"/>
-              </a:rPr>
-              <a:t>[] array = {</a:t>
-            </a:r>
-            <a:r>
-              <a:rPr kumimoji="0" lang="en-US" altLang="en-US" sz="1800" b="0" i="0" u="none" strike="noStrike" cap="none" normalizeH="0" baseline="0" dirty="0">
-                <a:ln>
-                  <a:noFill/>
-                </a:ln>
-                <a:solidFill>
-                  <a:srgbClr val="6897BB"/>
-                </a:solidFill>
-                <a:effectLst/>
-                <a:latin typeface="JetBrains Mono"/>
-              </a:rPr>
-              <a:t>1</a:t>
-            </a:r>
-            <a:r>
-              <a:rPr kumimoji="0" lang="en-US" altLang="en-US" sz="1800" b="0" i="0" u="none" strike="noStrike" cap="none" normalizeH="0" baseline="0" dirty="0">
-                <a:ln>
-                  <a:noFill/>
-                </a:ln>
-                <a:solidFill>
-                  <a:srgbClr val="CC7832"/>
-                </a:solidFill>
-                <a:effectLst/>
-                <a:latin typeface="JetBrains Mono"/>
-              </a:rPr>
-              <a:t>,</a:t>
-            </a:r>
-            <a:r>
-              <a:rPr kumimoji="0" lang="en-US" altLang="en-US" sz="1800" b="0" i="0" u="none" strike="noStrike" cap="none" normalizeH="0" baseline="0" dirty="0">
-                <a:ln>
-                  <a:noFill/>
-                </a:ln>
-                <a:solidFill>
-                  <a:srgbClr val="6897BB"/>
-                </a:solidFill>
-                <a:effectLst/>
-                <a:latin typeface="JetBrains Mono"/>
-              </a:rPr>
-              <a:t>2</a:t>
-            </a:r>
-            <a:r>
-              <a:rPr kumimoji="0" lang="en-US" altLang="en-US" sz="1800" b="0" i="0" u="none" strike="noStrike" cap="none" normalizeH="0" baseline="0" dirty="0">
-                <a:ln>
-                  <a:noFill/>
-                </a:ln>
-                <a:solidFill>
-                  <a:srgbClr val="CC7832"/>
-                </a:solidFill>
-                <a:effectLst/>
-                <a:latin typeface="JetBrains Mono"/>
-              </a:rPr>
-              <a:t>,</a:t>
-            </a:r>
-            <a:r>
-              <a:rPr kumimoji="0" lang="en-US" altLang="en-US" sz="1800" b="0" i="0" u="none" strike="noStrike" cap="none" normalizeH="0" baseline="0" dirty="0">
-                <a:ln>
-                  <a:noFill/>
-                </a:ln>
-                <a:solidFill>
-                  <a:srgbClr val="6897BB"/>
-                </a:solidFill>
-                <a:effectLst/>
-                <a:latin typeface="JetBrains Mono"/>
-              </a:rPr>
-              <a:t>3</a:t>
-            </a:r>
-            <a:r>
-              <a:rPr kumimoji="0" lang="en-US" altLang="en-US" sz="1800" b="0" i="0" u="none" strike="noStrike" cap="none" normalizeH="0" baseline="0" dirty="0">
-                <a:ln>
-                  <a:noFill/>
-                </a:ln>
-                <a:solidFill>
-                  <a:srgbClr val="CC7832"/>
-                </a:solidFill>
-                <a:effectLst/>
-                <a:latin typeface="JetBrains Mono"/>
-              </a:rPr>
-              <a:t>,</a:t>
-            </a:r>
-            <a:r>
-              <a:rPr kumimoji="0" lang="en-US" altLang="en-US" sz="1800" b="0" i="0" u="none" strike="noStrike" cap="none" normalizeH="0" baseline="0" dirty="0">
-                <a:ln>
-                  <a:noFill/>
-                </a:ln>
-                <a:solidFill>
-                  <a:srgbClr val="6897BB"/>
-                </a:solidFill>
-                <a:effectLst/>
-                <a:latin typeface="JetBrains Mono"/>
-              </a:rPr>
-              <a:t>4</a:t>
-            </a:r>
-            <a:r>
-              <a:rPr kumimoji="0" lang="en-US" altLang="en-US" sz="1800" b="0" i="0" u="none" strike="noStrike" cap="none" normalizeH="0" baseline="0" dirty="0">
-                <a:ln>
-                  <a:noFill/>
-                </a:ln>
-                <a:solidFill>
-                  <a:srgbClr val="A9B7C6"/>
-                </a:solidFill>
-                <a:effectLst/>
-                <a:latin typeface="JetBrains Mono"/>
-              </a:rPr>
-              <a:t>}</a:t>
-            </a:r>
-            <a:r>
-              <a:rPr kumimoji="0" lang="en-US" altLang="en-US" sz="1800" b="0" i="0" u="none" strike="noStrike" cap="none" normalizeH="0" baseline="0" dirty="0">
-                <a:ln>
-                  <a:noFill/>
-                </a:ln>
-                <a:solidFill>
-                  <a:srgbClr val="CC7832"/>
-                </a:solidFill>
-                <a:effectLst/>
-                <a:latin typeface="JetBrains Mono"/>
-              </a:rPr>
-              <a:t>;</a:t>
-            </a:r>
-            <a:br>
-              <a:rPr kumimoji="0" lang="en-US" altLang="en-US" sz="1800" b="0" i="0" u="none" strike="noStrike" cap="none" normalizeH="0" baseline="0" dirty="0">
-                <a:ln>
-                  <a:noFill/>
-                </a:ln>
-                <a:solidFill>
-                  <a:srgbClr val="CC7832"/>
-                </a:solidFill>
-                <a:effectLst/>
-                <a:latin typeface="JetBrains Mono"/>
-              </a:rPr>
-            </a:br>
-            <a:r>
-              <a:rPr kumimoji="0" lang="en-US" altLang="en-US" sz="1800" b="0" i="0" u="none" strike="noStrike" cap="none" normalizeH="0" baseline="0" dirty="0">
-                <a:ln>
-                  <a:noFill/>
-                </a:ln>
-                <a:solidFill>
-                  <a:srgbClr val="CC7832"/>
-                </a:solidFill>
-                <a:effectLst/>
-                <a:latin typeface="JetBrains Mono"/>
-              </a:rPr>
-              <a:t>    </a:t>
-            </a:r>
-            <a:r>
-              <a:rPr kumimoji="0" lang="en-US" altLang="en-US" sz="1800" b="0" i="0" u="none" strike="noStrike" cap="none" normalizeH="0" baseline="0" dirty="0" err="1">
-                <a:ln>
-                  <a:noFill/>
-                </a:ln>
-                <a:solidFill>
-                  <a:srgbClr val="A9B7C6"/>
-                </a:solidFill>
-                <a:effectLst/>
-                <a:latin typeface="JetBrains Mono"/>
-              </a:rPr>
-              <a:t>System.</a:t>
-            </a:r>
-            <a:r>
-              <a:rPr kumimoji="0" lang="en-US" altLang="en-US" sz="1800" b="0" i="1" u="none" strike="noStrike" cap="none" normalizeH="0" baseline="0" dirty="0" err="1">
-                <a:ln>
-                  <a:noFill/>
-                </a:ln>
-                <a:solidFill>
-                  <a:srgbClr val="9876AA"/>
-                </a:solidFill>
-                <a:effectLst/>
-                <a:latin typeface="JetBrains Mono"/>
-              </a:rPr>
-              <a:t>out</a:t>
-            </a:r>
-            <a:r>
-              <a:rPr kumimoji="0" lang="en-US" altLang="en-US" sz="1800" b="0" i="0" u="none" strike="noStrike" cap="none" normalizeH="0" baseline="0" dirty="0" err="1">
-                <a:ln>
-                  <a:noFill/>
-                </a:ln>
-                <a:solidFill>
-                  <a:srgbClr val="A9B7C6"/>
-                </a:solidFill>
-                <a:effectLst/>
-                <a:latin typeface="JetBrains Mono"/>
-              </a:rPr>
-              <a:t>.println</a:t>
-            </a:r>
-            <a:r>
-              <a:rPr kumimoji="0" lang="en-US" altLang="en-US" sz="1800" b="0" i="0" u="none" strike="noStrike" cap="none" normalizeH="0" baseline="0" dirty="0">
-                <a:ln>
-                  <a:noFill/>
-                </a:ln>
-                <a:solidFill>
-                  <a:srgbClr val="A9B7C6"/>
-                </a:solidFill>
-                <a:effectLst/>
-                <a:latin typeface="JetBrains Mono"/>
-              </a:rPr>
-              <a:t>(</a:t>
-            </a:r>
-            <a:r>
-              <a:rPr kumimoji="0" lang="en-US" altLang="en-US" sz="1800" b="0" i="0" u="none" strike="noStrike" cap="none" normalizeH="0" baseline="0" dirty="0">
-                <a:ln>
-                  <a:noFill/>
-                </a:ln>
-                <a:solidFill>
-                  <a:srgbClr val="6A8759"/>
-                </a:solidFill>
-                <a:effectLst/>
-                <a:latin typeface="JetBrains Mono"/>
-              </a:rPr>
-              <a:t>"Multiply of array with loop: " </a:t>
-            </a:r>
-            <a:r>
-              <a:rPr kumimoji="0" lang="en-US" altLang="en-US" sz="1800" b="0" i="0" u="none" strike="noStrike" cap="none" normalizeH="0" baseline="0" dirty="0">
-                <a:ln>
-                  <a:noFill/>
-                </a:ln>
-                <a:solidFill>
-                  <a:srgbClr val="A9B7C6"/>
-                </a:solidFill>
-                <a:effectLst/>
-                <a:latin typeface="JetBrains Mono"/>
-              </a:rPr>
-              <a:t>+ </a:t>
-            </a:r>
-            <a:r>
-              <a:rPr kumimoji="0" lang="en-US" altLang="en-US" sz="1800" b="0" i="1" u="none" strike="noStrike" cap="none" normalizeH="0" baseline="0" dirty="0">
-                <a:ln>
-                  <a:noFill/>
-                </a:ln>
-                <a:solidFill>
-                  <a:srgbClr val="A9B7C6"/>
-                </a:solidFill>
-                <a:effectLst/>
-                <a:latin typeface="JetBrains Mono"/>
-              </a:rPr>
-              <a:t>multiply</a:t>
-            </a:r>
-            <a:r>
-              <a:rPr kumimoji="0" lang="en-US" altLang="en-US" sz="1800" b="0" i="0" u="none" strike="noStrike" cap="none" normalizeH="0" baseline="0" dirty="0">
-                <a:ln>
-                  <a:noFill/>
-                </a:ln>
-                <a:solidFill>
-                  <a:srgbClr val="A9B7C6"/>
-                </a:solidFill>
-                <a:effectLst/>
-                <a:latin typeface="JetBrains Mono"/>
-              </a:rPr>
-              <a:t>(array))</a:t>
-            </a:r>
-            <a:r>
-              <a:rPr kumimoji="0" lang="en-US" altLang="en-US" sz="1800" b="0" i="0" u="none" strike="noStrike" cap="none" normalizeH="0" baseline="0" dirty="0">
-                <a:ln>
-                  <a:noFill/>
-                </a:ln>
-                <a:solidFill>
-                  <a:srgbClr val="CC7832"/>
-                </a:solidFill>
-                <a:effectLst/>
-                <a:latin typeface="JetBrains Mono"/>
-              </a:rPr>
-              <a:t>;</a:t>
-            </a:r>
-            <a:br>
-              <a:rPr kumimoji="0" lang="en-US" altLang="en-US" sz="1800" b="0" i="0" u="none" strike="noStrike" cap="none" normalizeH="0" baseline="0" dirty="0">
-                <a:ln>
-                  <a:noFill/>
-                </a:ln>
-                <a:solidFill>
-                  <a:srgbClr val="CC7832"/>
-                </a:solidFill>
-                <a:effectLst/>
-                <a:latin typeface="JetBrains Mono"/>
-              </a:rPr>
-            </a:br>
-            <a:r>
-              <a:rPr kumimoji="0" lang="en-US" altLang="en-US" sz="1800" b="0" i="0" u="none" strike="noStrike" cap="none" normalizeH="0" baseline="0" dirty="0">
-                <a:ln>
-                  <a:noFill/>
-                </a:ln>
-                <a:solidFill>
-                  <a:srgbClr val="CC7832"/>
-                </a:solidFill>
-                <a:effectLst/>
-                <a:latin typeface="JetBrains Mono"/>
-              </a:rPr>
-              <a:t>    </a:t>
-            </a:r>
-            <a:r>
-              <a:rPr kumimoji="0" lang="en-US" altLang="en-US" sz="1800" b="0" i="0" u="none" strike="noStrike" cap="none" normalizeH="0" baseline="0" dirty="0" err="1">
-                <a:ln>
-                  <a:noFill/>
-                </a:ln>
-                <a:solidFill>
-                  <a:srgbClr val="A9B7C6"/>
-                </a:solidFill>
-                <a:effectLst/>
-                <a:latin typeface="JetBrains Mono"/>
-              </a:rPr>
-              <a:t>System.</a:t>
-            </a:r>
-            <a:r>
-              <a:rPr kumimoji="0" lang="en-US" altLang="en-US" sz="1800" b="0" i="1" u="none" strike="noStrike" cap="none" normalizeH="0" baseline="0" dirty="0" err="1">
-                <a:ln>
-                  <a:noFill/>
-                </a:ln>
-                <a:solidFill>
-                  <a:srgbClr val="9876AA"/>
-                </a:solidFill>
-                <a:effectLst/>
-                <a:latin typeface="JetBrains Mono"/>
-              </a:rPr>
-              <a:t>out</a:t>
-            </a:r>
-            <a:r>
-              <a:rPr kumimoji="0" lang="en-US" altLang="en-US" sz="1800" b="0" i="0" u="none" strike="noStrike" cap="none" normalizeH="0" baseline="0" dirty="0" err="1">
-                <a:ln>
-                  <a:noFill/>
-                </a:ln>
-                <a:solidFill>
-                  <a:srgbClr val="A9B7C6"/>
-                </a:solidFill>
-                <a:effectLst/>
-                <a:latin typeface="JetBrains Mono"/>
-              </a:rPr>
-              <a:t>.println</a:t>
-            </a:r>
-            <a:r>
-              <a:rPr kumimoji="0" lang="en-US" altLang="en-US" sz="1800" b="0" i="0" u="none" strike="noStrike" cap="none" normalizeH="0" baseline="0" dirty="0">
-                <a:ln>
-                  <a:noFill/>
-                </a:ln>
-                <a:solidFill>
-                  <a:srgbClr val="A9B7C6"/>
-                </a:solidFill>
-                <a:effectLst/>
-                <a:latin typeface="JetBrains Mono"/>
-              </a:rPr>
-              <a:t>(</a:t>
-            </a:r>
-            <a:r>
-              <a:rPr kumimoji="0" lang="en-US" altLang="en-US" sz="1800" b="0" i="0" u="none" strike="noStrike" cap="none" normalizeH="0" baseline="0" dirty="0">
-                <a:ln>
-                  <a:noFill/>
-                </a:ln>
-                <a:solidFill>
-                  <a:srgbClr val="6A8759"/>
-                </a:solidFill>
-                <a:effectLst/>
-                <a:latin typeface="JetBrains Mono"/>
-              </a:rPr>
-              <a:t>"Multiply of array with recursion: " </a:t>
-            </a:r>
-            <a:r>
-              <a:rPr kumimoji="0" lang="en-US" altLang="en-US" sz="1800" b="0" i="0" u="none" strike="noStrike" cap="none" normalizeH="0" baseline="0" dirty="0">
-                <a:ln>
-                  <a:noFill/>
-                </a:ln>
-                <a:solidFill>
-                  <a:srgbClr val="A9B7C6"/>
-                </a:solidFill>
-                <a:effectLst/>
-                <a:latin typeface="JetBrains Mono"/>
-              </a:rPr>
-              <a:t>+</a:t>
-            </a:r>
-          </a:p>
-          <a:p>
-            <a:pPr marL="0" marR="0" lvl="0" indent="0" algn="l" defTabSz="914400" rtl="0" eaLnBrk="0" fontAlgn="base" latinLnBrk="0" hangingPunct="0">
-              <a:lnSpc>
-                <a:spcPct val="100000"/>
-              </a:lnSpc>
-              <a:spcBef>
-                <a:spcPct val="0"/>
-              </a:spcBef>
-              <a:spcAft>
-                <a:spcPct val="0"/>
-              </a:spcAft>
-              <a:buClrTx/>
-              <a:buSzTx/>
-              <a:buFontTx/>
-              <a:buNone/>
-              <a:tabLst/>
-            </a:pPr>
-            <a:r>
-              <a:rPr lang="en-US" altLang="en-US" sz="1800" dirty="0">
-                <a:solidFill>
-                  <a:srgbClr val="A9B7C6"/>
-                </a:solidFill>
-                <a:latin typeface="JetBrains Mono"/>
-              </a:rPr>
-              <a:t>                                     </a:t>
-            </a:r>
-            <a:r>
-              <a:rPr kumimoji="0" lang="en-US" altLang="en-US" sz="1800" b="0" i="0" u="none" strike="noStrike" cap="none" normalizeH="0" baseline="0" dirty="0">
-                <a:ln>
-                  <a:noFill/>
-                </a:ln>
-                <a:solidFill>
-                  <a:srgbClr val="A9B7C6"/>
-                </a:solidFill>
-                <a:effectLst/>
-                <a:latin typeface="JetBrains Mono"/>
-              </a:rPr>
-              <a:t> </a:t>
-            </a:r>
-            <a:r>
-              <a:rPr kumimoji="0" lang="en-US" altLang="en-US" sz="1800" b="0" i="1" u="none" strike="noStrike" cap="none" normalizeH="0" baseline="0" dirty="0" err="1">
-                <a:ln>
-                  <a:noFill/>
-                </a:ln>
-                <a:solidFill>
-                  <a:srgbClr val="A9B7C6"/>
-                </a:solidFill>
-                <a:effectLst/>
-                <a:latin typeface="JetBrains Mono"/>
-              </a:rPr>
-              <a:t>multiplyRecursive</a:t>
-            </a:r>
-            <a:r>
-              <a:rPr kumimoji="0" lang="en-US" altLang="en-US" sz="1800" b="0" i="0" u="none" strike="noStrike" cap="none" normalizeH="0" baseline="0" dirty="0">
-                <a:ln>
-                  <a:noFill/>
-                </a:ln>
-                <a:solidFill>
-                  <a:srgbClr val="A9B7C6"/>
-                </a:solidFill>
-                <a:effectLst/>
-                <a:latin typeface="JetBrains Mono"/>
-              </a:rPr>
-              <a:t>(array))</a:t>
-            </a:r>
-            <a:r>
-              <a:rPr kumimoji="0" lang="en-US" altLang="en-US" sz="1800" b="0" i="0" u="none" strike="noStrike" cap="none" normalizeH="0" baseline="0" dirty="0">
-                <a:ln>
-                  <a:noFill/>
-                </a:ln>
-                <a:solidFill>
-                  <a:srgbClr val="CC7832"/>
-                </a:solidFill>
-                <a:effectLst/>
-                <a:latin typeface="JetBrains Mono"/>
-              </a:rPr>
-              <a:t>;</a:t>
-            </a:r>
-            <a:br>
-              <a:rPr kumimoji="0" lang="en-US" altLang="en-US" sz="1800" b="0" i="0" u="none" strike="noStrike" cap="none" normalizeH="0" baseline="0" dirty="0">
-                <a:ln>
-                  <a:noFill/>
-                </a:ln>
-                <a:solidFill>
-                  <a:srgbClr val="CC7832"/>
-                </a:solidFill>
-                <a:effectLst/>
-                <a:latin typeface="JetBrains Mono"/>
-              </a:rPr>
-            </a:br>
-            <a:r>
-              <a:rPr kumimoji="0" lang="en-US" altLang="en-US" sz="1800" b="0" i="0" u="none" strike="noStrike" cap="none" normalizeH="0" baseline="0" dirty="0">
-                <a:ln>
-                  <a:noFill/>
-                </a:ln>
-                <a:solidFill>
-                  <a:srgbClr val="CC7832"/>
-                </a:solidFill>
-                <a:effectLst/>
-                <a:latin typeface="JetBrains Mono"/>
-              </a:rPr>
-              <a:t>    int </a:t>
-            </a:r>
-            <a:r>
-              <a:rPr kumimoji="0" lang="en-US" altLang="en-US" sz="1800" b="0" i="0" u="none" strike="noStrike" cap="none" normalizeH="0" baseline="0" dirty="0">
-                <a:ln>
-                  <a:noFill/>
-                </a:ln>
-                <a:solidFill>
-                  <a:srgbClr val="A9B7C6"/>
-                </a:solidFill>
-                <a:effectLst/>
-                <a:latin typeface="JetBrains Mono"/>
-              </a:rPr>
-              <a:t>[][] matrix = </a:t>
-            </a:r>
-            <a:r>
-              <a:rPr kumimoji="0" lang="en-US" altLang="en-US" sz="1800" b="0" i="1" u="none" strike="noStrike" cap="none" normalizeH="0" baseline="0" dirty="0" err="1">
-                <a:ln>
-                  <a:noFill/>
-                </a:ln>
-                <a:solidFill>
-                  <a:srgbClr val="A9B7C6"/>
-                </a:solidFill>
-                <a:effectLst/>
-                <a:latin typeface="JetBrains Mono"/>
-              </a:rPr>
-              <a:t>factorialMatrix</a:t>
-            </a:r>
-            <a:r>
-              <a:rPr kumimoji="0" lang="en-US" altLang="en-US" sz="1800" b="0" i="0" u="none" strike="noStrike" cap="none" normalizeH="0" baseline="0" dirty="0">
-                <a:ln>
-                  <a:noFill/>
-                </a:ln>
-                <a:solidFill>
-                  <a:srgbClr val="A9B7C6"/>
-                </a:solidFill>
-                <a:effectLst/>
-                <a:latin typeface="JetBrains Mono"/>
-              </a:rPr>
-              <a:t>(array)</a:t>
-            </a:r>
-            <a:r>
-              <a:rPr kumimoji="0" lang="en-US" altLang="en-US" sz="1800" b="0" i="0" u="none" strike="noStrike" cap="none" normalizeH="0" baseline="0" dirty="0">
-                <a:ln>
-                  <a:noFill/>
-                </a:ln>
-                <a:solidFill>
-                  <a:srgbClr val="CC7832"/>
-                </a:solidFill>
-                <a:effectLst/>
-                <a:latin typeface="JetBrains Mono"/>
-              </a:rPr>
-              <a:t>;</a:t>
-            </a:r>
-            <a:br>
-              <a:rPr kumimoji="0" lang="en-US" altLang="en-US" sz="1800" b="0" i="0" u="none" strike="noStrike" cap="none" normalizeH="0" baseline="0" dirty="0">
-                <a:ln>
-                  <a:noFill/>
-                </a:ln>
-                <a:solidFill>
-                  <a:srgbClr val="CC7832"/>
-                </a:solidFill>
-                <a:effectLst/>
-                <a:latin typeface="JetBrains Mono"/>
-              </a:rPr>
-            </a:br>
-            <a:r>
-              <a:rPr kumimoji="0" lang="en-US" altLang="en-US" sz="1800" b="0" i="0" u="none" strike="noStrike" cap="none" normalizeH="0" baseline="0" dirty="0">
-                <a:ln>
-                  <a:noFill/>
-                </a:ln>
-                <a:solidFill>
-                  <a:srgbClr val="CC7832"/>
-                </a:solidFill>
-                <a:effectLst/>
-                <a:latin typeface="JetBrains Mono"/>
-              </a:rPr>
-              <a:t>    </a:t>
-            </a:r>
-            <a:r>
-              <a:rPr kumimoji="0" lang="en-US" altLang="en-US" sz="1800" b="0" i="1" u="none" strike="noStrike" cap="none" normalizeH="0" baseline="0" dirty="0" err="1">
-                <a:ln>
-                  <a:noFill/>
-                </a:ln>
-                <a:solidFill>
-                  <a:srgbClr val="A9B7C6"/>
-                </a:solidFill>
-                <a:effectLst/>
-                <a:latin typeface="JetBrains Mono"/>
-              </a:rPr>
-              <a:t>printMatrix</a:t>
-            </a:r>
-            <a:r>
-              <a:rPr kumimoji="0" lang="en-US" altLang="en-US" sz="1800" b="0" i="0" u="none" strike="noStrike" cap="none" normalizeH="0" baseline="0" dirty="0">
-                <a:ln>
-                  <a:noFill/>
-                </a:ln>
-                <a:solidFill>
-                  <a:srgbClr val="A9B7C6"/>
-                </a:solidFill>
-                <a:effectLst/>
-                <a:latin typeface="JetBrains Mono"/>
-              </a:rPr>
-              <a:t>(matrix)</a:t>
-            </a:r>
-            <a:r>
-              <a:rPr kumimoji="0" lang="en-US" altLang="en-US" sz="1800" b="0" i="0" u="none" strike="noStrike" cap="none" normalizeH="0" baseline="0" dirty="0">
-                <a:ln>
-                  <a:noFill/>
-                </a:ln>
-                <a:solidFill>
-                  <a:srgbClr val="CC7832"/>
-                </a:solidFill>
-                <a:effectLst/>
-                <a:latin typeface="JetBrains Mono"/>
-              </a:rPr>
-              <a:t>;</a:t>
-            </a:r>
-            <a:br>
-              <a:rPr kumimoji="0" lang="en-US" altLang="en-US" sz="1800" b="0" i="0" u="none" strike="noStrike" cap="none" normalizeH="0" baseline="0" dirty="0">
-                <a:ln>
-                  <a:noFill/>
-                </a:ln>
-                <a:solidFill>
-                  <a:srgbClr val="CC7832"/>
-                </a:solidFill>
-                <a:effectLst/>
-                <a:latin typeface="JetBrains Mono"/>
-              </a:rPr>
-            </a:br>
-            <a:r>
-              <a:rPr kumimoji="0" lang="en-US" altLang="en-US" sz="1800" b="0" i="0" u="none" strike="noStrike" cap="none" normalizeH="0" baseline="0" dirty="0">
-                <a:ln>
-                  <a:noFill/>
-                </a:ln>
-                <a:solidFill>
-                  <a:srgbClr val="A9B7C6"/>
-                </a:solidFill>
-                <a:effectLst/>
-                <a:latin typeface="JetBrains Mono"/>
-              </a:rPr>
-              <a:t>}</a:t>
-            </a:r>
-            <a:br>
-              <a:rPr kumimoji="0" lang="en-US" altLang="en-US" sz="1800" b="0" i="0" u="none" strike="noStrike" cap="none" normalizeH="0" baseline="0" dirty="0">
-                <a:ln>
-                  <a:noFill/>
-                </a:ln>
-                <a:solidFill>
-                  <a:srgbClr val="A9B7C6"/>
-                </a:solidFill>
-                <a:effectLst/>
-                <a:latin typeface="JetBrains Mono"/>
-              </a:rPr>
-            </a:br>
-            <a:endParaRPr kumimoji="0" lang="en-US" altLang="en-US" sz="1800" b="0" i="0" u="none" strike="noStrike" cap="none" normalizeH="0" baseline="0" dirty="0">
-              <a:ln>
-                <a:noFill/>
-              </a:ln>
-              <a:solidFill>
-                <a:schemeClr val="tx1"/>
-              </a:solidFill>
-              <a:effectLst/>
-              <a:latin typeface="Arial" panose="020B0604020202020204" pitchFamily="34" charset="0"/>
-            </a:endParaRPr>
+            <a:r>
+              <a:rPr lang="en-US" dirty="0"/>
+              <a:t>Yes, drawing a table for every class helps track variables and memory!</a:t>
+            </a:r>
           </a:p>
         </p:txBody>
       </p:sp>
     </p:spTree>
     <p:extLst>
       <p:ext uri="{BB962C8B-B14F-4D97-AF65-F5344CB8AC3E}">
-        <p14:creationId xmlns:p14="http://schemas.microsoft.com/office/powerpoint/2010/main" val="2027325063"/>
+        <p14:creationId xmlns:p14="http://schemas.microsoft.com/office/powerpoint/2010/main" val="728910411"/>
       </p:ext>
     </p:extLst>
   </p:cSld>
   <p:clrMapOvr>
     <a:masterClrMapping/>
   </p:clrMapOvr>
-  <mc:AlternateContent xmlns:mc="http://schemas.openxmlformats.org/markup-compatibility/2006" xmlns:p14="http://schemas.microsoft.com/office/powerpoint/2010/main">
-    <mc:Choice Requires="p14">
-      <p:transition p14:dur="300">
-        <p:fade/>
-      </p:transition>
-    </mc:Choice>
-    <mc:Fallback xmlns="">
-      <p:transition>
-        <p:fade/>
-      </p:transition>
-    </mc:Fallback>
-  </mc:AlternateContent>
+  <p:transition>
+    <p:fade/>
+  </p:transition>
+  <p:timing>
+    <p:tnLst>
+      <p:par>
+        <p:cTn id="1" dur="indefinite" restart="never" nodeType="tmRoot">
+          <p:childTnLst>
+            <p:seq concurrent="1" nextAc="seek">
+              <p:cTn id="2" dur="indefinite" nodeType="mainSeq">
+                <p:childTnLst>
+                  <p:par>
+                    <p:cTn id="3" fill="hold">
+                      <p:stCondLst>
+                        <p:cond delay="indefinite"/>
+                      </p:stCondLst>
+                      <p:childTnLst>
+                        <p:par>
+                          <p:cTn id="4" fill="hold">
+                            <p:stCondLst>
+                              <p:cond delay="0"/>
+                            </p:stCondLst>
+                            <p:childTnLst>
+                              <p:par>
+                                <p:cTn id="5" presetID="22" presetClass="entr" presetSubtype="4" fill="hold" nodeType="clickEffect">
+                                  <p:stCondLst>
+                                    <p:cond delay="0"/>
+                                  </p:stCondLst>
+                                  <p:childTnLst>
+                                    <p:set>
+                                      <p:cBhvr>
+                                        <p:cTn id="6" dur="1" fill="hold">
+                                          <p:stCondLst>
+                                            <p:cond delay="0"/>
+                                          </p:stCondLst>
+                                        </p:cTn>
+                                        <p:tgtEl>
+                                          <p:spTgt spid="16"/>
+                                        </p:tgtEl>
+                                        <p:attrNameLst>
+                                          <p:attrName>style.visibility</p:attrName>
+                                        </p:attrNameLst>
+                                      </p:cBhvr>
+                                      <p:to>
+                                        <p:strVal val="visible"/>
+                                      </p:to>
+                                    </p:set>
+                                    <p:animEffect transition="in" filter="wipe(down)">
+                                      <p:cBhvr>
+                                        <p:cTn id="7" dur="500"/>
+                                        <p:tgtEl>
+                                          <p:spTgt spid="16"/>
+                                        </p:tgtEl>
+                                      </p:cBhvr>
+                                    </p:animEffect>
+                                  </p:childTnLst>
+                                </p:cTn>
+                              </p:par>
+                            </p:childTnLst>
+                          </p:cTn>
+                        </p:par>
+                      </p:childTnLst>
+                    </p:cTn>
+                  </p:par>
+                  <p:par>
+                    <p:cTn id="8" fill="hold">
+                      <p:stCondLst>
+                        <p:cond delay="indefinite"/>
+                      </p:stCondLst>
+                      <p:childTnLst>
+                        <p:par>
+                          <p:cTn id="9" fill="hold">
+                            <p:stCondLst>
+                              <p:cond delay="0"/>
+                            </p:stCondLst>
+                            <p:childTnLst>
+                              <p:par>
+                                <p:cTn id="10" presetID="22" presetClass="entr" presetSubtype="1" fill="hold" nodeType="clickEffect">
+                                  <p:stCondLst>
+                                    <p:cond delay="0"/>
+                                  </p:stCondLst>
+                                  <p:childTnLst>
+                                    <p:set>
+                                      <p:cBhvr>
+                                        <p:cTn id="11" dur="1" fill="hold">
+                                          <p:stCondLst>
+                                            <p:cond delay="0"/>
+                                          </p:stCondLst>
+                                        </p:cTn>
+                                        <p:tgtEl>
+                                          <p:spTgt spid="17"/>
+                                        </p:tgtEl>
+                                        <p:attrNameLst>
+                                          <p:attrName>style.visibility</p:attrName>
+                                        </p:attrNameLst>
+                                      </p:cBhvr>
+                                      <p:to>
+                                        <p:strVal val="visible"/>
+                                      </p:to>
+                                    </p:set>
+                                    <p:animEffect transition="in" filter="wipe(up)">
+                                      <p:cBhvr>
+                                        <p:cTn id="12" dur="500"/>
+                                        <p:tgtEl>
+                                          <p:spTgt spid="17"/>
+                                        </p:tgtEl>
+                                      </p:cBhvr>
+                                    </p:animEffect>
+                                  </p:childTnLst>
+                                </p:cTn>
+                              </p:par>
+                            </p:childTnLst>
+                          </p:cTn>
+                        </p:par>
+                      </p:childTnLst>
+                    </p:cTn>
+                  </p:par>
+                  <p:par>
+                    <p:cTn id="13" fill="hold">
+                      <p:stCondLst>
+                        <p:cond delay="indefinite"/>
+                      </p:stCondLst>
+                      <p:childTnLst>
+                        <p:par>
+                          <p:cTn id="14" fill="hold">
+                            <p:stCondLst>
+                              <p:cond delay="0"/>
+                            </p:stCondLst>
+                            <p:childTnLst>
+                              <p:par>
+                                <p:cTn id="15" presetID="22" presetClass="entr" presetSubtype="1" fill="hold" nodeType="clickEffect">
+                                  <p:stCondLst>
+                                    <p:cond delay="0"/>
+                                  </p:stCondLst>
+                                  <p:childTnLst>
+                                    <p:set>
+                                      <p:cBhvr>
+                                        <p:cTn id="16" dur="1" fill="hold">
+                                          <p:stCondLst>
+                                            <p:cond delay="0"/>
+                                          </p:stCondLst>
+                                        </p:cTn>
+                                        <p:tgtEl>
+                                          <p:spTgt spid="18"/>
+                                        </p:tgtEl>
+                                        <p:attrNameLst>
+                                          <p:attrName>style.visibility</p:attrName>
+                                        </p:attrNameLst>
+                                      </p:cBhvr>
+                                      <p:to>
+                                        <p:strVal val="visible"/>
+                                      </p:to>
+                                    </p:set>
+                                    <p:animEffect transition="in" filter="wipe(up)">
+                                      <p:cBhvr>
+                                        <p:cTn id="17" dur="500"/>
+                                        <p:tgtEl>
+                                          <p:spTgt spid="18"/>
+                                        </p:tgtEl>
+                                      </p:cBhvr>
+                                    </p:animEffect>
+                                  </p:childTnLst>
+                                </p:cTn>
+                              </p:par>
+                            </p:childTnLst>
+                          </p:cTn>
+                        </p:par>
+                      </p:childTnLst>
+                    </p:cTn>
+                  </p:par>
+                  <p:par>
+                    <p:cTn id="18" fill="hold">
+                      <p:stCondLst>
+                        <p:cond delay="indefinite"/>
+                      </p:stCondLst>
+                      <p:childTnLst>
+                        <p:par>
+                          <p:cTn id="19" fill="hold">
+                            <p:stCondLst>
+                              <p:cond delay="0"/>
+                            </p:stCondLst>
+                            <p:childTnLst>
+                              <p:par>
+                                <p:cTn id="20" presetID="22" presetClass="exit" presetSubtype="4" fill="hold" nodeType="clickEffect">
+                                  <p:stCondLst>
+                                    <p:cond delay="0"/>
+                                  </p:stCondLst>
+                                  <p:childTnLst>
+                                    <p:animEffect transition="out" filter="wipe(down)">
+                                      <p:cBhvr>
+                                        <p:cTn id="21" dur="500"/>
+                                        <p:tgtEl>
+                                          <p:spTgt spid="16"/>
+                                        </p:tgtEl>
+                                      </p:cBhvr>
+                                    </p:animEffect>
+                                    <p:set>
+                                      <p:cBhvr>
+                                        <p:cTn id="22" dur="1" fill="hold">
+                                          <p:stCondLst>
+                                            <p:cond delay="499"/>
+                                          </p:stCondLst>
+                                        </p:cTn>
+                                        <p:tgtEl>
+                                          <p:spTgt spid="16"/>
+                                        </p:tgtEl>
+                                        <p:attrNameLst>
+                                          <p:attrName>style.visibility</p:attrName>
+                                        </p:attrNameLst>
+                                      </p:cBhvr>
+                                      <p:to>
+                                        <p:strVal val="hidden"/>
+                                      </p:to>
+                                    </p:set>
+                                  </p:childTnLst>
+                                </p:cTn>
+                              </p:par>
+                              <p:par>
+                                <p:cTn id="23" presetID="22" presetClass="entr" presetSubtype="1" fill="hold" nodeType="withEffect">
+                                  <p:stCondLst>
+                                    <p:cond delay="0"/>
+                                  </p:stCondLst>
+                                  <p:childTnLst>
+                                    <p:set>
+                                      <p:cBhvr>
+                                        <p:cTn id="24" dur="1" fill="hold">
+                                          <p:stCondLst>
+                                            <p:cond delay="0"/>
+                                          </p:stCondLst>
+                                        </p:cTn>
+                                        <p:tgtEl>
+                                          <p:spTgt spid="19"/>
+                                        </p:tgtEl>
+                                        <p:attrNameLst>
+                                          <p:attrName>style.visibility</p:attrName>
+                                        </p:attrNameLst>
+                                      </p:cBhvr>
+                                      <p:to>
+                                        <p:strVal val="visible"/>
+                                      </p:to>
+                                    </p:set>
+                                    <p:animEffect transition="in" filter="wipe(up)">
+                                      <p:cBhvr>
+                                        <p:cTn id="25" dur="500"/>
+                                        <p:tgtEl>
+                                          <p:spTgt spid="19"/>
+                                        </p:tgtEl>
+                                      </p:cBhvr>
+                                    </p:animEffect>
+                                  </p:childTnLst>
+                                </p:cTn>
+                              </p:par>
+                            </p:childTnLst>
+                          </p:cTn>
+                        </p:par>
+                      </p:childTnLst>
+                    </p:cTn>
+                  </p:par>
+                  <p:par>
+                    <p:cTn id="26" fill="hold">
+                      <p:stCondLst>
+                        <p:cond delay="indefinite"/>
+                      </p:stCondLst>
+                      <p:childTnLst>
+                        <p:par>
+                          <p:cTn id="27" fill="hold">
+                            <p:stCondLst>
+                              <p:cond delay="0"/>
+                            </p:stCondLst>
+                            <p:childTnLst>
+                              <p:par>
+                                <p:cTn id="28" presetID="22" presetClass="entr" presetSubtype="1" fill="hold" nodeType="clickEffect">
+                                  <p:stCondLst>
+                                    <p:cond delay="0"/>
+                                  </p:stCondLst>
+                                  <p:childTnLst>
+                                    <p:set>
+                                      <p:cBhvr>
+                                        <p:cTn id="29" dur="1" fill="hold">
+                                          <p:stCondLst>
+                                            <p:cond delay="0"/>
+                                          </p:stCondLst>
+                                        </p:cTn>
+                                        <p:tgtEl>
+                                          <p:spTgt spid="20"/>
+                                        </p:tgtEl>
+                                        <p:attrNameLst>
+                                          <p:attrName>style.visibility</p:attrName>
+                                        </p:attrNameLst>
+                                      </p:cBhvr>
+                                      <p:to>
+                                        <p:strVal val="visible"/>
+                                      </p:to>
+                                    </p:set>
+                                    <p:animEffect transition="in" filter="wipe(up)">
+                                      <p:cBhvr>
+                                        <p:cTn id="30" dur="500"/>
+                                        <p:tgtEl>
+                                          <p:spTgt spid="20"/>
+                                        </p:tgtEl>
+                                      </p:cBhvr>
+                                    </p:animEffect>
+                                  </p:childTnLst>
+                                </p:cTn>
+                              </p:par>
+                            </p:childTnLst>
+                          </p:cTn>
+                        </p:par>
+                      </p:childTnLst>
+                    </p:cTn>
+                  </p:par>
+                  <p:par>
+                    <p:cTn id="31" fill="hold">
+                      <p:stCondLst>
+                        <p:cond delay="indefinite"/>
+                      </p:stCondLst>
+                      <p:childTnLst>
+                        <p:par>
+                          <p:cTn id="32" fill="hold">
+                            <p:stCondLst>
+                              <p:cond delay="0"/>
+                            </p:stCondLst>
+                            <p:childTnLst>
+                              <p:par>
+                                <p:cTn id="33" presetID="22" presetClass="exit" presetSubtype="4" fill="hold" nodeType="clickEffect">
+                                  <p:stCondLst>
+                                    <p:cond delay="0"/>
+                                  </p:stCondLst>
+                                  <p:childTnLst>
+                                    <p:animEffect transition="out" filter="wipe(down)">
+                                      <p:cBhvr>
+                                        <p:cTn id="34" dur="500"/>
+                                        <p:tgtEl>
+                                          <p:spTgt spid="19"/>
+                                        </p:tgtEl>
+                                      </p:cBhvr>
+                                    </p:animEffect>
+                                    <p:set>
+                                      <p:cBhvr>
+                                        <p:cTn id="35" dur="1" fill="hold">
+                                          <p:stCondLst>
+                                            <p:cond delay="499"/>
+                                          </p:stCondLst>
+                                        </p:cTn>
+                                        <p:tgtEl>
+                                          <p:spTgt spid="19"/>
+                                        </p:tgtEl>
+                                        <p:attrNameLst>
+                                          <p:attrName>style.visibility</p:attrName>
+                                        </p:attrNameLst>
+                                      </p:cBhvr>
+                                      <p:to>
+                                        <p:strVal val="hidden"/>
+                                      </p:to>
+                                    </p:set>
+                                  </p:childTnLst>
+                                </p:cTn>
+                              </p:par>
+                              <p:par>
+                                <p:cTn id="36" presetID="22" presetClass="entr" presetSubtype="1" fill="hold" nodeType="withEffect">
+                                  <p:stCondLst>
+                                    <p:cond delay="0"/>
+                                  </p:stCondLst>
+                                  <p:childTnLst>
+                                    <p:set>
+                                      <p:cBhvr>
+                                        <p:cTn id="37" dur="1" fill="hold">
+                                          <p:stCondLst>
+                                            <p:cond delay="0"/>
+                                          </p:stCondLst>
+                                        </p:cTn>
+                                        <p:tgtEl>
+                                          <p:spTgt spid="21"/>
+                                        </p:tgtEl>
+                                        <p:attrNameLst>
+                                          <p:attrName>style.visibility</p:attrName>
+                                        </p:attrNameLst>
+                                      </p:cBhvr>
+                                      <p:to>
+                                        <p:strVal val="visible"/>
+                                      </p:to>
+                                    </p:set>
+                                    <p:animEffect transition="in" filter="wipe(up)">
+                                      <p:cBhvr>
+                                        <p:cTn id="38" dur="500"/>
+                                        <p:tgtEl>
+                                          <p:spTgt spid="21"/>
+                                        </p:tgtEl>
+                                      </p:cBhvr>
+                                    </p:animEffect>
+                                  </p:childTnLst>
+                                </p:cTn>
+                              </p:par>
+                            </p:childTnLst>
+                          </p:cTn>
+                        </p:par>
+                      </p:childTnLst>
+                    </p:cTn>
+                  </p:par>
+                  <p:par>
+                    <p:cTn id="39" fill="hold">
+                      <p:stCondLst>
+                        <p:cond delay="indefinite"/>
+                      </p:stCondLst>
+                      <p:childTnLst>
+                        <p:par>
+                          <p:cTn id="40" fill="hold">
+                            <p:stCondLst>
+                              <p:cond delay="0"/>
+                            </p:stCondLst>
+                            <p:childTnLst>
+                              <p:par>
+                                <p:cTn id="41" presetID="10" presetClass="entr" presetSubtype="0" fill="hold" grpId="0" nodeType="clickEffect">
+                                  <p:stCondLst>
+                                    <p:cond delay="0"/>
+                                  </p:stCondLst>
+                                  <p:childTnLst>
+                                    <p:set>
+                                      <p:cBhvr>
+                                        <p:cTn id="42" dur="1" fill="hold">
+                                          <p:stCondLst>
+                                            <p:cond delay="0"/>
+                                          </p:stCondLst>
+                                        </p:cTn>
+                                        <p:tgtEl>
+                                          <p:spTgt spid="22"/>
+                                        </p:tgtEl>
+                                        <p:attrNameLst>
+                                          <p:attrName>style.visibility</p:attrName>
+                                        </p:attrNameLst>
+                                      </p:cBhvr>
+                                      <p:to>
+                                        <p:strVal val="visible"/>
+                                      </p:to>
+                                    </p:set>
+                                    <p:animEffect transition="in" filter="fade">
+                                      <p:cBhvr>
+                                        <p:cTn id="43" dur="500"/>
+                                        <p:tgtEl>
+                                          <p:spTgt spid="22"/>
+                                        </p:tgtEl>
+                                      </p:cBhvr>
+                                    </p:animEffect>
+                                  </p:childTnLst>
+                                </p:cTn>
+                              </p:par>
+                            </p:childTnLst>
+                          </p:cTn>
+                        </p:par>
+                      </p:childTnLst>
+                    </p:cTn>
+                  </p:par>
+                </p:childTnLst>
+              </p:cTn>
+              <p:prevCondLst>
+                <p:cond evt="onPrev" delay="0">
+                  <p:tgtEl>
+                    <p:sldTgt/>
+                  </p:tgtEl>
+                </p:cond>
+              </p:prevCondLst>
+              <p:nextCondLst>
+                <p:cond evt="onNext" delay="0">
+                  <p:tgtEl>
+                    <p:sldTgt/>
+                  </p:tgtEl>
+                </p:cond>
+              </p:nextCondLst>
+            </p:seq>
+          </p:childTnLst>
+        </p:cTn>
+      </p:par>
+    </p:tnLst>
+    <p:bldLst>
+      <p:bldP spid="22" grpId="0"/>
+    </p:bldLst>
+  </p:timing>
 </p:sld>
 </file>
 
-<file path=ppt/slides/slide11.xml><?xml version="1.0" encoding="utf-8"?>
+<file path=ppt/slides/slide13.xml><?xml version="1.0" encoding="utf-8"?>
+<p:sld xmlns:a="http://schemas.openxmlformats.org/drawingml/2006/main" xmlns:r="http://schemas.openxmlformats.org/officeDocument/2006/relationships" xmlns:p="http://schemas.openxmlformats.org/presentationml/2006/main">
+  <p:cSld>
+    <p:spTree>
+      <p:nvGrpSpPr>
+        <p:cNvPr id="1" name=""/>
+        <p:cNvGrpSpPr/>
+        <p:nvPr/>
+      </p:nvGrpSpPr>
+      <p:grpSpPr>
+        <a:xfrm>
+          <a:off x="0" y="0"/>
+          <a:ext cx="0" cy="0"/>
+          <a:chOff x="0" y="0"/>
+          <a:chExt cx="0" cy="0"/>
+        </a:xfrm>
+      </p:grpSpPr>
+      <p:sp>
+        <p:nvSpPr>
+          <p:cNvPr id="2" name="Title 1">
+            <a:extLst>
+              <a:ext uri="{FF2B5EF4-FFF2-40B4-BE49-F238E27FC236}">
+                <a16:creationId xmlns:a16="http://schemas.microsoft.com/office/drawing/2014/main" id="{53515747-0AE2-43E6-B442-F765D4C4F816}"/>
+              </a:ext>
+            </a:extLst>
+          </p:cNvPr>
+          <p:cNvSpPr>
+            <a:spLocks noGrp="1"/>
+          </p:cNvSpPr>
+          <p:nvPr>
+            <p:ph type="title"/>
+          </p:nvPr>
+        </p:nvSpPr>
+        <p:spPr/>
+        <p:txBody>
+          <a:bodyPr/>
+          <a:lstStyle/>
+          <a:p>
+            <a:r>
+              <a:rPr lang="en-US" dirty="0"/>
+              <a:t>Inheritance</a:t>
+            </a:r>
+          </a:p>
+        </p:txBody>
+      </p:sp>
+      <p:sp>
+        <p:nvSpPr>
+          <p:cNvPr id="3" name="Text Placeholder 2">
+            <a:extLst>
+              <a:ext uri="{FF2B5EF4-FFF2-40B4-BE49-F238E27FC236}">
+                <a16:creationId xmlns:a16="http://schemas.microsoft.com/office/drawing/2014/main" id="{30D17FB5-A572-492A-9DB8-A0A92EA989F6}"/>
+              </a:ext>
+            </a:extLst>
+          </p:cNvPr>
+          <p:cNvSpPr>
+            <a:spLocks noGrp="1"/>
+          </p:cNvSpPr>
+          <p:nvPr>
+            <p:ph type="body" idx="1"/>
+          </p:nvPr>
+        </p:nvSpPr>
+        <p:spPr>
+          <a:xfrm>
+            <a:off x="628075" y="2487883"/>
+            <a:ext cx="4771239" cy="3840346"/>
+          </a:xfrm>
+        </p:spPr>
+        <p:txBody>
+          <a:bodyPr/>
+          <a:lstStyle/>
+          <a:p>
+            <a:r>
+              <a:rPr lang="en-US" dirty="0"/>
+              <a:t>Keep your code DRY</a:t>
+            </a:r>
+          </a:p>
+          <a:p>
+            <a:r>
+              <a:rPr lang="en-US" dirty="0"/>
+              <a:t>HAS A – relationship	</a:t>
+            </a:r>
+          </a:p>
+          <a:p>
+            <a:pPr lvl="1"/>
+            <a:r>
+              <a:rPr lang="en-US" dirty="0"/>
+              <a:t>Review3 </a:t>
+            </a:r>
+            <a:r>
+              <a:rPr lang="en-US" b="1" dirty="0"/>
+              <a:t>HAS A </a:t>
+            </a:r>
+            <a:r>
+              <a:rPr lang="en-US" dirty="0"/>
+              <a:t>String[] widgets</a:t>
+            </a:r>
+          </a:p>
+          <a:p>
+            <a:r>
+              <a:rPr lang="en-US" dirty="0"/>
+              <a:t>IS A – relationship	</a:t>
+            </a:r>
+          </a:p>
+          <a:p>
+            <a:pPr lvl="1"/>
+            <a:r>
+              <a:rPr lang="en-US" dirty="0"/>
+              <a:t>Review3 </a:t>
+            </a:r>
+            <a:r>
+              <a:rPr lang="en-US" b="1" dirty="0"/>
+              <a:t>IS A </a:t>
+            </a:r>
+            <a:r>
+              <a:rPr lang="en-US" dirty="0"/>
+              <a:t>Review3Super</a:t>
+            </a:r>
+          </a:p>
+          <a:p>
+            <a:pPr lvl="1"/>
+            <a:r>
+              <a:rPr lang="en-US" dirty="0"/>
+              <a:t>Review3 has all protected and public methods Review3Super</a:t>
+            </a:r>
+          </a:p>
+          <a:p>
+            <a:pPr lvl="1"/>
+            <a:r>
+              <a:rPr lang="en-US" dirty="0"/>
+              <a:t>It is *one* direction</a:t>
+            </a:r>
+          </a:p>
+          <a:p>
+            <a:pPr lvl="2"/>
+            <a:r>
+              <a:rPr lang="en-US" dirty="0"/>
+              <a:t>Reivew3Super doesn’t know about Review3</a:t>
+            </a:r>
+          </a:p>
+          <a:p>
+            <a:r>
+              <a:rPr lang="en-US" dirty="0"/>
+              <a:t>Let’s look at some code!</a:t>
+            </a:r>
+          </a:p>
+          <a:p>
+            <a:endParaRPr lang="en-US" b="1" dirty="0"/>
+          </a:p>
+        </p:txBody>
+      </p:sp>
+      <p:sp>
+        <p:nvSpPr>
+          <p:cNvPr id="4" name="Rectangle 3">
+            <a:extLst>
+              <a:ext uri="{FF2B5EF4-FFF2-40B4-BE49-F238E27FC236}">
+                <a16:creationId xmlns:a16="http://schemas.microsoft.com/office/drawing/2014/main" id="{09806798-9C16-4C88-B308-3F4AAEDE361C}"/>
+              </a:ext>
+            </a:extLst>
+          </p:cNvPr>
+          <p:cNvSpPr/>
+          <p:nvPr/>
+        </p:nvSpPr>
+        <p:spPr>
+          <a:xfrm>
+            <a:off x="9194431" y="1088574"/>
+            <a:ext cx="2931886" cy="1428340"/>
+          </a:xfrm>
+          <a:prstGeom prst="rect">
+            <a:avLst/>
+          </a:prstGeom>
+          <a:ln/>
+        </p:spPr>
+        <p:style>
+          <a:lnRef idx="2">
+            <a:schemeClr val="dk1"/>
+          </a:lnRef>
+          <a:fillRef idx="1">
+            <a:schemeClr val="lt1"/>
+          </a:fillRef>
+          <a:effectRef idx="0">
+            <a:schemeClr val="dk1"/>
+          </a:effectRef>
+          <a:fontRef idx="minor">
+            <a:schemeClr val="dk1"/>
+          </a:fontRef>
+        </p:style>
+        <p:txBody>
+          <a:bodyPr lIns="274320" tIns="182880" rIns="274320" bIns="182880" rtlCol="0" anchor="ctr"/>
+          <a:lstStyle/>
+          <a:p>
+            <a:pPr algn="ctr"/>
+            <a:r>
+              <a:rPr lang="en-US" dirty="0">
+                <a:latin typeface="Proxima Nova" charset="0"/>
+                <a:ea typeface="Proxima Nova" charset="0"/>
+                <a:cs typeface="Proxima Nova" charset="0"/>
+              </a:rPr>
+              <a:t>Review3Super</a:t>
+            </a:r>
+          </a:p>
+          <a:p>
+            <a:pPr algn="ctr"/>
+            <a:endParaRPr lang="en-US" dirty="0">
+              <a:latin typeface="Proxima Nova" charset="0"/>
+              <a:ea typeface="Proxima Nova" charset="0"/>
+              <a:cs typeface="Proxima Nova" charset="0"/>
+            </a:endParaRPr>
+          </a:p>
+          <a:p>
+            <a:pPr algn="ctr"/>
+            <a:r>
+              <a:rPr lang="en-US" dirty="0" err="1">
+                <a:latin typeface="Proxima Nova" charset="0"/>
+                <a:ea typeface="Proxima Nova" charset="0"/>
+                <a:cs typeface="Proxima Nova" charset="0"/>
+              </a:rPr>
+              <a:t>getName</a:t>
+            </a:r>
+            <a:r>
+              <a:rPr lang="en-US" dirty="0">
+                <a:latin typeface="Proxima Nova" charset="0"/>
+                <a:ea typeface="Proxima Nova" charset="0"/>
+                <a:cs typeface="Proxima Nova" charset="0"/>
+              </a:rPr>
+              <a:t>() : String</a:t>
+            </a:r>
+          </a:p>
+          <a:p>
+            <a:pPr algn="ctr"/>
+            <a:r>
+              <a:rPr lang="en-US" dirty="0" err="1">
+                <a:latin typeface="Proxima Nova" charset="0"/>
+                <a:ea typeface="Proxima Nova" charset="0"/>
+                <a:cs typeface="Proxima Nova" charset="0"/>
+              </a:rPr>
+              <a:t>setName</a:t>
+            </a:r>
+            <a:r>
+              <a:rPr lang="en-US" dirty="0">
+                <a:latin typeface="Proxima Nova" charset="0"/>
+                <a:ea typeface="Proxima Nova" charset="0"/>
+                <a:cs typeface="Proxima Nova" charset="0"/>
+              </a:rPr>
+              <a:t>() : void</a:t>
+            </a:r>
+          </a:p>
+        </p:txBody>
+      </p:sp>
+      <p:sp>
+        <p:nvSpPr>
+          <p:cNvPr id="5" name="Rectangle 4">
+            <a:extLst>
+              <a:ext uri="{FF2B5EF4-FFF2-40B4-BE49-F238E27FC236}">
+                <a16:creationId xmlns:a16="http://schemas.microsoft.com/office/drawing/2014/main" id="{1F626D41-5291-4748-9AFF-A1EFFF8DB84C}"/>
+              </a:ext>
+            </a:extLst>
+          </p:cNvPr>
+          <p:cNvSpPr/>
+          <p:nvPr/>
+        </p:nvSpPr>
+        <p:spPr>
+          <a:xfrm>
+            <a:off x="8131260" y="3586346"/>
+            <a:ext cx="5058228" cy="1763485"/>
+          </a:xfrm>
+          <a:prstGeom prst="rect">
+            <a:avLst/>
+          </a:prstGeom>
+          <a:ln/>
+        </p:spPr>
+        <p:style>
+          <a:lnRef idx="2">
+            <a:schemeClr val="dk1"/>
+          </a:lnRef>
+          <a:fillRef idx="1">
+            <a:schemeClr val="lt1"/>
+          </a:fillRef>
+          <a:effectRef idx="0">
+            <a:schemeClr val="dk1"/>
+          </a:effectRef>
+          <a:fontRef idx="minor">
+            <a:schemeClr val="dk1"/>
+          </a:fontRef>
+        </p:style>
+        <p:txBody>
+          <a:bodyPr lIns="274320" tIns="182880" rIns="274320" bIns="182880" rtlCol="0" anchor="ctr"/>
+          <a:lstStyle/>
+          <a:p>
+            <a:pPr algn="ctr"/>
+            <a:r>
+              <a:rPr lang="en-US" dirty="0">
+                <a:latin typeface="Proxima Nova" charset="0"/>
+                <a:ea typeface="Proxima Nova" charset="0"/>
+                <a:cs typeface="Proxima Nova" charset="0"/>
+              </a:rPr>
+              <a:t>Review3</a:t>
+            </a:r>
+          </a:p>
+          <a:p>
+            <a:pPr algn="ctr"/>
+            <a:endParaRPr lang="en-US" dirty="0">
+              <a:latin typeface="Proxima Nova" charset="0"/>
+              <a:ea typeface="Proxima Nova" charset="0"/>
+              <a:cs typeface="Proxima Nova" charset="0"/>
+            </a:endParaRPr>
+          </a:p>
+          <a:p>
+            <a:pPr algn="ctr"/>
+            <a:r>
+              <a:rPr lang="en-US" dirty="0">
+                <a:latin typeface="Proxima Nova" charset="0"/>
+                <a:ea typeface="Proxima Nova" charset="0"/>
+                <a:cs typeface="Proxima Nova" charset="0"/>
+              </a:rPr>
+              <a:t>Review3(String name, String[] widgets)</a:t>
+            </a:r>
+          </a:p>
+          <a:p>
+            <a:pPr algn="ctr"/>
+            <a:r>
+              <a:rPr lang="en-US" dirty="0" err="1">
+                <a:latin typeface="Proxima Nova" charset="0"/>
+                <a:ea typeface="Proxima Nova" charset="0"/>
+                <a:cs typeface="Proxima Nova" charset="0"/>
+              </a:rPr>
+              <a:t>getWidget</a:t>
+            </a:r>
+            <a:r>
+              <a:rPr lang="en-US" dirty="0">
+                <a:latin typeface="Proxima Nova" charset="0"/>
+                <a:ea typeface="Proxima Nova" charset="0"/>
+                <a:cs typeface="Proxima Nova" charset="0"/>
+              </a:rPr>
+              <a:t>(int ID) : String</a:t>
+            </a:r>
+          </a:p>
+        </p:txBody>
+      </p:sp>
+      <p:cxnSp>
+        <p:nvCxnSpPr>
+          <p:cNvPr id="7" name="Straight Arrow Connector 6">
+            <a:extLst>
+              <a:ext uri="{FF2B5EF4-FFF2-40B4-BE49-F238E27FC236}">
+                <a16:creationId xmlns:a16="http://schemas.microsoft.com/office/drawing/2014/main" id="{86C1FF03-5848-4495-A380-F2BA56C1D513}"/>
+              </a:ext>
+            </a:extLst>
+          </p:cNvPr>
+          <p:cNvCxnSpPr>
+            <a:stCxn id="5" idx="0"/>
+            <a:endCxn id="4" idx="2"/>
+          </p:cNvCxnSpPr>
+          <p:nvPr/>
+        </p:nvCxnSpPr>
+        <p:spPr>
+          <a:xfrm flipV="1">
+            <a:off x="10660374" y="2516914"/>
+            <a:ext cx="0" cy="1069432"/>
+          </a:xfrm>
+          <a:prstGeom prst="straightConnector1">
+            <a:avLst/>
+          </a:prstGeom>
+          <a:ln>
+            <a:tailEnd type="triangle"/>
+          </a:ln>
+        </p:spPr>
+        <p:style>
+          <a:lnRef idx="2">
+            <a:schemeClr val="accent1"/>
+          </a:lnRef>
+          <a:fillRef idx="0">
+            <a:schemeClr val="accent1"/>
+          </a:fillRef>
+          <a:effectRef idx="1">
+            <a:schemeClr val="accent1"/>
+          </a:effectRef>
+          <a:fontRef idx="minor">
+            <a:schemeClr val="tx1"/>
+          </a:fontRef>
+        </p:style>
+      </p:cxnSp>
+      <p:sp>
+        <p:nvSpPr>
+          <p:cNvPr id="9" name="TextBox 8">
+            <a:extLst>
+              <a:ext uri="{FF2B5EF4-FFF2-40B4-BE49-F238E27FC236}">
+                <a16:creationId xmlns:a16="http://schemas.microsoft.com/office/drawing/2014/main" id="{9CEA6552-2FF1-4A8A-B0EA-5C827369D7B3}"/>
+              </a:ext>
+            </a:extLst>
+          </p:cNvPr>
+          <p:cNvSpPr txBox="1"/>
+          <p:nvPr/>
+        </p:nvSpPr>
+        <p:spPr>
+          <a:xfrm>
+            <a:off x="9310914" y="2913048"/>
+            <a:ext cx="1727200" cy="400110"/>
+          </a:xfrm>
+          <a:prstGeom prst="rect">
+            <a:avLst/>
+          </a:prstGeom>
+          <a:noFill/>
+        </p:spPr>
+        <p:txBody>
+          <a:bodyPr wrap="square" rtlCol="0">
+            <a:spAutoFit/>
+          </a:bodyPr>
+          <a:lstStyle/>
+          <a:p>
+            <a:r>
+              <a:rPr lang="en-US" dirty="0"/>
+              <a:t>Extends!</a:t>
+            </a:r>
+          </a:p>
+        </p:txBody>
+      </p:sp>
+    </p:spTree>
+    <p:extLst>
+      <p:ext uri="{BB962C8B-B14F-4D97-AF65-F5344CB8AC3E}">
+        <p14:creationId xmlns:p14="http://schemas.microsoft.com/office/powerpoint/2010/main" val="877191409"/>
+      </p:ext>
+    </p:extLst>
+  </p:cSld>
+  <p:clrMapOvr>
+    <a:masterClrMapping/>
+  </p:clrMapOvr>
+  <p:transition>
+    <p:fade/>
+  </p:transition>
+</p:sld>
+</file>
+
+<file path=ppt/slides/slide14.xml><?xml version="1.0" encoding="utf-8"?>
+<p:sld xmlns:a="http://schemas.openxmlformats.org/drawingml/2006/main" xmlns:r="http://schemas.openxmlformats.org/officeDocument/2006/relationships" xmlns:p="http://schemas.openxmlformats.org/presentationml/2006/main">
+  <p:cSld>
+    <p:spTree>
+      <p:nvGrpSpPr>
+        <p:cNvPr id="1" name=""/>
+        <p:cNvGrpSpPr/>
+        <p:nvPr/>
+      </p:nvGrpSpPr>
+      <p:grpSpPr>
+        <a:xfrm>
+          <a:off x="0" y="0"/>
+          <a:ext cx="0" cy="0"/>
+          <a:chOff x="0" y="0"/>
+          <a:chExt cx="0" cy="0"/>
+        </a:xfrm>
+      </p:grpSpPr>
+      <p:sp>
+        <p:nvSpPr>
+          <p:cNvPr id="2" name="Title 1">
+            <a:extLst>
+              <a:ext uri="{FF2B5EF4-FFF2-40B4-BE49-F238E27FC236}">
+                <a16:creationId xmlns:a16="http://schemas.microsoft.com/office/drawing/2014/main" id="{08E71904-992B-43AF-9BD4-8F25B55E52E9}"/>
+              </a:ext>
+            </a:extLst>
+          </p:cNvPr>
+          <p:cNvSpPr>
+            <a:spLocks noGrp="1"/>
+          </p:cNvSpPr>
+          <p:nvPr>
+            <p:ph type="title"/>
+          </p:nvPr>
+        </p:nvSpPr>
+        <p:spPr/>
+        <p:txBody>
+          <a:bodyPr/>
+          <a:lstStyle/>
+          <a:p>
+            <a:r>
+              <a:rPr lang="en-US" dirty="0" err="1"/>
+              <a:t>ArrayList</a:t>
+            </a:r>
+            <a:endParaRPr lang="en-US" dirty="0"/>
+          </a:p>
+        </p:txBody>
+      </p:sp>
+      <p:sp>
+        <p:nvSpPr>
+          <p:cNvPr id="3" name="Text Placeholder 2">
+            <a:extLst>
+              <a:ext uri="{FF2B5EF4-FFF2-40B4-BE49-F238E27FC236}">
+                <a16:creationId xmlns:a16="http://schemas.microsoft.com/office/drawing/2014/main" id="{70F11F0A-ED28-4FB1-B36F-7EA013D07B4D}"/>
+              </a:ext>
+            </a:extLst>
+          </p:cNvPr>
+          <p:cNvSpPr>
+            <a:spLocks noGrp="1"/>
+          </p:cNvSpPr>
+          <p:nvPr>
+            <p:ph type="body" idx="1"/>
+          </p:nvPr>
+        </p:nvSpPr>
+        <p:spPr>
+          <a:xfrm>
+            <a:off x="628076" y="2487882"/>
+            <a:ext cx="6106554" cy="4000003"/>
+          </a:xfrm>
+        </p:spPr>
+        <p:txBody>
+          <a:bodyPr/>
+          <a:lstStyle/>
+          <a:p>
+            <a:r>
+              <a:rPr lang="en-US" dirty="0"/>
+              <a:t>Arrays are great when – you know exact size!</a:t>
+            </a:r>
+          </a:p>
+          <a:p>
+            <a:r>
+              <a:rPr lang="en-US" dirty="0"/>
+              <a:t>But what if you don’t know exact size?</a:t>
+            </a:r>
+          </a:p>
+          <a:p>
+            <a:r>
+              <a:rPr lang="en-US" dirty="0"/>
+              <a:t>Use </a:t>
+            </a:r>
+            <a:r>
+              <a:rPr lang="en-US" dirty="0" err="1"/>
+              <a:t>ArrayList</a:t>
+            </a:r>
+            <a:r>
+              <a:rPr lang="en-US" dirty="0"/>
+              <a:t>!</a:t>
+            </a:r>
+          </a:p>
+          <a:p>
+            <a:pPr lvl="1"/>
+            <a:r>
+              <a:rPr lang="en-US" dirty="0"/>
+              <a:t>Build a list (need to specify type in &lt;&gt;)</a:t>
+            </a:r>
+          </a:p>
+          <a:p>
+            <a:pPr lvl="1"/>
+            <a:r>
+              <a:rPr lang="en-US" dirty="0"/>
+              <a:t>You can add to a list using </a:t>
+            </a:r>
+            <a:r>
+              <a:rPr lang="en-US" b="1" dirty="0"/>
+              <a:t>.add</a:t>
+            </a:r>
+            <a:endParaRPr lang="en-US" dirty="0"/>
+          </a:p>
+          <a:p>
+            <a:pPr lvl="1"/>
+            <a:r>
+              <a:rPr lang="en-US" dirty="0"/>
+              <a:t>you can remove to the list </a:t>
+            </a:r>
+            <a:r>
+              <a:rPr lang="en-US" b="1" dirty="0"/>
+              <a:t>.remove</a:t>
+            </a:r>
+            <a:endParaRPr lang="en-US" dirty="0"/>
+          </a:p>
+          <a:p>
+            <a:pPr lvl="1"/>
+            <a:r>
+              <a:rPr lang="en-US" dirty="0"/>
+              <a:t>You can access specific spots in the list </a:t>
+            </a:r>
+            <a:r>
+              <a:rPr lang="en-US" b="1" dirty="0"/>
+              <a:t>.get</a:t>
+            </a:r>
+            <a:endParaRPr lang="en-US" dirty="0"/>
+          </a:p>
+        </p:txBody>
+      </p:sp>
+      <p:sp>
+        <p:nvSpPr>
+          <p:cNvPr id="5" name="TextBox 4">
+            <a:extLst>
+              <a:ext uri="{FF2B5EF4-FFF2-40B4-BE49-F238E27FC236}">
+                <a16:creationId xmlns:a16="http://schemas.microsoft.com/office/drawing/2014/main" id="{A9C5BA38-A893-494D-86B5-38E4A582A641}"/>
+              </a:ext>
+            </a:extLst>
+          </p:cNvPr>
+          <p:cNvSpPr txBox="1"/>
+          <p:nvPr/>
+        </p:nvSpPr>
+        <p:spPr>
+          <a:xfrm>
+            <a:off x="6531428" y="4613749"/>
+            <a:ext cx="7184572" cy="2554545"/>
+          </a:xfrm>
+          <a:prstGeom prst="rect">
+            <a:avLst/>
+          </a:prstGeom>
+          <a:noFill/>
+          <a:ln>
+            <a:solidFill>
+              <a:schemeClr val="accent5"/>
+            </a:solidFill>
+          </a:ln>
+        </p:spPr>
+        <p:txBody>
+          <a:bodyPr wrap="square">
+            <a:spAutoFit/>
+          </a:bodyPr>
+          <a:lstStyle/>
+          <a:p>
+            <a:r>
+              <a:rPr lang="en-US" b="1" dirty="0" err="1">
+                <a:solidFill>
+                  <a:srgbClr val="268BD2"/>
+                </a:solidFill>
+                <a:effectLst/>
+                <a:latin typeface="Consolas" panose="020B0609020204030204" pitchFamily="49" charset="0"/>
+              </a:rPr>
+              <a:t>ArrayList</a:t>
+            </a:r>
+            <a:r>
+              <a:rPr lang="en-US" b="0" dirty="0">
+                <a:solidFill>
+                  <a:srgbClr val="333333"/>
+                </a:solidFill>
+                <a:effectLst/>
+                <a:latin typeface="Consolas" panose="020B0609020204030204" pitchFamily="49" charset="0"/>
+              </a:rPr>
+              <a:t>&lt;</a:t>
+            </a:r>
+            <a:r>
+              <a:rPr lang="en-US" b="1" dirty="0">
+                <a:solidFill>
+                  <a:srgbClr val="268BD2"/>
+                </a:solidFill>
+                <a:effectLst/>
+                <a:latin typeface="Consolas" panose="020B0609020204030204" pitchFamily="49" charset="0"/>
+              </a:rPr>
+              <a:t>Review3Super</a:t>
+            </a:r>
+            <a:r>
+              <a:rPr lang="en-US" b="0" dirty="0">
+                <a:solidFill>
+                  <a:srgbClr val="333333"/>
+                </a:solidFill>
+                <a:effectLst/>
+                <a:latin typeface="Consolas" panose="020B0609020204030204" pitchFamily="49" charset="0"/>
+              </a:rPr>
+              <a:t>&gt; </a:t>
+            </a:r>
+            <a:r>
+              <a:rPr lang="en-US" b="0" dirty="0">
+                <a:solidFill>
+                  <a:srgbClr val="268BD2"/>
+                </a:solidFill>
+                <a:effectLst/>
+                <a:latin typeface="Consolas" panose="020B0609020204030204" pitchFamily="49" charset="0"/>
+              </a:rPr>
+              <a:t>list</a:t>
+            </a:r>
+            <a:r>
+              <a:rPr lang="en-US" b="0" dirty="0">
+                <a:solidFill>
+                  <a:srgbClr val="333333"/>
+                </a:solidFill>
+                <a:effectLst/>
+                <a:latin typeface="Consolas" panose="020B0609020204030204" pitchFamily="49" charset="0"/>
+              </a:rPr>
+              <a:t> </a:t>
+            </a:r>
+            <a:r>
+              <a:rPr lang="en-US" b="0" dirty="0">
+                <a:solidFill>
+                  <a:srgbClr val="859900"/>
+                </a:solidFill>
+                <a:effectLst/>
+                <a:latin typeface="Consolas" panose="020B0609020204030204" pitchFamily="49" charset="0"/>
+              </a:rPr>
+              <a:t>=</a:t>
+            </a:r>
+            <a:r>
+              <a:rPr lang="en-US" b="0" dirty="0">
+                <a:solidFill>
+                  <a:srgbClr val="333333"/>
+                </a:solidFill>
+                <a:effectLst/>
+                <a:latin typeface="Consolas" panose="020B0609020204030204" pitchFamily="49" charset="0"/>
+              </a:rPr>
+              <a:t> </a:t>
+            </a:r>
+            <a:r>
+              <a:rPr lang="en-US" b="0" dirty="0">
+                <a:solidFill>
+                  <a:srgbClr val="859900"/>
+                </a:solidFill>
+                <a:effectLst/>
+                <a:latin typeface="Consolas" panose="020B0609020204030204" pitchFamily="49" charset="0"/>
+              </a:rPr>
+              <a:t>new</a:t>
+            </a:r>
+            <a:r>
+              <a:rPr lang="en-US" b="0" dirty="0">
+                <a:solidFill>
+                  <a:srgbClr val="333333"/>
+                </a:solidFill>
+                <a:effectLst/>
+                <a:latin typeface="Consolas" panose="020B0609020204030204" pitchFamily="49" charset="0"/>
+              </a:rPr>
+              <a:t> </a:t>
+            </a:r>
+            <a:r>
+              <a:rPr lang="en-US" b="1" dirty="0" err="1">
+                <a:solidFill>
+                  <a:srgbClr val="268BD2"/>
+                </a:solidFill>
+                <a:effectLst/>
+                <a:latin typeface="Consolas" panose="020B0609020204030204" pitchFamily="49" charset="0"/>
+              </a:rPr>
+              <a:t>ArrayList</a:t>
+            </a:r>
+            <a:r>
+              <a:rPr lang="en-US" b="0" dirty="0">
+                <a:solidFill>
+                  <a:srgbClr val="333333"/>
+                </a:solidFill>
+                <a:effectLst/>
+                <a:latin typeface="Consolas" panose="020B0609020204030204" pitchFamily="49" charset="0"/>
+              </a:rPr>
+              <a:t>&lt;&gt;();</a:t>
+            </a:r>
+          </a:p>
+          <a:p>
+            <a:r>
+              <a:rPr lang="en-US" b="0" dirty="0" err="1">
+                <a:solidFill>
+                  <a:srgbClr val="268BD2"/>
+                </a:solidFill>
+                <a:effectLst/>
+                <a:latin typeface="Consolas" panose="020B0609020204030204" pitchFamily="49" charset="0"/>
+              </a:rPr>
+              <a:t>list</a:t>
+            </a:r>
+            <a:r>
+              <a:rPr lang="en-US" b="0" dirty="0" err="1">
+                <a:solidFill>
+                  <a:srgbClr val="333333"/>
+                </a:solidFill>
+                <a:effectLst/>
+                <a:latin typeface="Consolas" panose="020B0609020204030204" pitchFamily="49" charset="0"/>
+              </a:rPr>
+              <a:t>.</a:t>
+            </a:r>
+            <a:r>
+              <a:rPr lang="en-US" b="0" dirty="0" err="1">
+                <a:solidFill>
+                  <a:srgbClr val="268BD2"/>
+                </a:solidFill>
+                <a:effectLst/>
+                <a:latin typeface="Consolas" panose="020B0609020204030204" pitchFamily="49" charset="0"/>
+              </a:rPr>
+              <a:t>add</a:t>
+            </a:r>
+            <a:r>
+              <a:rPr lang="en-US" b="0" dirty="0">
+                <a:solidFill>
+                  <a:srgbClr val="333333"/>
+                </a:solidFill>
+                <a:effectLst/>
+                <a:latin typeface="Consolas" panose="020B0609020204030204" pitchFamily="49" charset="0"/>
+              </a:rPr>
+              <a:t>(</a:t>
+            </a:r>
+            <a:r>
+              <a:rPr lang="en-US" b="0" dirty="0">
+                <a:solidFill>
+                  <a:srgbClr val="268BD2"/>
+                </a:solidFill>
+                <a:effectLst/>
+                <a:latin typeface="Consolas" panose="020B0609020204030204" pitchFamily="49" charset="0"/>
+              </a:rPr>
+              <a:t>one</a:t>
+            </a:r>
+            <a:r>
+              <a:rPr lang="en-US" b="0" dirty="0">
+                <a:solidFill>
+                  <a:srgbClr val="333333"/>
+                </a:solidFill>
+                <a:effectLst/>
+                <a:latin typeface="Consolas" panose="020B0609020204030204" pitchFamily="49" charset="0"/>
+              </a:rPr>
+              <a:t>);</a:t>
+            </a:r>
+          </a:p>
+          <a:p>
+            <a:r>
+              <a:rPr lang="en-US" b="0" dirty="0" err="1">
+                <a:solidFill>
+                  <a:srgbClr val="268BD2"/>
+                </a:solidFill>
+                <a:effectLst/>
+                <a:latin typeface="Consolas" panose="020B0609020204030204" pitchFamily="49" charset="0"/>
+              </a:rPr>
+              <a:t>list</a:t>
+            </a:r>
+            <a:r>
+              <a:rPr lang="en-US" b="0" dirty="0" err="1">
+                <a:solidFill>
+                  <a:srgbClr val="333333"/>
+                </a:solidFill>
+                <a:effectLst/>
+                <a:latin typeface="Consolas" panose="020B0609020204030204" pitchFamily="49" charset="0"/>
+              </a:rPr>
+              <a:t>.</a:t>
+            </a:r>
+            <a:r>
+              <a:rPr lang="en-US" b="0" dirty="0" err="1">
+                <a:solidFill>
+                  <a:srgbClr val="268BD2"/>
+                </a:solidFill>
+                <a:effectLst/>
+                <a:latin typeface="Consolas" panose="020B0609020204030204" pitchFamily="49" charset="0"/>
+              </a:rPr>
+              <a:t>add</a:t>
+            </a:r>
+            <a:r>
+              <a:rPr lang="en-US" b="0" dirty="0">
+                <a:solidFill>
+                  <a:srgbClr val="333333"/>
+                </a:solidFill>
+                <a:effectLst/>
+                <a:latin typeface="Consolas" panose="020B0609020204030204" pitchFamily="49" charset="0"/>
+              </a:rPr>
+              <a:t>(</a:t>
+            </a:r>
+            <a:r>
+              <a:rPr lang="en-US" b="0" dirty="0">
+                <a:solidFill>
+                  <a:srgbClr val="268BD2"/>
+                </a:solidFill>
+                <a:effectLst/>
+                <a:latin typeface="Consolas" panose="020B0609020204030204" pitchFamily="49" charset="0"/>
+              </a:rPr>
+              <a:t>two</a:t>
+            </a:r>
+            <a:r>
+              <a:rPr lang="en-US" b="0" dirty="0">
+                <a:solidFill>
+                  <a:srgbClr val="333333"/>
+                </a:solidFill>
+                <a:effectLst/>
+                <a:latin typeface="Consolas" panose="020B0609020204030204" pitchFamily="49" charset="0"/>
+              </a:rPr>
+              <a:t>);</a:t>
+            </a:r>
+          </a:p>
+          <a:p>
+            <a:r>
+              <a:rPr lang="en-US" b="0" dirty="0" err="1">
+                <a:solidFill>
+                  <a:srgbClr val="268BD2"/>
+                </a:solidFill>
+                <a:effectLst/>
+                <a:latin typeface="Consolas" panose="020B0609020204030204" pitchFamily="49" charset="0"/>
+              </a:rPr>
+              <a:t>System</a:t>
+            </a:r>
+            <a:r>
+              <a:rPr lang="en-US" b="0" dirty="0" err="1">
+                <a:solidFill>
+                  <a:srgbClr val="333333"/>
+                </a:solidFill>
+                <a:effectLst/>
+                <a:latin typeface="Consolas" panose="020B0609020204030204" pitchFamily="49" charset="0"/>
+              </a:rPr>
+              <a:t>.</a:t>
+            </a:r>
+            <a:r>
+              <a:rPr lang="en-US" b="0" dirty="0" err="1">
+                <a:solidFill>
+                  <a:srgbClr val="268BD2"/>
+                </a:solidFill>
+                <a:effectLst/>
+                <a:latin typeface="Consolas" panose="020B0609020204030204" pitchFamily="49" charset="0"/>
+              </a:rPr>
+              <a:t>out</a:t>
+            </a:r>
+            <a:r>
+              <a:rPr lang="en-US" b="0" dirty="0" err="1">
+                <a:solidFill>
+                  <a:srgbClr val="333333"/>
+                </a:solidFill>
+                <a:effectLst/>
+                <a:latin typeface="Consolas" panose="020B0609020204030204" pitchFamily="49" charset="0"/>
+              </a:rPr>
+              <a:t>.</a:t>
+            </a:r>
+            <a:r>
+              <a:rPr lang="en-US" b="0" dirty="0" err="1">
+                <a:solidFill>
+                  <a:srgbClr val="268BD2"/>
+                </a:solidFill>
+                <a:effectLst/>
+                <a:latin typeface="Consolas" panose="020B0609020204030204" pitchFamily="49" charset="0"/>
+              </a:rPr>
+              <a:t>println</a:t>
+            </a:r>
+            <a:r>
+              <a:rPr lang="en-US" b="0" dirty="0">
+                <a:solidFill>
+                  <a:srgbClr val="333333"/>
+                </a:solidFill>
+                <a:effectLst/>
+                <a:latin typeface="Consolas" panose="020B0609020204030204" pitchFamily="49" charset="0"/>
+              </a:rPr>
+              <a:t>(</a:t>
+            </a:r>
+            <a:r>
+              <a:rPr lang="en-US" b="0" dirty="0">
+                <a:solidFill>
+                  <a:srgbClr val="268BD2"/>
+                </a:solidFill>
+                <a:effectLst/>
+                <a:latin typeface="Consolas" panose="020B0609020204030204" pitchFamily="49" charset="0"/>
+              </a:rPr>
+              <a:t>list</a:t>
+            </a:r>
+            <a:r>
+              <a:rPr lang="en-US" b="0" dirty="0">
+                <a:solidFill>
+                  <a:srgbClr val="333333"/>
+                </a:solidFill>
+                <a:effectLst/>
+                <a:latin typeface="Consolas" panose="020B0609020204030204" pitchFamily="49" charset="0"/>
+              </a:rPr>
+              <a:t>);</a:t>
+            </a:r>
+          </a:p>
+          <a:p>
+            <a:r>
+              <a:rPr lang="en-US" b="0" dirty="0" err="1">
+                <a:solidFill>
+                  <a:srgbClr val="268BD2"/>
+                </a:solidFill>
+                <a:effectLst/>
+                <a:latin typeface="Consolas" panose="020B0609020204030204" pitchFamily="49" charset="0"/>
+              </a:rPr>
+              <a:t>list</a:t>
+            </a:r>
+            <a:r>
+              <a:rPr lang="en-US" b="0" dirty="0" err="1">
+                <a:solidFill>
+                  <a:srgbClr val="333333"/>
+                </a:solidFill>
+                <a:effectLst/>
+                <a:latin typeface="Consolas" panose="020B0609020204030204" pitchFamily="49" charset="0"/>
+              </a:rPr>
+              <a:t>.</a:t>
+            </a:r>
+            <a:r>
+              <a:rPr lang="en-US" b="0" dirty="0" err="1">
+                <a:solidFill>
+                  <a:srgbClr val="268BD2"/>
+                </a:solidFill>
+                <a:effectLst/>
+                <a:latin typeface="Consolas" panose="020B0609020204030204" pitchFamily="49" charset="0"/>
+              </a:rPr>
+              <a:t>remove</a:t>
+            </a:r>
+            <a:r>
+              <a:rPr lang="en-US" b="0" dirty="0">
+                <a:solidFill>
+                  <a:srgbClr val="333333"/>
+                </a:solidFill>
+                <a:effectLst/>
+                <a:latin typeface="Consolas" panose="020B0609020204030204" pitchFamily="49" charset="0"/>
+              </a:rPr>
+              <a:t>(</a:t>
+            </a:r>
+            <a:r>
+              <a:rPr lang="en-US" b="0" dirty="0">
+                <a:solidFill>
+                  <a:srgbClr val="D33682"/>
+                </a:solidFill>
+                <a:effectLst/>
+                <a:latin typeface="Consolas" panose="020B0609020204030204" pitchFamily="49" charset="0"/>
+              </a:rPr>
+              <a:t>0</a:t>
+            </a:r>
+            <a:r>
+              <a:rPr lang="en-US" b="0" dirty="0">
+                <a:solidFill>
+                  <a:srgbClr val="333333"/>
+                </a:solidFill>
+                <a:effectLst/>
+                <a:latin typeface="Consolas" panose="020B0609020204030204" pitchFamily="49" charset="0"/>
+              </a:rPr>
+              <a:t>);</a:t>
+            </a:r>
+          </a:p>
+          <a:p>
+            <a:r>
+              <a:rPr lang="en-US" b="0" dirty="0" err="1">
+                <a:solidFill>
+                  <a:srgbClr val="268BD2"/>
+                </a:solidFill>
+                <a:effectLst/>
+                <a:latin typeface="Consolas" panose="020B0609020204030204" pitchFamily="49" charset="0"/>
+              </a:rPr>
+              <a:t>System</a:t>
+            </a:r>
+            <a:r>
+              <a:rPr lang="en-US" b="0" dirty="0" err="1">
+                <a:solidFill>
+                  <a:srgbClr val="333333"/>
+                </a:solidFill>
+                <a:effectLst/>
+                <a:latin typeface="Consolas" panose="020B0609020204030204" pitchFamily="49" charset="0"/>
+              </a:rPr>
+              <a:t>.</a:t>
+            </a:r>
+            <a:r>
+              <a:rPr lang="en-US" b="0" dirty="0" err="1">
+                <a:solidFill>
+                  <a:srgbClr val="268BD2"/>
+                </a:solidFill>
+                <a:effectLst/>
+                <a:latin typeface="Consolas" panose="020B0609020204030204" pitchFamily="49" charset="0"/>
+              </a:rPr>
+              <a:t>out</a:t>
+            </a:r>
+            <a:r>
+              <a:rPr lang="en-US" b="0" dirty="0" err="1">
+                <a:solidFill>
+                  <a:srgbClr val="333333"/>
+                </a:solidFill>
+                <a:effectLst/>
+                <a:latin typeface="Consolas" panose="020B0609020204030204" pitchFamily="49" charset="0"/>
+              </a:rPr>
+              <a:t>.</a:t>
+            </a:r>
+            <a:r>
+              <a:rPr lang="en-US" b="0" dirty="0" err="1">
+                <a:solidFill>
+                  <a:srgbClr val="268BD2"/>
+                </a:solidFill>
+                <a:effectLst/>
+                <a:latin typeface="Consolas" panose="020B0609020204030204" pitchFamily="49" charset="0"/>
+              </a:rPr>
+              <a:t>println</a:t>
+            </a:r>
+            <a:r>
+              <a:rPr lang="en-US" b="0" dirty="0">
+                <a:solidFill>
+                  <a:srgbClr val="333333"/>
+                </a:solidFill>
+                <a:effectLst/>
+                <a:latin typeface="Consolas" panose="020B0609020204030204" pitchFamily="49" charset="0"/>
+              </a:rPr>
+              <a:t>(</a:t>
+            </a:r>
+            <a:r>
+              <a:rPr lang="en-US" b="0" dirty="0">
+                <a:solidFill>
+                  <a:srgbClr val="268BD2"/>
+                </a:solidFill>
+                <a:effectLst/>
+                <a:latin typeface="Consolas" panose="020B0609020204030204" pitchFamily="49" charset="0"/>
+              </a:rPr>
+              <a:t>list</a:t>
+            </a:r>
+            <a:r>
+              <a:rPr lang="en-US" b="0" dirty="0">
+                <a:solidFill>
+                  <a:srgbClr val="333333"/>
+                </a:solidFill>
+                <a:effectLst/>
+                <a:latin typeface="Consolas" panose="020B0609020204030204" pitchFamily="49" charset="0"/>
+              </a:rPr>
+              <a:t>);</a:t>
+            </a:r>
+          </a:p>
+          <a:p>
+            <a:r>
+              <a:rPr lang="en-US" b="0" dirty="0" err="1">
+                <a:solidFill>
+                  <a:srgbClr val="268BD2"/>
+                </a:solidFill>
+                <a:effectLst/>
+                <a:latin typeface="Consolas" panose="020B0609020204030204" pitchFamily="49" charset="0"/>
+              </a:rPr>
+              <a:t>list</a:t>
+            </a:r>
+            <a:r>
+              <a:rPr lang="en-US" b="0" dirty="0" err="1">
+                <a:solidFill>
+                  <a:srgbClr val="333333"/>
+                </a:solidFill>
+                <a:effectLst/>
+                <a:latin typeface="Consolas" panose="020B0609020204030204" pitchFamily="49" charset="0"/>
+              </a:rPr>
+              <a:t>.</a:t>
+            </a:r>
+            <a:r>
+              <a:rPr lang="en-US" b="0" dirty="0" err="1">
+                <a:solidFill>
+                  <a:srgbClr val="268BD2"/>
+                </a:solidFill>
+                <a:effectLst/>
+                <a:latin typeface="Consolas" panose="020B0609020204030204" pitchFamily="49" charset="0"/>
+              </a:rPr>
+              <a:t>add</a:t>
+            </a:r>
+            <a:r>
+              <a:rPr lang="en-US" b="0" dirty="0">
+                <a:solidFill>
+                  <a:srgbClr val="333333"/>
+                </a:solidFill>
+                <a:effectLst/>
+                <a:latin typeface="Consolas" panose="020B0609020204030204" pitchFamily="49" charset="0"/>
+              </a:rPr>
+              <a:t>(</a:t>
+            </a:r>
+            <a:r>
+              <a:rPr lang="en-US" b="0" dirty="0">
+                <a:solidFill>
+                  <a:srgbClr val="D33682"/>
+                </a:solidFill>
+                <a:effectLst/>
+                <a:latin typeface="Consolas" panose="020B0609020204030204" pitchFamily="49" charset="0"/>
+              </a:rPr>
+              <a:t>0</a:t>
+            </a:r>
+            <a:r>
+              <a:rPr lang="en-US" b="0" dirty="0">
+                <a:solidFill>
+                  <a:srgbClr val="333333"/>
+                </a:solidFill>
+                <a:effectLst/>
+                <a:latin typeface="Consolas" panose="020B0609020204030204" pitchFamily="49" charset="0"/>
+              </a:rPr>
+              <a:t>, </a:t>
+            </a:r>
+            <a:r>
+              <a:rPr lang="en-US" b="0" dirty="0">
+                <a:solidFill>
+                  <a:srgbClr val="268BD2"/>
+                </a:solidFill>
+                <a:effectLst/>
+                <a:latin typeface="Consolas" panose="020B0609020204030204" pitchFamily="49" charset="0"/>
+              </a:rPr>
+              <a:t>one</a:t>
+            </a:r>
+            <a:r>
+              <a:rPr lang="en-US" b="0" dirty="0">
+                <a:solidFill>
+                  <a:srgbClr val="333333"/>
+                </a:solidFill>
+                <a:effectLst/>
+                <a:latin typeface="Consolas" panose="020B0609020204030204" pitchFamily="49" charset="0"/>
+              </a:rPr>
+              <a:t>);</a:t>
+            </a:r>
+          </a:p>
+          <a:p>
+            <a:r>
+              <a:rPr lang="en-US" b="0" dirty="0" err="1">
+                <a:solidFill>
+                  <a:srgbClr val="268BD2"/>
+                </a:solidFill>
+                <a:effectLst/>
+                <a:latin typeface="Consolas" panose="020B0609020204030204" pitchFamily="49" charset="0"/>
+              </a:rPr>
+              <a:t>System</a:t>
+            </a:r>
+            <a:r>
+              <a:rPr lang="en-US" b="0" dirty="0" err="1">
+                <a:solidFill>
+                  <a:srgbClr val="333333"/>
+                </a:solidFill>
+                <a:effectLst/>
+                <a:latin typeface="Consolas" panose="020B0609020204030204" pitchFamily="49" charset="0"/>
+              </a:rPr>
+              <a:t>.</a:t>
+            </a:r>
+            <a:r>
+              <a:rPr lang="en-US" b="0" dirty="0" err="1">
+                <a:solidFill>
+                  <a:srgbClr val="268BD2"/>
+                </a:solidFill>
+                <a:effectLst/>
+                <a:latin typeface="Consolas" panose="020B0609020204030204" pitchFamily="49" charset="0"/>
+              </a:rPr>
+              <a:t>out</a:t>
+            </a:r>
+            <a:r>
+              <a:rPr lang="en-US" b="0" dirty="0" err="1">
+                <a:solidFill>
+                  <a:srgbClr val="333333"/>
+                </a:solidFill>
+                <a:effectLst/>
+                <a:latin typeface="Consolas" panose="020B0609020204030204" pitchFamily="49" charset="0"/>
+              </a:rPr>
+              <a:t>.</a:t>
+            </a:r>
+            <a:r>
+              <a:rPr lang="en-US" b="0" dirty="0" err="1">
+                <a:solidFill>
+                  <a:srgbClr val="268BD2"/>
+                </a:solidFill>
+                <a:effectLst/>
+                <a:latin typeface="Consolas" panose="020B0609020204030204" pitchFamily="49" charset="0"/>
+              </a:rPr>
+              <a:t>println</a:t>
+            </a:r>
+            <a:r>
+              <a:rPr lang="en-US" b="0" dirty="0">
+                <a:solidFill>
+                  <a:srgbClr val="333333"/>
+                </a:solidFill>
+                <a:effectLst/>
+                <a:latin typeface="Consolas" panose="020B0609020204030204" pitchFamily="49" charset="0"/>
+              </a:rPr>
+              <a:t>(</a:t>
+            </a:r>
+            <a:r>
+              <a:rPr lang="en-US" b="0" dirty="0">
+                <a:solidFill>
+                  <a:srgbClr val="268BD2"/>
+                </a:solidFill>
+                <a:effectLst/>
+                <a:latin typeface="Consolas" panose="020B0609020204030204" pitchFamily="49" charset="0"/>
+              </a:rPr>
+              <a:t>list</a:t>
+            </a:r>
+            <a:r>
+              <a:rPr lang="en-US" b="0" dirty="0">
+                <a:solidFill>
+                  <a:srgbClr val="333333"/>
+                </a:solidFill>
+                <a:effectLst/>
+                <a:latin typeface="Consolas" panose="020B0609020204030204" pitchFamily="49" charset="0"/>
+              </a:rPr>
+              <a:t>);</a:t>
+            </a:r>
+          </a:p>
+        </p:txBody>
+      </p:sp>
+    </p:spTree>
+    <p:extLst>
+      <p:ext uri="{BB962C8B-B14F-4D97-AF65-F5344CB8AC3E}">
+        <p14:creationId xmlns:p14="http://schemas.microsoft.com/office/powerpoint/2010/main" val="1536049086"/>
+      </p:ext>
+    </p:extLst>
+  </p:cSld>
+  <p:clrMapOvr>
+    <a:masterClrMapping/>
+  </p:clrMapOvr>
+  <p:transition>
+    <p:fade/>
+  </p:transition>
+</p:sld>
+</file>
+
+<file path=ppt/slides/slide15.xml><?xml version="1.0" encoding="utf-8"?>
 <p:sld xmlns:a="http://schemas.openxmlformats.org/drawingml/2006/main" xmlns:r="http://schemas.openxmlformats.org/officeDocument/2006/relationships" xmlns:p="http://schemas.openxmlformats.org/presentationml/2006/main">
   <p:cSld>
     <p:spTree>
@@ -10149,9 +14769,10 @@
           <a:lstStyle/>
           <a:p>
             <a:r>
-              <a:rPr lang="en-US" dirty="0"/>
-              <a:t>Inheritance</a:t>
-            </a:r>
+              <a:rPr lang="en-US"/>
+              <a:t>More practice</a:t>
+            </a:r>
+            <a:endParaRPr lang="en-US" dirty="0"/>
           </a:p>
         </p:txBody>
       </p:sp>
@@ -11460,7 +16081,7 @@
 </file>
 
 <file path=ppt/slides/slide3.xml><?xml version="1.0" encoding="utf-8"?>
-<p:sld xmlns:a="http://schemas.openxmlformats.org/drawingml/2006/main" xmlns:r="http://schemas.openxmlformats.org/officeDocument/2006/relationships" xmlns:p="http://schemas.openxmlformats.org/presentationml/2006/main">
+<p:sld xmlns:a="http://schemas.openxmlformats.org/drawingml/2006/main" xmlns:r="http://schemas.openxmlformats.org/officeDocument/2006/relationships" xmlns:p="http://schemas.openxmlformats.org/presentationml/2006/main" show="0">
   <p:cSld>
     <p:spTree>
       <p:nvGrpSpPr>
@@ -11620,7 +16241,7 @@
 </file>
 
 <file path=ppt/slides/slide4.xml><?xml version="1.0" encoding="utf-8"?>
-<p:sld xmlns:a="http://schemas.openxmlformats.org/drawingml/2006/main" xmlns:r="http://schemas.openxmlformats.org/officeDocument/2006/relationships" xmlns:p="http://schemas.openxmlformats.org/presentationml/2006/main">
+<p:sld xmlns:a="http://schemas.openxmlformats.org/drawingml/2006/main" xmlns:r="http://schemas.openxmlformats.org/officeDocument/2006/relationships" xmlns:p="http://schemas.openxmlformats.org/presentationml/2006/main" show="0">
   <p:cSld>
     <p:spTree>
       <p:nvGrpSpPr>
@@ -11775,7 +16396,7 @@
 </file>
 
 <file path=ppt/slides/slide5.xml><?xml version="1.0" encoding="utf-8"?>
-<p:sld xmlns:a="http://schemas.openxmlformats.org/drawingml/2006/main" xmlns:r="http://schemas.openxmlformats.org/officeDocument/2006/relationships" xmlns:p="http://schemas.openxmlformats.org/presentationml/2006/main">
+<p:sld xmlns:a="http://schemas.openxmlformats.org/drawingml/2006/main" xmlns:r="http://schemas.openxmlformats.org/officeDocument/2006/relationships" xmlns:p="http://schemas.openxmlformats.org/presentationml/2006/main" show="0">
   <p:cSld>
     <p:spTree>
       <p:nvGrpSpPr>
@@ -15136,8 +19757,8 @@
           </a:p>
         </p:txBody>
       </p:sp>
-      <mc:AlternateContent xmlns:mc="http://schemas.openxmlformats.org/markup-compatibility/2006">
-        <mc:Choice xmlns:p14="http://schemas.microsoft.com/office/powerpoint/2010/main" Requires="p14">
+      <mc:AlternateContent xmlns:mc="http://schemas.openxmlformats.org/markup-compatibility/2006" xmlns:p14="http://schemas.microsoft.com/office/powerpoint/2010/main">
+        <mc:Choice Requires="p14">
           <p:contentPart p14:bwMode="auto" r:id="rId2">
             <p14:nvContentPartPr>
               <p14:cNvPr id="68" name="Ink 67">
@@ -15156,7 +19777,7 @@
             </p14:xfrm>
           </p:contentPart>
         </mc:Choice>
-        <mc:Fallback>
+        <mc:Fallback xmlns="">
           <p:pic>
             <p:nvPicPr>
               <p:cNvPr id="68" name="Ink 67">
@@ -15187,8 +19808,8 @@
           </p:pic>
         </mc:Fallback>
       </mc:AlternateContent>
-      <mc:AlternateContent xmlns:mc="http://schemas.openxmlformats.org/markup-compatibility/2006">
-        <mc:Choice xmlns:p14="http://schemas.microsoft.com/office/powerpoint/2010/main" Requires="p14">
+      <mc:AlternateContent xmlns:mc="http://schemas.openxmlformats.org/markup-compatibility/2006" xmlns:p14="http://schemas.microsoft.com/office/powerpoint/2010/main">
+        <mc:Choice Requires="p14">
           <p:contentPart p14:bwMode="auto" r:id="rId4">
             <p14:nvContentPartPr>
               <p14:cNvPr id="69" name="Ink 68">
@@ -15207,7 +19828,7 @@
             </p14:xfrm>
           </p:contentPart>
         </mc:Choice>
-        <mc:Fallback>
+        <mc:Fallback xmlns="">
           <p:pic>
             <p:nvPicPr>
               <p:cNvPr id="69" name="Ink 68">
@@ -18786,7 +23407,7 @@
 </file>
 
 <file path=ppt/slides/slide6.xml><?xml version="1.0" encoding="utf-8"?>
-<p:sld xmlns:a="http://schemas.openxmlformats.org/drawingml/2006/main" xmlns:r="http://schemas.openxmlformats.org/officeDocument/2006/relationships" xmlns:p="http://schemas.openxmlformats.org/presentationml/2006/main">
+<p:sld xmlns:a="http://schemas.openxmlformats.org/drawingml/2006/main" xmlns:r="http://schemas.openxmlformats.org/officeDocument/2006/relationships" xmlns:p="http://schemas.openxmlformats.org/presentationml/2006/main" show="0">
   <p:cSld>
     <p:spTree>
       <p:nvGrpSpPr>
@@ -20901,7 +25522,7 @@
 </file>
 
 <file path=ppt/slides/slide7.xml><?xml version="1.0" encoding="utf-8"?>
-<p:sld xmlns:a="http://schemas.openxmlformats.org/drawingml/2006/main" xmlns:r="http://schemas.openxmlformats.org/officeDocument/2006/relationships" xmlns:p="http://schemas.openxmlformats.org/presentationml/2006/main">
+<p:sld xmlns:a="http://schemas.openxmlformats.org/drawingml/2006/main" xmlns:r="http://schemas.openxmlformats.org/officeDocument/2006/relationships" xmlns:p="http://schemas.openxmlformats.org/presentationml/2006/main" show="0">
   <p:cSld>
     <p:spTree>
       <p:nvGrpSpPr>
@@ -21662,7 +26283,7 @@
 </file>
 
 <file path=ppt/slides/slide8.xml><?xml version="1.0" encoding="utf-8"?>
-<p:sld xmlns:a="http://schemas.openxmlformats.org/drawingml/2006/main" xmlns:r="http://schemas.openxmlformats.org/officeDocument/2006/relationships" xmlns:p="http://schemas.openxmlformats.org/presentationml/2006/main">
+<p:sld xmlns:a="http://schemas.openxmlformats.org/drawingml/2006/main" xmlns:r="http://schemas.openxmlformats.org/officeDocument/2006/relationships" xmlns:p="http://schemas.openxmlformats.org/presentationml/2006/main" show="0">
   <p:cSld>
     <p:spTree>
       <p:nvGrpSpPr>
@@ -23893,7 +28514,7 @@
           <p:cNvPr id="2" name="Title 1">
             <a:extLst>
               <a:ext uri="{FF2B5EF4-FFF2-40B4-BE49-F238E27FC236}">
-                <a16:creationId xmlns:a16="http://schemas.microsoft.com/office/drawing/2014/main" id="{73FC01E1-2F4E-4537-986E-0DE7C2D4C52C}"/>
+                <a16:creationId xmlns:a16="http://schemas.microsoft.com/office/drawing/2014/main" id="{88E7103E-4FDF-468A-8EA0-6C76DE29CE8A}"/>
               </a:ext>
             </a:extLst>
           </p:cNvPr>
@@ -23911,7 +28532,7 @@
           <a:p>
             <a:r>
               <a:rPr lang="en-US" dirty="0"/>
-              <a:t>Break Time</a:t>
+              <a:t>Recursion</a:t>
             </a:r>
           </a:p>
         </p:txBody>
@@ -23921,7 +28542,7 @@
           <p:cNvPr id="3" name="Text Placeholder 2">
             <a:extLst>
               <a:ext uri="{FF2B5EF4-FFF2-40B4-BE49-F238E27FC236}">
-                <a16:creationId xmlns:a16="http://schemas.microsoft.com/office/drawing/2014/main" id="{9456CD0B-02D4-45ED-8555-2ACFF776C0AB}"/>
+                <a16:creationId xmlns:a16="http://schemas.microsoft.com/office/drawing/2014/main" id="{941FD394-5E61-47FB-BC65-1E23F7497A8D}"/>
               </a:ext>
             </a:extLst>
           </p:cNvPr>
@@ -23932,39 +28553,52 @@
             <p:ph type="body" idx="1"/>
           </p:nvPr>
         </p:nvSpPr>
-        <p:spPr/>
+        <p:spPr>
+          <a:xfrm>
+            <a:off x="628075" y="2487882"/>
+            <a:ext cx="9473867" cy="4379259"/>
+          </a:xfrm>
+        </p:spPr>
         <p:txBody>
           <a:bodyPr/>
           <a:lstStyle/>
           <a:p>
             <a:r>
               <a:rPr lang="en-US" dirty="0"/>
-              <a:t>Write a method / class / code at your table – include various things you know</a:t>
-            </a:r>
-          </a:p>
-          <a:p>
+              <a:t>Recursion is thinking of </a:t>
+            </a:r>
+          </a:p>
+          <a:p>
+            <a:pPr lvl="1"/>
             <a:r>
               <a:rPr lang="en-US" dirty="0"/>
-              <a:t>Let someone else EXPLAIN what the output of your method will be</a:t>
+              <a:t>Doing one thing – and then the “rest of the things”</a:t>
             </a:r>
           </a:p>
           <a:p>
             <a:r>
               <a:rPr lang="en-US" dirty="0"/>
-              <a:t>Then explain to them what you were going for, so </a:t>
-            </a:r>
-            <a:r>
-              <a:rPr lang="en-US"/>
-              <a:t>the answer</a:t>
-            </a:r>
-            <a:endParaRPr lang="en-US" dirty="0"/>
+              <a:t>Takes practice (you will get tons of it)</a:t>
+            </a:r>
+          </a:p>
+          <a:p>
+            <a:r>
+              <a:rPr lang="en-US" dirty="0"/>
+              <a:t>Always look a simple examples, and then build up when figuring out a problem.</a:t>
+            </a:r>
+          </a:p>
+          <a:p>
+            <a:r>
+              <a:rPr lang="en-US" dirty="0"/>
+              <a:t>Let’s look at a knowledge check..</a:t>
+            </a:r>
           </a:p>
         </p:txBody>
       </p:sp>
     </p:spTree>
     <p:extLst>
       <p:ext uri="{BB962C8B-B14F-4D97-AF65-F5344CB8AC3E}">
-        <p14:creationId xmlns:p14="http://schemas.microsoft.com/office/powerpoint/2010/main" val="1441112270"/>
+        <p14:creationId xmlns:p14="http://schemas.microsoft.com/office/powerpoint/2010/main" val="3825219503"/>
       </p:ext>
     </p:extLst>
   </p:cSld>
@@ -24900,9 +29534,12 @@
 </file>
 
 <file path=customXml/item1.xml><?xml version="1.0" encoding="utf-8"?>
-<p:properties xmlns:p="http://schemas.microsoft.com/office/2006/metadata/properties" xmlns:xsi="http://www.w3.org/2001/XMLSchema-instance" xmlns:pc="http://schemas.microsoft.com/office/infopath/2007/PartnerControls">
-  <documentManagement/>
-</p:properties>
+<?mso-contentType ?>
+<FormTemplates xmlns="http://schemas.microsoft.com/sharepoint/v3/contenttype/forms">
+  <Display>DocumentLibraryForm</Display>
+  <Edit>DocumentLibraryForm</Edit>
+  <New>DocumentLibraryForm</New>
+</FormTemplates>
 </file>
 
 <file path=customXml/item2.xml><?xml version="1.0" encoding="utf-8"?>
@@ -25135,27 +29772,15 @@
 </file>
 
 <file path=customXml/item3.xml><?xml version="1.0" encoding="utf-8"?>
-<?mso-contentType ?>
-<FormTemplates xmlns="http://schemas.microsoft.com/sharepoint/v3/contenttype/forms">
-  <Display>DocumentLibraryForm</Display>
-  <Edit>DocumentLibraryForm</Edit>
-  <New>DocumentLibraryForm</New>
-</FormTemplates>
+<p:properties xmlns:p="http://schemas.microsoft.com/office/2006/metadata/properties" xmlns:xsi="http://www.w3.org/2001/XMLSchema-instance" xmlns:pc="http://schemas.microsoft.com/office/infopath/2007/PartnerControls">
+  <documentManagement/>
+</p:properties>
 </file>
 
 <file path=customXml/itemProps1.xml><?xml version="1.0" encoding="utf-8"?>
-<ds:datastoreItem xmlns:ds="http://schemas.openxmlformats.org/officeDocument/2006/customXml" ds:itemID="{E7B4BED8-6587-430C-8C6E-C226A7D33E25}">
+<ds:datastoreItem xmlns:ds="http://schemas.openxmlformats.org/officeDocument/2006/customXml" ds:itemID="{859D3A98-3522-4EE5-94F5-88815D34F733}">
   <ds:schemaRefs>
-    <ds:schemaRef ds:uri="http://purl.org/dc/dcmitype/"/>
-    <ds:schemaRef ds:uri="http://schemas.microsoft.com/office/2006/documentManagement/types"/>
-    <ds:schemaRef ds:uri="http://purl.org/dc/elements/1.1/"/>
-    <ds:schemaRef ds:uri="e06ed288-fd75-4b50-bbed-f5a5df88c31c"/>
-    <ds:schemaRef ds:uri="http://schemas.microsoft.com/office/infopath/2007/PartnerControls"/>
-    <ds:schemaRef ds:uri="http://schemas.microsoft.com/office/2006/metadata/properties"/>
-    <ds:schemaRef ds:uri="92c41bee-f0ee-4aa6-9399-a35fbb883510"/>
-    <ds:schemaRef ds:uri="http://schemas.openxmlformats.org/package/2006/metadata/core-properties"/>
-    <ds:schemaRef ds:uri="http://www.w3.org/XML/1998/namespace"/>
-    <ds:schemaRef ds:uri="http://purl.org/dc/terms/"/>
+    <ds:schemaRef ds:uri="http://schemas.microsoft.com/sharepoint/v3/contenttype/forms"/>
   </ds:schemaRefs>
 </ds:datastoreItem>
 </file>
@@ -25180,9 +29805,18 @@
 </file>
 
 <file path=customXml/itemProps3.xml><?xml version="1.0" encoding="utf-8"?>
-<ds:datastoreItem xmlns:ds="http://schemas.openxmlformats.org/officeDocument/2006/customXml" ds:itemID="{859D3A98-3522-4EE5-94F5-88815D34F733}">
+<ds:datastoreItem xmlns:ds="http://schemas.openxmlformats.org/officeDocument/2006/customXml" ds:itemID="{E7B4BED8-6587-430C-8C6E-C226A7D33E25}">
   <ds:schemaRefs>
-    <ds:schemaRef ds:uri="http://schemas.microsoft.com/sharepoint/v3/contenttype/forms"/>
+    <ds:schemaRef ds:uri="http://purl.org/dc/dcmitype/"/>
+    <ds:schemaRef ds:uri="http://schemas.microsoft.com/office/2006/documentManagement/types"/>
+    <ds:schemaRef ds:uri="http://purl.org/dc/elements/1.1/"/>
+    <ds:schemaRef ds:uri="e06ed288-fd75-4b50-bbed-f5a5df88c31c"/>
+    <ds:schemaRef ds:uri="http://schemas.microsoft.com/office/infopath/2007/PartnerControls"/>
+    <ds:schemaRef ds:uri="http://schemas.microsoft.com/office/2006/metadata/properties"/>
+    <ds:schemaRef ds:uri="92c41bee-f0ee-4aa6-9399-a35fbb883510"/>
+    <ds:schemaRef ds:uri="http://schemas.openxmlformats.org/package/2006/metadata/core-properties"/>
+    <ds:schemaRef ds:uri="http://www.w3.org/XML/1998/namespace"/>
+    <ds:schemaRef ds:uri="http://purl.org/dc/terms/"/>
   </ds:schemaRefs>
 </ds:datastoreItem>
 </file>